--- a/Report#1_.pptx
+++ b/Report#1_.pptx
@@ -5,7 +5,7 @@
     <p:sldMasterId id="2147483696" r:id="rId1"/>
   </p:sldMasterIdLst>
   <p:notesMasterIdLst>
-    <p:notesMasterId r:id="rId35"/>
+    <p:notesMasterId r:id="rId38"/>
   </p:notesMasterIdLst>
   <p:sldIdLst>
     <p:sldId id="256" r:id="rId2"/>
@@ -19,28 +19,31 @@
     <p:sldId id="264" r:id="rId10"/>
     <p:sldId id="265" r:id="rId11"/>
     <p:sldId id="266" r:id="rId12"/>
-    <p:sldId id="267" r:id="rId13"/>
-    <p:sldId id="268" r:id="rId14"/>
-    <p:sldId id="269" r:id="rId15"/>
-    <p:sldId id="270" r:id="rId16"/>
-    <p:sldId id="271" r:id="rId17"/>
-    <p:sldId id="272" r:id="rId18"/>
-    <p:sldId id="273" r:id="rId19"/>
-    <p:sldId id="274" r:id="rId20"/>
-    <p:sldId id="275" r:id="rId21"/>
-    <p:sldId id="276" r:id="rId22"/>
-    <p:sldId id="279" r:id="rId23"/>
-    <p:sldId id="277" r:id="rId24"/>
-    <p:sldId id="278" r:id="rId25"/>
-    <p:sldId id="280" r:id="rId26"/>
-    <p:sldId id="281" r:id="rId27"/>
-    <p:sldId id="282" r:id="rId28"/>
-    <p:sldId id="283" r:id="rId29"/>
-    <p:sldId id="284" r:id="rId30"/>
-    <p:sldId id="285" r:id="rId31"/>
-    <p:sldId id="287" r:id="rId32"/>
-    <p:sldId id="286" r:id="rId33"/>
-    <p:sldId id="288" r:id="rId34"/>
+    <p:sldId id="291" r:id="rId13"/>
+    <p:sldId id="267" r:id="rId14"/>
+    <p:sldId id="268" r:id="rId15"/>
+    <p:sldId id="269" r:id="rId16"/>
+    <p:sldId id="289" r:id="rId17"/>
+    <p:sldId id="270" r:id="rId18"/>
+    <p:sldId id="271" r:id="rId19"/>
+    <p:sldId id="272" r:id="rId20"/>
+    <p:sldId id="273" r:id="rId21"/>
+    <p:sldId id="274" r:id="rId22"/>
+    <p:sldId id="275" r:id="rId23"/>
+    <p:sldId id="276" r:id="rId24"/>
+    <p:sldId id="279" r:id="rId25"/>
+    <p:sldId id="277" r:id="rId26"/>
+    <p:sldId id="278" r:id="rId27"/>
+    <p:sldId id="280" r:id="rId28"/>
+    <p:sldId id="281" r:id="rId29"/>
+    <p:sldId id="282" r:id="rId30"/>
+    <p:sldId id="283" r:id="rId31"/>
+    <p:sldId id="284" r:id="rId32"/>
+    <p:sldId id="285" r:id="rId33"/>
+    <p:sldId id="290" r:id="rId34"/>
+    <p:sldId id="287" r:id="rId35"/>
+    <p:sldId id="286" r:id="rId36"/>
+    <p:sldId id="288" r:id="rId37"/>
   </p:sldIdLst>
   <p:sldSz cx="9144000" cy="6858000" type="screen4x3"/>
   <p:notesSz cx="6858000" cy="9144000"/>
@@ -142,6 +145,148 @@
 </p:presentation>
 </file>
 
+<file path=ppt/charts/chart1.xml><?xml version="1.0" encoding="utf-8"?>
+<c:chartSpace xmlns:c="http://schemas.openxmlformats.org/drawingml/2006/chart" xmlns:a="http://schemas.openxmlformats.org/drawingml/2006/main" xmlns:r="http://schemas.openxmlformats.org/officeDocument/2006/relationships">
+  <c:date1904 val="0"/>
+  <c:lang val="en-US"/>
+  <c:roundedCorners val="0"/>
+  <mc:AlternateContent xmlns:mc="http://schemas.openxmlformats.org/markup-compatibility/2006">
+    <mc:Choice xmlns:c14="http://schemas.microsoft.com/office/drawing/2007/8/2/chart" Requires="c14">
+      <c14:style val="118"/>
+    </mc:Choice>
+    <mc:Fallback>
+      <c:style val="18"/>
+    </mc:Fallback>
+  </mc:AlternateContent>
+  <c:chart>
+    <c:title>
+      <c:layout/>
+      <c:overlay val="0"/>
+    </c:title>
+    <c:autoTitleDeleted val="0"/>
+    <c:plotArea>
+      <c:layout/>
+      <c:pieChart>
+        <c:varyColors val="1"/>
+        <c:ser>
+          <c:idx val="0"/>
+          <c:order val="0"/>
+          <c:tx>
+            <c:strRef>
+              <c:f>Sheet1!$B$1</c:f>
+              <c:strCache>
+                <c:ptCount val="1"/>
+                <c:pt idx="0">
+                  <c:v>LABR Dataset</c:v>
+                </c:pt>
+              </c:strCache>
+            </c:strRef>
+          </c:tx>
+          <c:dPt>
+            <c:idx val="0"/>
+            <c:bubble3D val="0"/>
+            <c:explosion val="10"/>
+          </c:dPt>
+          <c:dPt>
+            <c:idx val="1"/>
+            <c:bubble3D val="0"/>
+            <c:explosion val="8"/>
+          </c:dPt>
+          <c:dLbls>
+            <c:showLegendKey val="0"/>
+            <c:showVal val="1"/>
+            <c:showCatName val="0"/>
+            <c:showSerName val="0"/>
+            <c:showPercent val="0"/>
+            <c:showBubbleSize val="0"/>
+            <c:showLeaderLines val="1"/>
+          </c:dLbls>
+          <c:cat>
+            <c:strRef>
+              <c:f>Sheet1!$A$2:$A$5</c:f>
+              <c:strCache>
+                <c:ptCount val="3"/>
+                <c:pt idx="0">
+                  <c:v>Validation</c:v>
+                </c:pt>
+                <c:pt idx="1">
+                  <c:v>Test</c:v>
+                </c:pt>
+                <c:pt idx="2">
+                  <c:v>Train</c:v>
+                </c:pt>
+              </c:strCache>
+            </c:strRef>
+          </c:cat>
+          <c:val>
+            <c:numRef>
+              <c:f>Sheet1!$B$2:$B$5</c:f>
+              <c:numCache>
+                <c:formatCode>General</c:formatCode>
+                <c:ptCount val="4"/>
+                <c:pt idx="0">
+                  <c:v>2</c:v>
+                </c:pt>
+                <c:pt idx="1">
+                  <c:v>2</c:v>
+                </c:pt>
+                <c:pt idx="2">
+                  <c:v>6</c:v>
+                </c:pt>
+              </c:numCache>
+            </c:numRef>
+          </c:val>
+        </c:ser>
+        <c:dLbls>
+          <c:showLegendKey val="0"/>
+          <c:showVal val="0"/>
+          <c:showCatName val="0"/>
+          <c:showSerName val="0"/>
+          <c:showPercent val="0"/>
+          <c:showBubbleSize val="0"/>
+          <c:showLeaderLines val="1"/>
+        </c:dLbls>
+        <c:firstSliceAng val="0"/>
+      </c:pieChart>
+    </c:plotArea>
+    <c:legend>
+      <c:legendPos val="r"/>
+      <c:legendEntry>
+        <c:idx val="3"/>
+        <c:delete val="1"/>
+      </c:legendEntry>
+      <c:layout>
+        <c:manualLayout>
+          <c:xMode val="edge"/>
+          <c:yMode val="edge"/>
+          <c:x val="0.78551525590551186"/>
+          <c:y val="0.38653912401574803"/>
+          <c:w val="0.20198474409448819"/>
+          <c:h val="0.34582775590551179"/>
+        </c:manualLayout>
+      </c:layout>
+      <c:overlay val="0"/>
+    </c:legend>
+    <c:plotVisOnly val="1"/>
+    <c:dispBlanksAs val="gap"/>
+    <c:showDLblsOverMax val="0"/>
+  </c:chart>
+  <c:txPr>
+    <a:bodyPr/>
+    <a:lstStyle/>
+    <a:p>
+      <a:pPr>
+        <a:defRPr sz="1800"/>
+      </a:pPr>
+      <a:endParaRPr lang="en-US"/>
+    </a:p>
+  </c:txPr>
+  <c:externalData r:id="rId1">
+    <c:autoUpdate val="0"/>
+  </c:externalData>
+</c:chartSpace>
+</file>
+
 <file path=ppt/notesMasters/notesMaster1.xml><?xml version="1.0" encoding="utf-8"?>
 <p:notesMaster xmlns:a="http://schemas.openxmlformats.org/drawingml/2006/main" xmlns:r="http://schemas.openxmlformats.org/officeDocument/2006/relationships" xmlns:p="http://schemas.openxmlformats.org/presentationml/2006/main">
   <p:cSld>
@@ -224,7 +369,7 @@
           <a:p>
             <a:fld id="{DD8A42F0-9F54-49D3-A6E7-134438D42CEF}" type="datetimeFigureOut">
               <a:rPr lang="en-US" smtClean="0"/>
-              <a:t>6/14/2014</a:t>
+              <a:t>6/15/2014</a:t>
             </a:fld>
             <a:endParaRPr lang="en-US"/>
           </a:p>
@@ -557,7 +702,7 @@
           <a:p>
             <a:fld id="{2898E69D-2857-4E8A-ADBD-F537909C69B0}" type="slidenum">
               <a:rPr lang="en-US" smtClean="0"/>
-              <a:t>16</a:t>
+              <a:t>4</a:t>
             </a:fld>
             <a:endParaRPr lang="en-US"/>
           </a:p>
@@ -566,7 +711,267 @@
     </p:spTree>
     <p:extLst>
       <p:ext uri="{BB962C8B-B14F-4D97-AF65-F5344CB8AC3E}">
-        <p14:creationId xmlns:p14="http://schemas.microsoft.com/office/powerpoint/2010/main" val="749639958"/>
+        <p14:creationId xmlns:p14="http://schemas.microsoft.com/office/powerpoint/2010/main" val="2473332651"/>
+      </p:ext>
+    </p:extLst>
+  </p:cSld>
+  <p:clrMapOvr>
+    <a:masterClrMapping/>
+  </p:clrMapOvr>
+</p:notes>
+</file>
+
+<file path=ppt/notesSlides/notesSlide10.xml><?xml version="1.0" encoding="utf-8"?>
+<p:notes xmlns:a="http://schemas.openxmlformats.org/drawingml/2006/main" xmlns:r="http://schemas.openxmlformats.org/officeDocument/2006/relationships" xmlns:p="http://schemas.openxmlformats.org/presentationml/2006/main">
+  <p:cSld>
+    <p:spTree>
+      <p:nvGrpSpPr>
+        <p:cNvPr id="1" name=""/>
+        <p:cNvGrpSpPr/>
+        <p:nvPr/>
+      </p:nvGrpSpPr>
+      <p:grpSpPr>
+        <a:xfrm>
+          <a:off x="0" y="0"/>
+          <a:ext cx="0" cy="0"/>
+          <a:chOff x="0" y="0"/>
+          <a:chExt cx="0" cy="0"/>
+        </a:xfrm>
+      </p:grpSpPr>
+      <p:sp>
+        <p:nvSpPr>
+          <p:cNvPr id="2" name="Slide Image Placeholder 1"/>
+          <p:cNvSpPr>
+            <a:spLocks noGrp="1" noRot="1" noChangeAspect="1"/>
+          </p:cNvSpPr>
+          <p:nvPr>
+            <p:ph type="sldImg"/>
+          </p:nvPr>
+        </p:nvSpPr>
+        <p:spPr/>
+      </p:sp>
+      <p:sp>
+        <p:nvSpPr>
+          <p:cNvPr id="3" name="Notes Placeholder 2"/>
+          <p:cNvSpPr>
+            <a:spLocks noGrp="1"/>
+          </p:cNvSpPr>
+          <p:nvPr>
+            <p:ph type="body" idx="1"/>
+          </p:nvPr>
+        </p:nvSpPr>
+        <p:spPr/>
+        <p:txBody>
+          <a:bodyPr/>
+          <a:lstStyle/>
+          <a:p>
+            <a:r>
+              <a:rPr lang="en-US" dirty="0" smtClean="0"/>
+              <a:t>(Talk) Results were bad but this is a starting point to us</a:t>
+            </a:r>
+            <a:endParaRPr lang="en-US" dirty="0"/>
+          </a:p>
+        </p:txBody>
+      </p:sp>
+      <p:sp>
+        <p:nvSpPr>
+          <p:cNvPr id="4" name="Slide Number Placeholder 3"/>
+          <p:cNvSpPr>
+            <a:spLocks noGrp="1"/>
+          </p:cNvSpPr>
+          <p:nvPr>
+            <p:ph type="sldNum" sz="quarter" idx="10"/>
+          </p:nvPr>
+        </p:nvSpPr>
+        <p:spPr/>
+        <p:txBody>
+          <a:bodyPr/>
+          <a:lstStyle/>
+          <a:p>
+            <a:fld id="{2898E69D-2857-4E8A-ADBD-F537909C69B0}" type="slidenum">
+              <a:rPr lang="en-US" smtClean="0"/>
+              <a:t>30</a:t>
+            </a:fld>
+            <a:endParaRPr lang="en-US"/>
+          </a:p>
+        </p:txBody>
+      </p:sp>
+    </p:spTree>
+    <p:extLst>
+      <p:ext uri="{BB962C8B-B14F-4D97-AF65-F5344CB8AC3E}">
+        <p14:creationId xmlns:p14="http://schemas.microsoft.com/office/powerpoint/2010/main" val="3275223475"/>
+      </p:ext>
+    </p:extLst>
+  </p:cSld>
+  <p:clrMapOvr>
+    <a:masterClrMapping/>
+  </p:clrMapOvr>
+</p:notes>
+</file>
+
+<file path=ppt/notesSlides/notesSlide11.xml><?xml version="1.0" encoding="utf-8"?>
+<p:notes xmlns:a="http://schemas.openxmlformats.org/drawingml/2006/main" xmlns:r="http://schemas.openxmlformats.org/officeDocument/2006/relationships" xmlns:p="http://schemas.openxmlformats.org/presentationml/2006/main">
+  <p:cSld>
+    <p:spTree>
+      <p:nvGrpSpPr>
+        <p:cNvPr id="1" name=""/>
+        <p:cNvGrpSpPr/>
+        <p:nvPr/>
+      </p:nvGrpSpPr>
+      <p:grpSpPr>
+        <a:xfrm>
+          <a:off x="0" y="0"/>
+          <a:ext cx="0" cy="0"/>
+          <a:chOff x="0" y="0"/>
+          <a:chExt cx="0" cy="0"/>
+        </a:xfrm>
+      </p:grpSpPr>
+      <p:sp>
+        <p:nvSpPr>
+          <p:cNvPr id="2" name="Slide Image Placeholder 1"/>
+          <p:cNvSpPr>
+            <a:spLocks noGrp="1" noRot="1" noChangeAspect="1"/>
+          </p:cNvSpPr>
+          <p:nvPr>
+            <p:ph type="sldImg"/>
+          </p:nvPr>
+        </p:nvSpPr>
+        <p:spPr/>
+      </p:sp>
+      <p:sp>
+        <p:nvSpPr>
+          <p:cNvPr id="3" name="Notes Placeholder 2"/>
+          <p:cNvSpPr>
+            <a:spLocks noGrp="1"/>
+          </p:cNvSpPr>
+          <p:nvPr>
+            <p:ph type="body" idx="1"/>
+          </p:nvPr>
+        </p:nvSpPr>
+        <p:spPr/>
+        <p:txBody>
+          <a:bodyPr/>
+          <a:lstStyle/>
+          <a:p>
+            <a:r>
+              <a:rPr lang="en-US" dirty="0" smtClean="0"/>
+              <a:t>Over period (Tweets)</a:t>
+            </a:r>
+            <a:endParaRPr lang="en-US" dirty="0"/>
+          </a:p>
+        </p:txBody>
+      </p:sp>
+      <p:sp>
+        <p:nvSpPr>
+          <p:cNvPr id="4" name="Slide Number Placeholder 3"/>
+          <p:cNvSpPr>
+            <a:spLocks noGrp="1"/>
+          </p:cNvSpPr>
+          <p:nvPr>
+            <p:ph type="sldNum" sz="quarter" idx="10"/>
+          </p:nvPr>
+        </p:nvSpPr>
+        <p:spPr/>
+        <p:txBody>
+          <a:bodyPr/>
+          <a:lstStyle/>
+          <a:p>
+            <a:fld id="{2898E69D-2857-4E8A-ADBD-F537909C69B0}" type="slidenum">
+              <a:rPr lang="en-US" smtClean="0"/>
+              <a:t>31</a:t>
+            </a:fld>
+            <a:endParaRPr lang="en-US"/>
+          </a:p>
+        </p:txBody>
+      </p:sp>
+    </p:spTree>
+    <p:extLst>
+      <p:ext uri="{BB962C8B-B14F-4D97-AF65-F5344CB8AC3E}">
+        <p14:creationId xmlns:p14="http://schemas.microsoft.com/office/powerpoint/2010/main" val="981127490"/>
+      </p:ext>
+    </p:extLst>
+  </p:cSld>
+  <p:clrMapOvr>
+    <a:masterClrMapping/>
+  </p:clrMapOvr>
+</p:notes>
+</file>
+
+<file path=ppt/notesSlides/notesSlide12.xml><?xml version="1.0" encoding="utf-8"?>
+<p:notes xmlns:a="http://schemas.openxmlformats.org/drawingml/2006/main" xmlns:r="http://schemas.openxmlformats.org/officeDocument/2006/relationships" xmlns:p="http://schemas.openxmlformats.org/presentationml/2006/main">
+  <p:cSld>
+    <p:spTree>
+      <p:nvGrpSpPr>
+        <p:cNvPr id="1" name=""/>
+        <p:cNvGrpSpPr/>
+        <p:nvPr/>
+      </p:nvGrpSpPr>
+      <p:grpSpPr>
+        <a:xfrm>
+          <a:off x="0" y="0"/>
+          <a:ext cx="0" cy="0"/>
+          <a:chOff x="0" y="0"/>
+          <a:chExt cx="0" cy="0"/>
+        </a:xfrm>
+      </p:grpSpPr>
+      <p:sp>
+        <p:nvSpPr>
+          <p:cNvPr id="2" name="Slide Image Placeholder 1"/>
+          <p:cNvSpPr>
+            <a:spLocks noGrp="1" noRot="1" noChangeAspect="1"/>
+          </p:cNvSpPr>
+          <p:nvPr>
+            <p:ph type="sldImg"/>
+          </p:nvPr>
+        </p:nvSpPr>
+        <p:spPr/>
+      </p:sp>
+      <p:sp>
+        <p:nvSpPr>
+          <p:cNvPr id="3" name="Notes Placeholder 2"/>
+          <p:cNvSpPr>
+            <a:spLocks noGrp="1"/>
+          </p:cNvSpPr>
+          <p:nvPr>
+            <p:ph type="body" idx="1"/>
+          </p:nvPr>
+        </p:nvSpPr>
+        <p:spPr/>
+        <p:txBody>
+          <a:bodyPr/>
+          <a:lstStyle/>
+          <a:p>
+            <a:endParaRPr lang="en-US" dirty="0"/>
+          </a:p>
+        </p:txBody>
+      </p:sp>
+      <p:sp>
+        <p:nvSpPr>
+          <p:cNvPr id="4" name="Slide Number Placeholder 3"/>
+          <p:cNvSpPr>
+            <a:spLocks noGrp="1"/>
+          </p:cNvSpPr>
+          <p:nvPr>
+            <p:ph type="sldNum" sz="quarter" idx="10"/>
+          </p:nvPr>
+        </p:nvSpPr>
+        <p:spPr/>
+        <p:txBody>
+          <a:bodyPr/>
+          <a:lstStyle/>
+          <a:p>
+            <a:fld id="{2898E69D-2857-4E8A-ADBD-F537909C69B0}" type="slidenum">
+              <a:rPr lang="en-US" smtClean="0"/>
+              <a:t>34</a:t>
+            </a:fld>
+            <a:endParaRPr lang="en-US"/>
+          </a:p>
+        </p:txBody>
+      </p:sp>
+    </p:spTree>
+    <p:extLst>
+      <p:ext uri="{BB962C8B-B14F-4D97-AF65-F5344CB8AC3E}">
+        <p14:creationId xmlns:p14="http://schemas.microsoft.com/office/powerpoint/2010/main" val="1244143917"/>
       </p:ext>
     </p:extLst>
   </p:cSld>
@@ -641,7 +1046,493 @@
           <a:p>
             <a:fld id="{2898E69D-2857-4E8A-ADBD-F537909C69B0}" type="slidenum">
               <a:rPr lang="en-US" smtClean="0"/>
+              <a:t>5</a:t>
+            </a:fld>
+            <a:endParaRPr lang="en-US"/>
+          </a:p>
+        </p:txBody>
+      </p:sp>
+    </p:spTree>
+    <p:extLst>
+      <p:ext uri="{BB962C8B-B14F-4D97-AF65-F5344CB8AC3E}">
+        <p14:creationId xmlns:p14="http://schemas.microsoft.com/office/powerpoint/2010/main" val="1118642116"/>
+      </p:ext>
+    </p:extLst>
+  </p:cSld>
+  <p:clrMapOvr>
+    <a:masterClrMapping/>
+  </p:clrMapOvr>
+</p:notes>
+</file>
+
+<file path=ppt/notesSlides/notesSlide3.xml><?xml version="1.0" encoding="utf-8"?>
+<p:notes xmlns:a="http://schemas.openxmlformats.org/drawingml/2006/main" xmlns:r="http://schemas.openxmlformats.org/officeDocument/2006/relationships" xmlns:p="http://schemas.openxmlformats.org/presentationml/2006/main">
+  <p:cSld>
+    <p:spTree>
+      <p:nvGrpSpPr>
+        <p:cNvPr id="1" name=""/>
+        <p:cNvGrpSpPr/>
+        <p:nvPr/>
+      </p:nvGrpSpPr>
+      <p:grpSpPr>
+        <a:xfrm>
+          <a:off x="0" y="0"/>
+          <a:ext cx="0" cy="0"/>
+          <a:chOff x="0" y="0"/>
+          <a:chExt cx="0" cy="0"/>
+        </a:xfrm>
+      </p:grpSpPr>
+      <p:sp>
+        <p:nvSpPr>
+          <p:cNvPr id="2" name="Slide Image Placeholder 1"/>
+          <p:cNvSpPr>
+            <a:spLocks noGrp="1" noRot="1" noChangeAspect="1"/>
+          </p:cNvSpPr>
+          <p:nvPr>
+            <p:ph type="sldImg"/>
+          </p:nvPr>
+        </p:nvSpPr>
+        <p:spPr/>
+      </p:sp>
+      <p:sp>
+        <p:nvSpPr>
+          <p:cNvPr id="3" name="Notes Placeholder 2"/>
+          <p:cNvSpPr>
+            <a:spLocks noGrp="1"/>
+          </p:cNvSpPr>
+          <p:nvPr>
+            <p:ph type="body" idx="1"/>
+          </p:nvPr>
+        </p:nvSpPr>
+        <p:spPr/>
+        <p:txBody>
+          <a:bodyPr/>
+          <a:lstStyle/>
+          <a:p>
+            <a:r>
+              <a:rPr lang="en-US" dirty="0" smtClean="0"/>
+              <a:t>Bullets for the features of each system</a:t>
+            </a:r>
+            <a:endParaRPr lang="en-US" dirty="0"/>
+          </a:p>
+        </p:txBody>
+      </p:sp>
+      <p:sp>
+        <p:nvSpPr>
+          <p:cNvPr id="4" name="Slide Number Placeholder 3"/>
+          <p:cNvSpPr>
+            <a:spLocks noGrp="1"/>
+          </p:cNvSpPr>
+          <p:nvPr>
+            <p:ph type="sldNum" sz="quarter" idx="10"/>
+          </p:nvPr>
+        </p:nvSpPr>
+        <p:spPr/>
+        <p:txBody>
+          <a:bodyPr/>
+          <a:lstStyle/>
+          <a:p>
+            <a:fld id="{2898E69D-2857-4E8A-ADBD-F537909C69B0}" type="slidenum">
+              <a:rPr lang="en-US" smtClean="0"/>
+              <a:t>7</a:t>
+            </a:fld>
+            <a:endParaRPr lang="en-US"/>
+          </a:p>
+        </p:txBody>
+      </p:sp>
+    </p:spTree>
+    <p:extLst>
+      <p:ext uri="{BB962C8B-B14F-4D97-AF65-F5344CB8AC3E}">
+        <p14:creationId xmlns:p14="http://schemas.microsoft.com/office/powerpoint/2010/main" val="1837831632"/>
+      </p:ext>
+    </p:extLst>
+  </p:cSld>
+  <p:clrMapOvr>
+    <a:masterClrMapping/>
+  </p:clrMapOvr>
+</p:notes>
+</file>
+
+<file path=ppt/notesSlides/notesSlide4.xml><?xml version="1.0" encoding="utf-8"?>
+<p:notes xmlns:a="http://schemas.openxmlformats.org/drawingml/2006/main" xmlns:r="http://schemas.openxmlformats.org/officeDocument/2006/relationships" xmlns:p="http://schemas.openxmlformats.org/presentationml/2006/main">
+  <p:cSld>
+    <p:spTree>
+      <p:nvGrpSpPr>
+        <p:cNvPr id="1" name=""/>
+        <p:cNvGrpSpPr/>
+        <p:nvPr/>
+      </p:nvGrpSpPr>
+      <p:grpSpPr>
+        <a:xfrm>
+          <a:off x="0" y="0"/>
+          <a:ext cx="0" cy="0"/>
+          <a:chOff x="0" y="0"/>
+          <a:chExt cx="0" cy="0"/>
+        </a:xfrm>
+      </p:grpSpPr>
+      <p:sp>
+        <p:nvSpPr>
+          <p:cNvPr id="2" name="Slide Image Placeholder 1"/>
+          <p:cNvSpPr>
+            <a:spLocks noGrp="1" noRot="1" noChangeAspect="1"/>
+          </p:cNvSpPr>
+          <p:nvPr>
+            <p:ph type="sldImg"/>
+          </p:nvPr>
+        </p:nvSpPr>
+        <p:spPr/>
+      </p:sp>
+      <p:sp>
+        <p:nvSpPr>
+          <p:cNvPr id="3" name="Notes Placeholder 2"/>
+          <p:cNvSpPr>
+            <a:spLocks noGrp="1"/>
+          </p:cNvSpPr>
+          <p:nvPr>
+            <p:ph type="body" idx="1"/>
+          </p:nvPr>
+        </p:nvSpPr>
+        <p:spPr/>
+        <p:txBody>
+          <a:bodyPr/>
+          <a:lstStyle/>
+          <a:p>
+            <a:endParaRPr lang="en-US" dirty="0"/>
+          </a:p>
+        </p:txBody>
+      </p:sp>
+      <p:sp>
+        <p:nvSpPr>
+          <p:cNvPr id="4" name="Slide Number Placeholder 3"/>
+          <p:cNvSpPr>
+            <a:spLocks noGrp="1"/>
+          </p:cNvSpPr>
+          <p:nvPr>
+            <p:ph type="sldNum" sz="quarter" idx="10"/>
+          </p:nvPr>
+        </p:nvSpPr>
+        <p:spPr/>
+        <p:txBody>
+          <a:bodyPr/>
+          <a:lstStyle/>
+          <a:p>
+            <a:fld id="{2898E69D-2857-4E8A-ADBD-F537909C69B0}" type="slidenum">
+              <a:rPr lang="en-US" smtClean="0"/>
+              <a:t>11</a:t>
+            </a:fld>
+            <a:endParaRPr lang="en-US"/>
+          </a:p>
+        </p:txBody>
+      </p:sp>
+    </p:spTree>
+    <p:extLst>
+      <p:ext uri="{BB962C8B-B14F-4D97-AF65-F5344CB8AC3E}">
+        <p14:creationId xmlns:p14="http://schemas.microsoft.com/office/powerpoint/2010/main" val="1728371732"/>
+      </p:ext>
+    </p:extLst>
+  </p:cSld>
+  <p:clrMapOvr>
+    <a:masterClrMapping/>
+  </p:clrMapOvr>
+</p:notes>
+</file>
+
+<file path=ppt/notesSlides/notesSlide5.xml><?xml version="1.0" encoding="utf-8"?>
+<p:notes xmlns:a="http://schemas.openxmlformats.org/drawingml/2006/main" xmlns:r="http://schemas.openxmlformats.org/officeDocument/2006/relationships" xmlns:p="http://schemas.openxmlformats.org/presentationml/2006/main">
+  <p:cSld>
+    <p:spTree>
+      <p:nvGrpSpPr>
+        <p:cNvPr id="1" name=""/>
+        <p:cNvGrpSpPr/>
+        <p:nvPr/>
+      </p:nvGrpSpPr>
+      <p:grpSpPr>
+        <a:xfrm>
+          <a:off x="0" y="0"/>
+          <a:ext cx="0" cy="0"/>
+          <a:chOff x="0" y="0"/>
+          <a:chExt cx="0" cy="0"/>
+        </a:xfrm>
+      </p:grpSpPr>
+      <p:sp>
+        <p:nvSpPr>
+          <p:cNvPr id="2" name="Slide Image Placeholder 1"/>
+          <p:cNvSpPr>
+            <a:spLocks noGrp="1" noRot="1" noChangeAspect="1"/>
+          </p:cNvSpPr>
+          <p:nvPr>
+            <p:ph type="sldImg"/>
+          </p:nvPr>
+        </p:nvSpPr>
+        <p:spPr/>
+      </p:sp>
+      <p:sp>
+        <p:nvSpPr>
+          <p:cNvPr id="3" name="Notes Placeholder 2"/>
+          <p:cNvSpPr>
+            <a:spLocks noGrp="1"/>
+          </p:cNvSpPr>
+          <p:nvPr>
+            <p:ph type="body" idx="1"/>
+          </p:nvPr>
+        </p:nvSpPr>
+        <p:spPr/>
+        <p:txBody>
+          <a:bodyPr/>
+          <a:lstStyle/>
+          <a:p>
+            <a:r>
+              <a:rPr lang="en-US" baseline="0" dirty="0" smtClean="0"/>
+              <a:t>TFIDF</a:t>
+            </a:r>
+            <a:endParaRPr lang="en-US" dirty="0"/>
+          </a:p>
+        </p:txBody>
+      </p:sp>
+      <p:sp>
+        <p:nvSpPr>
+          <p:cNvPr id="4" name="Slide Number Placeholder 3"/>
+          <p:cNvSpPr>
+            <a:spLocks noGrp="1"/>
+          </p:cNvSpPr>
+          <p:nvPr>
+            <p:ph type="sldNum" sz="quarter" idx="10"/>
+          </p:nvPr>
+        </p:nvSpPr>
+        <p:spPr/>
+        <p:txBody>
+          <a:bodyPr/>
+          <a:lstStyle/>
+          <a:p>
+            <a:fld id="{2898E69D-2857-4E8A-ADBD-F537909C69B0}" type="slidenum">
+              <a:rPr lang="en-US" smtClean="0"/>
               <a:t>17</a:t>
+            </a:fld>
+            <a:endParaRPr lang="en-US"/>
+          </a:p>
+        </p:txBody>
+      </p:sp>
+    </p:spTree>
+    <p:extLst>
+      <p:ext uri="{BB962C8B-B14F-4D97-AF65-F5344CB8AC3E}">
+        <p14:creationId xmlns:p14="http://schemas.microsoft.com/office/powerpoint/2010/main" val="3843830373"/>
+      </p:ext>
+    </p:extLst>
+  </p:cSld>
+  <p:clrMapOvr>
+    <a:masterClrMapping/>
+  </p:clrMapOvr>
+</p:notes>
+</file>
+
+<file path=ppt/notesSlides/notesSlide6.xml><?xml version="1.0" encoding="utf-8"?>
+<p:notes xmlns:a="http://schemas.openxmlformats.org/drawingml/2006/main" xmlns:r="http://schemas.openxmlformats.org/officeDocument/2006/relationships" xmlns:p="http://schemas.openxmlformats.org/presentationml/2006/main">
+  <p:cSld>
+    <p:spTree>
+      <p:nvGrpSpPr>
+        <p:cNvPr id="1" name=""/>
+        <p:cNvGrpSpPr/>
+        <p:nvPr/>
+      </p:nvGrpSpPr>
+      <p:grpSpPr>
+        <a:xfrm>
+          <a:off x="0" y="0"/>
+          <a:ext cx="0" cy="0"/>
+          <a:chOff x="0" y="0"/>
+          <a:chExt cx="0" cy="0"/>
+        </a:xfrm>
+      </p:grpSpPr>
+      <p:sp>
+        <p:nvSpPr>
+          <p:cNvPr id="2" name="Slide Image Placeholder 1"/>
+          <p:cNvSpPr>
+            <a:spLocks noGrp="1" noRot="1" noChangeAspect="1"/>
+          </p:cNvSpPr>
+          <p:nvPr>
+            <p:ph type="sldImg"/>
+          </p:nvPr>
+        </p:nvSpPr>
+        <p:spPr/>
+      </p:sp>
+      <p:sp>
+        <p:nvSpPr>
+          <p:cNvPr id="3" name="Notes Placeholder 2"/>
+          <p:cNvSpPr>
+            <a:spLocks noGrp="1"/>
+          </p:cNvSpPr>
+          <p:nvPr>
+            <p:ph type="body" idx="1"/>
+          </p:nvPr>
+        </p:nvSpPr>
+        <p:spPr/>
+        <p:txBody>
+          <a:bodyPr/>
+          <a:lstStyle/>
+          <a:p>
+            <a:r>
+              <a:rPr lang="en-US" dirty="0" smtClean="0"/>
+              <a:t>Talk about </a:t>
+            </a:r>
+            <a:r>
+              <a:rPr lang="en-US" dirty="0" err="1" smtClean="0"/>
+              <a:t>PA,SGD,Perceptron</a:t>
+            </a:r>
+            <a:endParaRPr lang="en-US" dirty="0" smtClean="0"/>
+          </a:p>
+          <a:p>
+            <a:r>
+              <a:rPr lang="en-US" b="1" dirty="0" smtClean="0">
+                <a:effectLst/>
+              </a:rPr>
+              <a:t>Passive Aggressive:</a:t>
+            </a:r>
+            <a:r>
+              <a:rPr lang="en-US" dirty="0" smtClean="0">
+                <a:effectLst/>
+              </a:rPr>
+              <a:t> It is an online learning model that uses a hinge-loss function together with an aggressiveness parameter C, in order to achieve a positive margin high confidence classifier </a:t>
+            </a:r>
+          </a:p>
+          <a:p>
+            <a:r>
+              <a:rPr lang="en-US" b="1" dirty="0" smtClean="0">
+                <a:effectLst/>
+              </a:rPr>
+              <a:t>Perceptron: </a:t>
+            </a:r>
+            <a:r>
+              <a:rPr lang="en-US" dirty="0" smtClean="0">
+                <a:effectLst/>
+              </a:rPr>
+              <a:t>It is a simple feed-forward single layer linear neural network with a unit step function as an activation function. It uses an iterative algorithm for training the weights, but that algorithm does not take into account the margin </a:t>
+            </a:r>
+          </a:p>
+          <a:p>
+            <a:endParaRPr lang="en-US" dirty="0" smtClean="0">
+              <a:effectLst/>
+            </a:endParaRPr>
+          </a:p>
+          <a:p>
+            <a:r>
+              <a:rPr lang="en-US" b="1" dirty="0" smtClean="0">
+                <a:effectLst/>
+              </a:rPr>
+              <a:t>Stochastic Gradient Descent: </a:t>
+            </a:r>
+            <a:r>
+              <a:rPr lang="en-US" dirty="0" smtClean="0">
+                <a:effectLst/>
+              </a:rPr>
+              <a:t>It is an algorithm that is used to train other machine learning algorithms such as SVM where it samples a subset of training examples at every learning step. Then it calculates the gradient from this subset only, and uses the gradient to update the weight vector w in case of SVM classifier. </a:t>
+            </a:r>
+          </a:p>
+          <a:p>
+            <a:endParaRPr lang="en-US" dirty="0"/>
+          </a:p>
+        </p:txBody>
+      </p:sp>
+      <p:sp>
+        <p:nvSpPr>
+          <p:cNvPr id="4" name="Slide Number Placeholder 3"/>
+          <p:cNvSpPr>
+            <a:spLocks noGrp="1"/>
+          </p:cNvSpPr>
+          <p:nvPr>
+            <p:ph type="sldNum" sz="quarter" idx="10"/>
+          </p:nvPr>
+        </p:nvSpPr>
+        <p:spPr/>
+        <p:txBody>
+          <a:bodyPr/>
+          <a:lstStyle/>
+          <a:p>
+            <a:fld id="{2898E69D-2857-4E8A-ADBD-F537909C69B0}" type="slidenum">
+              <a:rPr lang="en-US" smtClean="0"/>
+              <a:t>18</a:t>
+            </a:fld>
+            <a:endParaRPr lang="en-US"/>
+          </a:p>
+        </p:txBody>
+      </p:sp>
+    </p:spTree>
+    <p:extLst>
+      <p:ext uri="{BB962C8B-B14F-4D97-AF65-F5344CB8AC3E}">
+        <p14:creationId xmlns:p14="http://schemas.microsoft.com/office/powerpoint/2010/main" val="749639958"/>
+      </p:ext>
+    </p:extLst>
+  </p:cSld>
+  <p:clrMapOvr>
+    <a:masterClrMapping/>
+  </p:clrMapOvr>
+</p:notes>
+</file>
+
+<file path=ppt/notesSlides/notesSlide7.xml><?xml version="1.0" encoding="utf-8"?>
+<p:notes xmlns:a="http://schemas.openxmlformats.org/drawingml/2006/main" xmlns:r="http://schemas.openxmlformats.org/officeDocument/2006/relationships" xmlns:p="http://schemas.openxmlformats.org/presentationml/2006/main">
+  <p:cSld>
+    <p:spTree>
+      <p:nvGrpSpPr>
+        <p:cNvPr id="1" name=""/>
+        <p:cNvGrpSpPr/>
+        <p:nvPr/>
+      </p:nvGrpSpPr>
+      <p:grpSpPr>
+        <a:xfrm>
+          <a:off x="0" y="0"/>
+          <a:ext cx="0" cy="0"/>
+          <a:chOff x="0" y="0"/>
+          <a:chExt cx="0" cy="0"/>
+        </a:xfrm>
+      </p:grpSpPr>
+      <p:sp>
+        <p:nvSpPr>
+          <p:cNvPr id="2" name="Slide Image Placeholder 1"/>
+          <p:cNvSpPr>
+            <a:spLocks noGrp="1" noRot="1" noChangeAspect="1"/>
+          </p:cNvSpPr>
+          <p:nvPr>
+            <p:ph type="sldImg"/>
+          </p:nvPr>
+        </p:nvSpPr>
+        <p:spPr/>
+      </p:sp>
+      <p:sp>
+        <p:nvSpPr>
+          <p:cNvPr id="3" name="Notes Placeholder 2"/>
+          <p:cNvSpPr>
+            <a:spLocks noGrp="1"/>
+          </p:cNvSpPr>
+          <p:nvPr>
+            <p:ph type="body" idx="1"/>
+          </p:nvPr>
+        </p:nvSpPr>
+        <p:spPr/>
+        <p:txBody>
+          <a:bodyPr/>
+          <a:lstStyle/>
+          <a:p>
+            <a:endParaRPr lang="en-US" dirty="0"/>
+          </a:p>
+        </p:txBody>
+      </p:sp>
+      <p:sp>
+        <p:nvSpPr>
+          <p:cNvPr id="4" name="Slide Number Placeholder 3"/>
+          <p:cNvSpPr>
+            <a:spLocks noGrp="1"/>
+          </p:cNvSpPr>
+          <p:nvPr>
+            <p:ph type="sldNum" sz="quarter" idx="10"/>
+          </p:nvPr>
+        </p:nvSpPr>
+        <p:spPr/>
+        <p:txBody>
+          <a:bodyPr/>
+          <a:lstStyle/>
+          <a:p>
+            <a:fld id="{2898E69D-2857-4E8A-ADBD-F537909C69B0}" type="slidenum">
+              <a:rPr lang="en-US" smtClean="0"/>
+              <a:t>19</a:t>
             </a:fld>
             <a:endParaRPr lang="en-US"/>
           </a:p>
@@ -651,6 +1542,178 @@
     <p:extLst>
       <p:ext uri="{BB962C8B-B14F-4D97-AF65-F5344CB8AC3E}">
         <p14:creationId xmlns:p14="http://schemas.microsoft.com/office/powerpoint/2010/main" val="2947008657"/>
+      </p:ext>
+    </p:extLst>
+  </p:cSld>
+  <p:clrMapOvr>
+    <a:masterClrMapping/>
+  </p:clrMapOvr>
+</p:notes>
+</file>
+
+<file path=ppt/notesSlides/notesSlide8.xml><?xml version="1.0" encoding="utf-8"?>
+<p:notes xmlns:a="http://schemas.openxmlformats.org/drawingml/2006/main" xmlns:r="http://schemas.openxmlformats.org/officeDocument/2006/relationships" xmlns:p="http://schemas.openxmlformats.org/presentationml/2006/main">
+  <p:cSld>
+    <p:spTree>
+      <p:nvGrpSpPr>
+        <p:cNvPr id="1" name=""/>
+        <p:cNvGrpSpPr/>
+        <p:nvPr/>
+      </p:nvGrpSpPr>
+      <p:grpSpPr>
+        <a:xfrm>
+          <a:off x="0" y="0"/>
+          <a:ext cx="0" cy="0"/>
+          <a:chOff x="0" y="0"/>
+          <a:chExt cx="0" cy="0"/>
+        </a:xfrm>
+      </p:grpSpPr>
+      <p:sp>
+        <p:nvSpPr>
+          <p:cNvPr id="2" name="Slide Image Placeholder 1"/>
+          <p:cNvSpPr>
+            <a:spLocks noGrp="1" noRot="1" noChangeAspect="1"/>
+          </p:cNvSpPr>
+          <p:nvPr>
+            <p:ph type="sldImg"/>
+          </p:nvPr>
+        </p:nvSpPr>
+        <p:spPr/>
+      </p:sp>
+      <p:sp>
+        <p:nvSpPr>
+          <p:cNvPr id="3" name="Notes Placeholder 2"/>
+          <p:cNvSpPr>
+            <a:spLocks noGrp="1"/>
+          </p:cNvSpPr>
+          <p:nvPr>
+            <p:ph type="body" idx="1"/>
+          </p:nvPr>
+        </p:nvSpPr>
+        <p:spPr/>
+        <p:txBody>
+          <a:bodyPr/>
+          <a:lstStyle/>
+          <a:p>
+            <a:endParaRPr lang="en-US" dirty="0"/>
+          </a:p>
+        </p:txBody>
+      </p:sp>
+      <p:sp>
+        <p:nvSpPr>
+          <p:cNvPr id="4" name="Slide Number Placeholder 3"/>
+          <p:cNvSpPr>
+            <a:spLocks noGrp="1"/>
+          </p:cNvSpPr>
+          <p:nvPr>
+            <p:ph type="sldNum" sz="quarter" idx="10"/>
+          </p:nvPr>
+        </p:nvSpPr>
+        <p:spPr/>
+        <p:txBody>
+          <a:bodyPr/>
+          <a:lstStyle/>
+          <a:p>
+            <a:fld id="{2898E69D-2857-4E8A-ADBD-F537909C69B0}" type="slidenum">
+              <a:rPr lang="en-US" smtClean="0"/>
+              <a:t>27</a:t>
+            </a:fld>
+            <a:endParaRPr lang="en-US"/>
+          </a:p>
+        </p:txBody>
+      </p:sp>
+    </p:spTree>
+    <p:extLst>
+      <p:ext uri="{BB962C8B-B14F-4D97-AF65-F5344CB8AC3E}">
+        <p14:creationId xmlns:p14="http://schemas.microsoft.com/office/powerpoint/2010/main" val="2876905936"/>
+      </p:ext>
+    </p:extLst>
+  </p:cSld>
+  <p:clrMapOvr>
+    <a:masterClrMapping/>
+  </p:clrMapOvr>
+</p:notes>
+</file>
+
+<file path=ppt/notesSlides/notesSlide9.xml><?xml version="1.0" encoding="utf-8"?>
+<p:notes xmlns:a="http://schemas.openxmlformats.org/drawingml/2006/main" xmlns:r="http://schemas.openxmlformats.org/officeDocument/2006/relationships" xmlns:p="http://schemas.openxmlformats.org/presentationml/2006/main">
+  <p:cSld>
+    <p:spTree>
+      <p:nvGrpSpPr>
+        <p:cNvPr id="1" name=""/>
+        <p:cNvGrpSpPr/>
+        <p:nvPr/>
+      </p:nvGrpSpPr>
+      <p:grpSpPr>
+        <a:xfrm>
+          <a:off x="0" y="0"/>
+          <a:ext cx="0" cy="0"/>
+          <a:chOff x="0" y="0"/>
+          <a:chExt cx="0" cy="0"/>
+        </a:xfrm>
+      </p:grpSpPr>
+      <p:sp>
+        <p:nvSpPr>
+          <p:cNvPr id="2" name="Slide Image Placeholder 1"/>
+          <p:cNvSpPr>
+            <a:spLocks noGrp="1" noRot="1" noChangeAspect="1"/>
+          </p:cNvSpPr>
+          <p:nvPr>
+            <p:ph type="sldImg"/>
+          </p:nvPr>
+        </p:nvSpPr>
+        <p:spPr/>
+      </p:sp>
+      <p:sp>
+        <p:nvSpPr>
+          <p:cNvPr id="3" name="Notes Placeholder 2"/>
+          <p:cNvSpPr>
+            <a:spLocks noGrp="1"/>
+          </p:cNvSpPr>
+          <p:nvPr>
+            <p:ph type="body" idx="1"/>
+          </p:nvPr>
+        </p:nvSpPr>
+        <p:spPr/>
+        <p:txBody>
+          <a:bodyPr/>
+          <a:lstStyle/>
+          <a:p>
+            <a:r>
+              <a:rPr lang="en-US" dirty="0" smtClean="0"/>
+              <a:t>Add results on test set</a:t>
+            </a:r>
+            <a:endParaRPr lang="en-US" dirty="0"/>
+          </a:p>
+        </p:txBody>
+      </p:sp>
+      <p:sp>
+        <p:nvSpPr>
+          <p:cNvPr id="4" name="Slide Number Placeholder 3"/>
+          <p:cNvSpPr>
+            <a:spLocks noGrp="1"/>
+          </p:cNvSpPr>
+          <p:nvPr>
+            <p:ph type="sldNum" sz="quarter" idx="10"/>
+          </p:nvPr>
+        </p:nvSpPr>
+        <p:spPr/>
+        <p:txBody>
+          <a:bodyPr/>
+          <a:lstStyle/>
+          <a:p>
+            <a:fld id="{2898E69D-2857-4E8A-ADBD-F537909C69B0}" type="slidenum">
+              <a:rPr lang="en-US" smtClean="0"/>
+              <a:t>29</a:t>
+            </a:fld>
+            <a:endParaRPr lang="en-US"/>
+          </a:p>
+        </p:txBody>
+      </p:sp>
+    </p:spTree>
+    <p:extLst>
+      <p:ext uri="{BB962C8B-B14F-4D97-AF65-F5344CB8AC3E}">
+        <p14:creationId xmlns:p14="http://schemas.microsoft.com/office/powerpoint/2010/main" val="360671563"/>
       </p:ext>
     </p:extLst>
   </p:cSld>
@@ -792,10 +1855,9 @@
             <a:extLst/>
           </a:lstStyle>
           <a:p>
-            <a:fld id="{1D8BD707-D9CF-40AE-B4C6-C98DA3205C09}" type="datetimeFigureOut">
+            <a:fld id="{A0DA329A-785D-4762-B3B3-1507F1007C29}" type="datetime1">
               <a:rPr lang="en-US" smtClean="0"/>
-              <a:pPr/>
-              <a:t>6/14/2014</a:t>
+              <a:t>6/15/2014</a:t>
             </a:fld>
             <a:endParaRPr lang="en-US"/>
           </a:p>
@@ -1107,10 +2169,9 @@
             <a:extLst/>
           </a:lstStyle>
           <a:p>
-            <a:fld id="{1D8BD707-D9CF-40AE-B4C6-C98DA3205C09}" type="datetimeFigureOut">
+            <a:fld id="{FCE9DB28-6219-45A4-8D88-208EA5CBCAF4}" type="datetime1">
               <a:rPr lang="en-US" smtClean="0"/>
-              <a:pPr/>
-              <a:t>6/14/2014</a:t>
+              <a:t>6/15/2014</a:t>
             </a:fld>
             <a:endParaRPr lang="en-US"/>
           </a:p>
@@ -1294,10 +2355,9 @@
             <a:extLst/>
           </a:lstStyle>
           <a:p>
-            <a:fld id="{1D8BD707-D9CF-40AE-B4C6-C98DA3205C09}" type="datetimeFigureOut">
+            <a:fld id="{08EFECB1-2F86-4812-937A-3A53814A5990}" type="datetime1">
               <a:rPr lang="en-US" smtClean="0"/>
-              <a:pPr/>
-              <a:t>6/14/2014</a:t>
+              <a:t>6/15/2014</a:t>
             </a:fld>
             <a:endParaRPr lang="en-US"/>
           </a:p>
@@ -1471,10 +2531,9 @@
             <a:extLst/>
           </a:lstStyle>
           <a:p>
-            <a:fld id="{1D8BD707-D9CF-40AE-B4C6-C98DA3205C09}" type="datetimeFigureOut">
+            <a:fld id="{811016FD-805F-4EA3-A729-3A6ABD21F095}" type="datetime1">
               <a:rPr lang="en-US" smtClean="0"/>
-              <a:pPr/>
-              <a:t>6/14/2014</a:t>
+              <a:t>6/15/2014</a:t>
             </a:fld>
             <a:endParaRPr lang="en-US"/>
           </a:p>
@@ -1741,10 +2800,9 @@
             <a:extLst/>
           </a:lstStyle>
           <a:p>
-            <a:fld id="{1D8BD707-D9CF-40AE-B4C6-C98DA3205C09}" type="datetimeFigureOut">
+            <a:fld id="{BF7E7224-30CF-4A07-B49E-3CFFC649F3D8}" type="datetime1">
               <a:rPr lang="en-US" smtClean="0"/>
-              <a:pPr/>
-              <a:t>6/14/2014</a:t>
+              <a:t>6/15/2014</a:t>
             </a:fld>
             <a:endParaRPr lang="en-US"/>
           </a:p>
@@ -2211,10 +3269,9 @@
             <a:extLst/>
           </a:lstStyle>
           <a:p>
-            <a:fld id="{1D8BD707-D9CF-40AE-B4C6-C98DA3205C09}" type="datetimeFigureOut">
+            <a:fld id="{57A0B588-AE3B-421D-A7B6-57E1F03B21CA}" type="datetime1">
               <a:rPr lang="en-US" smtClean="0"/>
-              <a:pPr/>
-              <a:t>6/14/2014</a:t>
+              <a:t>6/15/2014</a:t>
             </a:fld>
             <a:endParaRPr lang="en-US"/>
           </a:p>
@@ -2702,10 +3759,9 @@
             <a:extLst/>
           </a:lstStyle>
           <a:p>
-            <a:fld id="{1D8BD707-D9CF-40AE-B4C6-C98DA3205C09}" type="datetimeFigureOut">
+            <a:fld id="{3B2F4C54-C06B-4434-9B2E-01162BE5FB37}" type="datetime1">
               <a:rPr lang="en-US" smtClean="0"/>
-              <a:pPr/>
-              <a:t>6/14/2014</a:t>
+              <a:t>6/15/2014</a:t>
             </a:fld>
             <a:endParaRPr lang="en-US"/>
           </a:p>
@@ -2830,10 +3886,9 @@
             <a:extLst/>
           </a:lstStyle>
           <a:p>
-            <a:fld id="{1D8BD707-D9CF-40AE-B4C6-C98DA3205C09}" type="datetimeFigureOut">
+            <a:fld id="{5FB2E277-9E61-4D32-8D18-1403798BF61D}" type="datetime1">
               <a:rPr lang="en-US" smtClean="0"/>
-              <a:pPr/>
-              <a:t>6/14/2014</a:t>
+              <a:t>6/15/2014</a:t>
             </a:fld>
             <a:endParaRPr lang="en-US"/>
           </a:p>
@@ -2976,10 +4031,9 @@
             <a:extLst/>
           </a:lstStyle>
           <a:p>
-            <a:fld id="{1D8BD707-D9CF-40AE-B4C6-C98DA3205C09}" type="datetimeFigureOut">
+            <a:fld id="{B75DC15A-5D92-43E6-A0C2-A242B9382C7B}" type="datetime1">
               <a:rPr lang="en-US" smtClean="0"/>
-              <a:pPr/>
-              <a:t>6/14/2014</a:t>
+              <a:t>6/15/2014</a:t>
             </a:fld>
             <a:endParaRPr lang="en-US"/>
           </a:p>
@@ -3300,10 +4354,9 @@
             <a:extLst/>
           </a:lstStyle>
           <a:p>
-            <a:fld id="{1D8BD707-D9CF-40AE-B4C6-C98DA3205C09}" type="datetimeFigureOut">
+            <a:fld id="{F4CF7BF6-8114-404C-AC63-97FED72D65AA}" type="datetime1">
               <a:rPr lang="en-US" smtClean="0"/>
-              <a:pPr/>
-              <a:t>6/14/2014</a:t>
+              <a:t>6/15/2014</a:t>
             </a:fld>
             <a:endParaRPr lang="en-US"/>
           </a:p>
@@ -3436,10 +4489,9 @@
             <a:extLst/>
           </a:lstStyle>
           <a:p>
-            <a:fld id="{1D8BD707-D9CF-40AE-B4C6-C98DA3205C09}" type="datetimeFigureOut">
+            <a:fld id="{E3C0FD41-BFEB-4436-B5E6-ECD2147E8663}" type="datetime1">
               <a:rPr lang="en-US" smtClean="0"/>
-              <a:pPr/>
-              <a:t>6/14/2014</a:t>
+              <a:t>6/15/2014</a:t>
             </a:fld>
             <a:endParaRPr lang="en-US"/>
           </a:p>
@@ -4219,10 +5271,9 @@
             <a:extLst/>
           </a:lstStyle>
           <a:p>
-            <a:fld id="{1D8BD707-D9CF-40AE-B4C6-C98DA3205C09}" type="datetimeFigureOut">
+            <a:fld id="{8AE93BDF-A35C-40D0-B28D-1455CF23E17F}" type="datetime1">
               <a:rPr lang="en-US" smtClean="0"/>
-              <a:pPr/>
-              <a:t>6/14/2014</a:t>
+              <a:t>6/15/2014</a:t>
             </a:fld>
             <a:endParaRPr lang="en-US"/>
           </a:p>
@@ -4385,6 +5436,7 @@
     <p:sldLayoutId id="2147483706" r:id="rId10"/>
     <p:sldLayoutId id="2147483707" r:id="rId11"/>
   </p:sldLayoutIdLst>
+  <p:hf hdr="0" ftr="0" dt="0"/>
   <p:txStyles>
     <p:titleStyle>
       <a:lvl1pPr algn="l" rtl="0" eaLnBrk="1" latinLnBrk="0" hangingPunct="1">
@@ -5210,6 +6262,30 @@
           </a:p>
         </p:txBody>
       </p:sp>
+      <p:sp>
+        <p:nvSpPr>
+          <p:cNvPr id="7" name="Slide Number Placeholder 6"/>
+          <p:cNvSpPr>
+            <a:spLocks noGrp="1"/>
+          </p:cNvSpPr>
+          <p:nvPr>
+            <p:ph type="sldNum" sz="quarter" idx="12"/>
+          </p:nvPr>
+        </p:nvSpPr>
+        <p:spPr/>
+        <p:txBody>
+          <a:bodyPr/>
+          <a:lstStyle/>
+          <a:p>
+            <a:fld id="{B6F15528-21DE-4FAA-801E-634DDDAF4B2B}" type="slidenum">
+              <a:rPr lang="en-US" smtClean="0"/>
+              <a:pPr/>
+              <a:t>1</a:t>
+            </a:fld>
+            <a:endParaRPr lang="en-US"/>
+          </a:p>
+        </p:txBody>
+      </p:sp>
     </p:spTree>
     <p:extLst>
       <p:ext uri="{BB962C8B-B14F-4D97-AF65-F5344CB8AC3E}">
@@ -5441,6 +6517,30 @@
           </a:extLst>
         </p:spPr>
       </p:pic>
+      <p:sp>
+        <p:nvSpPr>
+          <p:cNvPr id="4" name="Slide Number Placeholder 3"/>
+          <p:cNvSpPr>
+            <a:spLocks noGrp="1"/>
+          </p:cNvSpPr>
+          <p:nvPr>
+            <p:ph type="sldNum" sz="quarter" idx="12"/>
+          </p:nvPr>
+        </p:nvSpPr>
+        <p:spPr/>
+        <p:txBody>
+          <a:bodyPr/>
+          <a:lstStyle/>
+          <a:p>
+            <a:fld id="{B6F15528-21DE-4FAA-801E-634DDDAF4B2B}" type="slidenum">
+              <a:rPr lang="en-US" smtClean="0"/>
+              <a:pPr/>
+              <a:t>10</a:t>
+            </a:fld>
+            <a:endParaRPr lang="en-US"/>
+          </a:p>
+        </p:txBody>
+      </p:sp>
     </p:spTree>
     <p:extLst>
       <p:ext uri="{BB962C8B-B14F-4D97-AF65-F5344CB8AC3E}">
@@ -5521,7 +6621,7 @@
         </p:nvSpPr>
         <p:spPr>
           <a:xfrm>
-            <a:off x="1447800" y="1524000"/>
+            <a:off x="1371600" y="1447800"/>
             <a:ext cx="7498080" cy="4800600"/>
           </a:xfrm>
         </p:spPr>
@@ -5575,77 +6675,62 @@
             </a:r>
           </a:p>
           <a:p>
-            <a:r>
-              <a:rPr lang="en-US" sz="2400" dirty="0"/>
-              <a:t>We extend the work in [</a:t>
-            </a:r>
-            <a:r>
-              <a:rPr lang="en-US" sz="2400" dirty="0" err="1"/>
-              <a:t>Aly</a:t>
-            </a:r>
-            <a:r>
-              <a:rPr lang="en-US" sz="2400" dirty="0"/>
-              <a:t> and </a:t>
-            </a:r>
-            <a:r>
-              <a:rPr lang="en-US" sz="2400" dirty="0" err="1"/>
-              <a:t>Atiya</a:t>
-            </a:r>
-            <a:r>
-              <a:rPr lang="en-US" sz="2400" dirty="0"/>
-              <a:t>, 2013] by adding a class for </a:t>
-            </a:r>
-            <a:r>
-              <a:rPr lang="en-US" sz="2400" dirty="0" smtClean="0"/>
-              <a:t>neutral.</a:t>
-            </a:r>
-          </a:p>
-          <a:p>
-            <a:pPr lvl="1"/>
-            <a:r>
-              <a:rPr lang="en-US" sz="2400" dirty="0" smtClean="0"/>
-              <a:t>Ratings </a:t>
-            </a:r>
-            <a:r>
-              <a:rPr lang="en-US" sz="2400" dirty="0"/>
-              <a:t>of 4 and 5 are mapped to positive, rating of 3 </a:t>
-            </a:r>
-            <a:r>
-              <a:rPr lang="en-US" sz="2400" dirty="0" smtClean="0"/>
-              <a:t>is mapped </a:t>
-            </a:r>
-            <a:r>
-              <a:rPr lang="en-US" sz="2400" dirty="0"/>
-              <a:t>to neutral, and ratings 1 and 2 are mapped to negative</a:t>
-            </a:r>
-            <a:r>
-              <a:rPr lang="en-US" sz="2400" dirty="0" smtClean="0"/>
-              <a:t>.</a:t>
-            </a:r>
-          </a:p>
-          <a:p>
-            <a:r>
-              <a:rPr lang="en-US" sz="2400" dirty="0" smtClean="0"/>
-              <a:t>Two datasets were prepared:</a:t>
-            </a:r>
-          </a:p>
-          <a:p>
-            <a:pPr lvl="1"/>
-            <a:r>
-              <a:rPr lang="en-US" sz="2400" dirty="0" smtClean="0"/>
-              <a:t>Balanced dataset</a:t>
-            </a:r>
-          </a:p>
-          <a:p>
-            <a:pPr lvl="1"/>
-            <a:r>
-              <a:rPr lang="en-US" sz="2400" dirty="0" smtClean="0"/>
-              <a:t>Unbalance dataset</a:t>
-            </a:r>
-            <a:endParaRPr lang="en-US" sz="2400" dirty="0"/>
-          </a:p>
-        </p:txBody>
-      </p:sp>
+            <a:endParaRPr lang="en-US" sz="2000" dirty="0"/>
+          </a:p>
+          <a:p>
+            <a:endParaRPr lang="en-US" sz="2000" dirty="0" smtClean="0"/>
+          </a:p>
+          <a:p>
+            <a:endParaRPr lang="en-US" sz="2000" dirty="0" smtClean="0"/>
+          </a:p>
+        </p:txBody>
+      </p:sp>
+      <p:sp>
+        <p:nvSpPr>
+          <p:cNvPr id="4" name="Slide Number Placeholder 3"/>
+          <p:cNvSpPr>
+            <a:spLocks noGrp="1"/>
+          </p:cNvSpPr>
+          <p:nvPr>
+            <p:ph type="sldNum" sz="quarter" idx="12"/>
+          </p:nvPr>
+        </p:nvSpPr>
+        <p:spPr/>
+        <p:txBody>
+          <a:bodyPr/>
+          <a:lstStyle/>
+          <a:p>
+            <a:fld id="{B6F15528-21DE-4FAA-801E-634DDDAF4B2B}" type="slidenum">
+              <a:rPr lang="en-US" smtClean="0"/>
+              <a:pPr/>
+              <a:t>11</a:t>
+            </a:fld>
+            <a:endParaRPr lang="en-US"/>
+          </a:p>
+        </p:txBody>
+      </p:sp>
+      <p:graphicFrame>
+        <p:nvGraphicFramePr>
+          <p:cNvPr id="5" name="Chart 4"/>
+          <p:cNvGraphicFramePr/>
+          <p:nvPr>
+            <p:extLst>
+              <p:ext uri="{D42A27DB-BD31-4B8C-83A1-F6EECF244321}">
+                <p14:modId xmlns:p14="http://schemas.microsoft.com/office/powerpoint/2010/main" val="3768889023"/>
+              </p:ext>
+            </p:extLst>
+          </p:nvPr>
+        </p:nvGraphicFramePr>
+        <p:xfrm>
+          <a:off x="2057400" y="3200400"/>
+          <a:ext cx="6248400" cy="3505200"/>
+        </p:xfrm>
+        <a:graphic>
+          <a:graphicData uri="http://schemas.openxmlformats.org/drawingml/2006/chart">
+            <c:chart xmlns:c="http://schemas.openxmlformats.org/drawingml/2006/chart" xmlns:r="http://schemas.openxmlformats.org/officeDocument/2006/relationships" r:id="rId3"/>
+          </a:graphicData>
+        </a:graphic>
+      </p:graphicFrame>
     </p:spTree>
     <p:extLst>
       <p:ext uri="{BB962C8B-B14F-4D97-AF65-F5344CB8AC3E}">
@@ -5667,6 +6752,193 @@
 </file>
 
 <file path=ppt/slides/slide12.xml><?xml version="1.0" encoding="utf-8"?>
+<p:sld xmlns:a="http://schemas.openxmlformats.org/drawingml/2006/main" xmlns:r="http://schemas.openxmlformats.org/officeDocument/2006/relationships" xmlns:p="http://schemas.openxmlformats.org/presentationml/2006/main">
+  <p:cSld>
+    <p:spTree>
+      <p:nvGrpSpPr>
+        <p:cNvPr id="1" name=""/>
+        <p:cNvGrpSpPr/>
+        <p:nvPr/>
+      </p:nvGrpSpPr>
+      <p:grpSpPr>
+        <a:xfrm>
+          <a:off x="0" y="0"/>
+          <a:ext cx="0" cy="0"/>
+          <a:chOff x="0" y="0"/>
+          <a:chExt cx="0" cy="0"/>
+        </a:xfrm>
+      </p:grpSpPr>
+      <p:sp>
+        <p:nvSpPr>
+          <p:cNvPr id="2" name="Title 1"/>
+          <p:cNvSpPr>
+            <a:spLocks noGrp="1"/>
+          </p:cNvSpPr>
+          <p:nvPr>
+            <p:ph type="title"/>
+          </p:nvPr>
+        </p:nvSpPr>
+        <p:spPr/>
+        <p:txBody>
+          <a:bodyPr>
+            <a:normAutofit fontScale="90000"/>
+          </a:bodyPr>
+          <a:lstStyle/>
+          <a:p>
+            <a:r>
+              <a:rPr lang="en-US" sz="4400" dirty="0"/>
+              <a:t>Experiments</a:t>
+            </a:r>
+            <a:br>
+              <a:rPr lang="en-US" sz="4400" dirty="0"/>
+            </a:br>
+            <a:r>
+              <a:rPr lang="en-US" sz="4400" dirty="0"/>
+              <a:t>Data Preparation</a:t>
+            </a:r>
+            <a:endParaRPr lang="en-US" dirty="0"/>
+          </a:p>
+        </p:txBody>
+      </p:sp>
+      <p:sp>
+        <p:nvSpPr>
+          <p:cNvPr id="3" name="Content Placeholder 2"/>
+          <p:cNvSpPr>
+            <a:spLocks noGrp="1"/>
+          </p:cNvSpPr>
+          <p:nvPr>
+            <p:ph idx="1"/>
+          </p:nvPr>
+        </p:nvSpPr>
+        <p:spPr>
+          <a:xfrm>
+            <a:off x="1371600" y="1600200"/>
+            <a:ext cx="7498080" cy="4800600"/>
+          </a:xfrm>
+        </p:spPr>
+        <p:txBody>
+          <a:bodyPr/>
+          <a:lstStyle/>
+          <a:p>
+            <a:r>
+              <a:rPr lang="en-US" sz="2400" dirty="0"/>
+              <a:t>We have redesigned our earlier work by  considering  a three class classification (</a:t>
+            </a:r>
+            <a:r>
+              <a:rPr lang="en-US" sz="2400" dirty="0" err="1"/>
+              <a:t>Pos</a:t>
+            </a:r>
+            <a:r>
+              <a:rPr lang="en-US" sz="2400" dirty="0"/>
+              <a:t>, Neutral, </a:t>
+            </a:r>
+            <a:r>
+              <a:rPr lang="en-US" sz="2400" dirty="0" err="1"/>
+              <a:t>Neg</a:t>
+            </a:r>
+            <a:r>
+              <a:rPr lang="en-US" sz="2400" dirty="0"/>
+              <a:t>) instead of </a:t>
+            </a:r>
+            <a:r>
+              <a:rPr lang="en-US" sz="2400" dirty="0" smtClean="0"/>
+              <a:t>two classes (</a:t>
+            </a:r>
+            <a:r>
+              <a:rPr lang="en-US" sz="2400" dirty="0" err="1" smtClean="0"/>
+              <a:t>Pos</a:t>
+            </a:r>
+            <a:r>
+              <a:rPr lang="en-US" sz="2400" dirty="0"/>
+              <a:t>, </a:t>
+            </a:r>
+            <a:r>
+              <a:rPr lang="en-US" sz="2400" dirty="0" err="1"/>
+              <a:t>Neg</a:t>
+            </a:r>
+            <a:r>
+              <a:rPr lang="en-US" sz="2400" dirty="0" smtClean="0"/>
+              <a:t>).</a:t>
+            </a:r>
+            <a:endParaRPr lang="en-US" sz="2400" dirty="0"/>
+          </a:p>
+          <a:p>
+            <a:pPr lvl="1"/>
+            <a:r>
+              <a:rPr lang="en-US" sz="2400" dirty="0"/>
+              <a:t>Ratings of 4 and 5 are mapped to positive, rating of 3 is mapped to neutral, and ratings 1 and 2 are mapped to negative.</a:t>
+            </a:r>
+          </a:p>
+          <a:p>
+            <a:pPr lvl="1"/>
+            <a:r>
+              <a:rPr lang="en-US" sz="2400" dirty="0"/>
+              <a:t>Harder problem than two class classification</a:t>
+            </a:r>
+          </a:p>
+          <a:p>
+            <a:r>
+              <a:rPr lang="en-US" sz="2400" dirty="0"/>
+              <a:t>Two datasets were prepared:</a:t>
+            </a:r>
+          </a:p>
+          <a:p>
+            <a:pPr lvl="1"/>
+            <a:r>
+              <a:rPr lang="en-US" sz="2400" dirty="0"/>
+              <a:t>Balanced dataset</a:t>
+            </a:r>
+          </a:p>
+          <a:p>
+            <a:pPr lvl="1"/>
+            <a:r>
+              <a:rPr lang="en-US" sz="2400" dirty="0"/>
+              <a:t>Unbalanced dataset</a:t>
+            </a:r>
+          </a:p>
+          <a:p>
+            <a:endParaRPr lang="en-US" dirty="0"/>
+          </a:p>
+        </p:txBody>
+      </p:sp>
+      <p:sp>
+        <p:nvSpPr>
+          <p:cNvPr id="4" name="Slide Number Placeholder 3"/>
+          <p:cNvSpPr>
+            <a:spLocks noGrp="1"/>
+          </p:cNvSpPr>
+          <p:nvPr>
+            <p:ph type="sldNum" sz="quarter" idx="12"/>
+          </p:nvPr>
+        </p:nvSpPr>
+        <p:spPr/>
+        <p:txBody>
+          <a:bodyPr/>
+          <a:lstStyle/>
+          <a:p>
+            <a:fld id="{B6F15528-21DE-4FAA-801E-634DDDAF4B2B}" type="slidenum">
+              <a:rPr lang="en-US" smtClean="0"/>
+              <a:pPr/>
+              <a:t>12</a:t>
+            </a:fld>
+            <a:endParaRPr lang="en-US"/>
+          </a:p>
+        </p:txBody>
+      </p:sp>
+    </p:spTree>
+    <p:extLst>
+      <p:ext uri="{BB962C8B-B14F-4D97-AF65-F5344CB8AC3E}">
+        <p14:creationId xmlns:p14="http://schemas.microsoft.com/office/powerpoint/2010/main" val="3892080088"/>
+      </p:ext>
+    </p:extLst>
+  </p:cSld>
+  <p:clrMapOvr>
+    <a:masterClrMapping/>
+  </p:clrMapOvr>
+</p:sld>
+</file>
+
+<file path=ppt/slides/slide13.xml><?xml version="1.0" encoding="utf-8"?>
 <p:sld xmlns:a="http://schemas.openxmlformats.org/drawingml/2006/main" xmlns:r="http://schemas.openxmlformats.org/officeDocument/2006/relationships" xmlns:p="http://schemas.openxmlformats.org/presentationml/2006/main">
   <p:cSld>
     <p:spTree>
@@ -5798,6 +7070,30 @@
           </a:p>
         </p:txBody>
       </p:sp>
+      <p:sp>
+        <p:nvSpPr>
+          <p:cNvPr id="3" name="Slide Number Placeholder 2"/>
+          <p:cNvSpPr>
+            <a:spLocks noGrp="1"/>
+          </p:cNvSpPr>
+          <p:nvPr>
+            <p:ph type="sldNum" sz="quarter" idx="12"/>
+          </p:nvPr>
+        </p:nvSpPr>
+        <p:spPr/>
+        <p:txBody>
+          <a:bodyPr/>
+          <a:lstStyle/>
+          <a:p>
+            <a:fld id="{B6F15528-21DE-4FAA-801E-634DDDAF4B2B}" type="slidenum">
+              <a:rPr lang="en-US" smtClean="0"/>
+              <a:pPr/>
+              <a:t>13</a:t>
+            </a:fld>
+            <a:endParaRPr lang="en-US"/>
+          </a:p>
+        </p:txBody>
+      </p:sp>
     </p:spTree>
     <p:extLst>
       <p:ext uri="{BB962C8B-B14F-4D97-AF65-F5344CB8AC3E}">
@@ -5818,7 +7114,7 @@
 </p:sld>
 </file>
 
-<file path=ppt/slides/slide13.xml><?xml version="1.0" encoding="utf-8"?>
+<file path=ppt/slides/slide14.xml><?xml version="1.0" encoding="utf-8"?>
 <p:sld xmlns:a="http://schemas.openxmlformats.org/drawingml/2006/main" xmlns:r="http://schemas.openxmlformats.org/officeDocument/2006/relationships" xmlns:p="http://schemas.openxmlformats.org/presentationml/2006/main">
   <p:cSld>
     <p:spTree>
@@ -5972,6 +7268,30 @@
           </a:p>
         </p:txBody>
       </p:sp>
+      <p:sp>
+        <p:nvSpPr>
+          <p:cNvPr id="3" name="Slide Number Placeholder 2"/>
+          <p:cNvSpPr>
+            <a:spLocks noGrp="1"/>
+          </p:cNvSpPr>
+          <p:nvPr>
+            <p:ph type="sldNum" sz="quarter" idx="12"/>
+          </p:nvPr>
+        </p:nvSpPr>
+        <p:spPr/>
+        <p:txBody>
+          <a:bodyPr/>
+          <a:lstStyle/>
+          <a:p>
+            <a:fld id="{B6F15528-21DE-4FAA-801E-634DDDAF4B2B}" type="slidenum">
+              <a:rPr lang="en-US" smtClean="0"/>
+              <a:pPr/>
+              <a:t>14</a:t>
+            </a:fld>
+            <a:endParaRPr lang="en-US"/>
+          </a:p>
+        </p:txBody>
+      </p:sp>
     </p:spTree>
     <p:extLst>
       <p:ext uri="{BB962C8B-B14F-4D97-AF65-F5344CB8AC3E}">
@@ -5992,7 +7312,7 @@
 </p:sld>
 </file>
 
-<file path=ppt/slides/slide14.xml><?xml version="1.0" encoding="utf-8"?>
+<file path=ppt/slides/slide15.xml><?xml version="1.0" encoding="utf-8"?>
 <p:sld xmlns:a="http://schemas.openxmlformats.org/drawingml/2006/main" xmlns:r="http://schemas.openxmlformats.org/officeDocument/2006/relationships" xmlns:p="http://schemas.openxmlformats.org/presentationml/2006/main">
   <p:cSld>
     <p:spTree>
@@ -6142,6 +7462,30 @@
           </a:extLst>
         </p:spPr>
       </p:pic>
+      <p:sp>
+        <p:nvSpPr>
+          <p:cNvPr id="4" name="Slide Number Placeholder 3"/>
+          <p:cNvSpPr>
+            <a:spLocks noGrp="1"/>
+          </p:cNvSpPr>
+          <p:nvPr>
+            <p:ph type="sldNum" sz="quarter" idx="12"/>
+          </p:nvPr>
+        </p:nvSpPr>
+        <p:spPr/>
+        <p:txBody>
+          <a:bodyPr/>
+          <a:lstStyle/>
+          <a:p>
+            <a:fld id="{B6F15528-21DE-4FAA-801E-634DDDAF4B2B}" type="slidenum">
+              <a:rPr lang="en-US" smtClean="0"/>
+              <a:pPr/>
+              <a:t>15</a:t>
+            </a:fld>
+            <a:endParaRPr lang="en-US"/>
+          </a:p>
+        </p:txBody>
+      </p:sp>
     </p:spTree>
     <p:extLst>
       <p:ext uri="{BB962C8B-B14F-4D97-AF65-F5344CB8AC3E}">
@@ -6162,7 +7506,7 @@
 </p:sld>
 </file>
 
-<file path=ppt/slides/slide15.xml><?xml version="1.0" encoding="utf-8"?>
+<file path=ppt/slides/slide16.xml><?xml version="1.0" encoding="utf-8"?>
 <p:sld xmlns:a="http://schemas.openxmlformats.org/drawingml/2006/main" xmlns:r="http://schemas.openxmlformats.org/officeDocument/2006/relationships" xmlns:p="http://schemas.openxmlformats.org/presentationml/2006/main">
   <p:cSld>
     <p:spTree>
@@ -6191,33 +7535,128 @@
         </p:nvSpPr>
         <p:spPr/>
         <p:txBody>
+          <a:bodyPr/>
+          <a:lstStyle/>
+          <a:p>
+            <a:r>
+              <a:rPr lang="en-US" dirty="0" smtClean="0"/>
+              <a:t>Experiments</a:t>
+            </a:r>
+            <a:endParaRPr lang="en-US" dirty="0"/>
+          </a:p>
+        </p:txBody>
+      </p:sp>
+      <p:sp>
+        <p:nvSpPr>
+          <p:cNvPr id="3" name="Content Placeholder 2"/>
+          <p:cNvSpPr>
+            <a:spLocks noGrp="1"/>
+          </p:cNvSpPr>
+          <p:nvPr>
+            <p:ph idx="1"/>
+          </p:nvPr>
+        </p:nvSpPr>
+        <p:spPr>
+          <a:xfrm>
+            <a:off x="1447800" y="2041634"/>
+            <a:ext cx="7498080" cy="3520966"/>
+          </a:xfrm>
+        </p:spPr>
+        <p:txBody>
           <a:bodyPr>
             <a:normAutofit/>
           </a:bodyPr>
           <a:lstStyle/>
           <a:p>
             <a:r>
-              <a:rPr lang="en-US" sz="3200" dirty="0"/>
-              <a:t>Experiments</a:t>
-            </a:r>
-            <a:br>
-              <a:rPr lang="en-US" sz="3200" dirty="0"/>
-            </a:br>
-            <a:r>
-              <a:rPr lang="en-US" sz="3200" dirty="0"/>
-              <a:t>Experiment 1</a:t>
-            </a:r>
-          </a:p>
-        </p:txBody>
-      </p:sp>
-      <p:sp>
-        <p:nvSpPr>
-          <p:cNvPr id="3" name="Content Placeholder 2"/>
-          <p:cNvSpPr>
-            <a:spLocks noGrp="1"/>
-          </p:cNvSpPr>
-          <p:nvPr>
-            <p:ph idx="1"/>
+              <a:rPr lang="en-US" sz="2400" dirty="0" smtClean="0"/>
+              <a:t>Experiment 1: Baseline classifiers.</a:t>
+            </a:r>
+          </a:p>
+          <a:p>
+            <a:r>
+              <a:rPr lang="en-US" sz="2400" dirty="0" smtClean="0"/>
+              <a:t>Experiment 2: Feature selection.</a:t>
+            </a:r>
+          </a:p>
+          <a:p>
+            <a:r>
+              <a:rPr lang="en-US" sz="2400" dirty="0" smtClean="0"/>
+              <a:t>Experiment 3: Sophisticated classifiers.</a:t>
+            </a:r>
+            <a:endParaRPr lang="en-US" sz="2400" dirty="0"/>
+          </a:p>
+        </p:txBody>
+      </p:sp>
+      <p:sp>
+        <p:nvSpPr>
+          <p:cNvPr id="4" name="Slide Number Placeholder 3"/>
+          <p:cNvSpPr>
+            <a:spLocks noGrp="1"/>
+          </p:cNvSpPr>
+          <p:nvPr>
+            <p:ph type="sldNum" sz="quarter" idx="12"/>
+          </p:nvPr>
+        </p:nvSpPr>
+        <p:spPr/>
+        <p:txBody>
+          <a:bodyPr/>
+          <a:lstStyle/>
+          <a:p>
+            <a:fld id="{B6F15528-21DE-4FAA-801E-634DDDAF4B2B}" type="slidenum">
+              <a:rPr lang="en-US" smtClean="0"/>
+              <a:pPr/>
+              <a:t>16</a:t>
+            </a:fld>
+            <a:endParaRPr lang="en-US"/>
+          </a:p>
+        </p:txBody>
+      </p:sp>
+    </p:spTree>
+    <p:extLst>
+      <p:ext uri="{BB962C8B-B14F-4D97-AF65-F5344CB8AC3E}">
+        <p14:creationId xmlns:p14="http://schemas.microsoft.com/office/powerpoint/2010/main" val="3892747578"/>
+      </p:ext>
+    </p:extLst>
+  </p:cSld>
+  <p:clrMapOvr>
+    <a:masterClrMapping/>
+  </p:clrMapOvr>
+  <p:timing>
+    <p:tnLst>
+      <p:par>
+        <p:cTn id="1" dur="indefinite" restart="never" nodeType="tmRoot"/>
+      </p:par>
+    </p:tnLst>
+  </p:timing>
+</p:sld>
+</file>
+
+<file path=ppt/slides/slide17.xml><?xml version="1.0" encoding="utf-8"?>
+<p:sld xmlns:a="http://schemas.openxmlformats.org/drawingml/2006/main" xmlns:r="http://schemas.openxmlformats.org/officeDocument/2006/relationships" xmlns:p="http://schemas.openxmlformats.org/presentationml/2006/main">
+  <p:cSld>
+    <p:spTree>
+      <p:nvGrpSpPr>
+        <p:cNvPr id="1" name=""/>
+        <p:cNvGrpSpPr/>
+        <p:nvPr/>
+      </p:nvGrpSpPr>
+      <p:grpSpPr>
+        <a:xfrm>
+          <a:off x="0" y="0"/>
+          <a:ext cx="0" cy="0"/>
+          <a:chOff x="0" y="0"/>
+          <a:chExt cx="0" cy="0"/>
+        </a:xfrm>
+      </p:grpSpPr>
+      <p:sp>
+        <p:nvSpPr>
+          <p:cNvPr id="2" name="Title 1"/>
+          <p:cNvSpPr>
+            <a:spLocks noGrp="1"/>
+          </p:cNvSpPr>
+          <p:nvPr>
+            <p:ph type="title"/>
           </p:nvPr>
         </p:nvSpPr>
         <p:spPr/>
@@ -6228,73 +7667,114 @@
           <a:lstStyle/>
           <a:p>
             <a:r>
-              <a:rPr lang="en-US" sz="2400" dirty="0" smtClean="0"/>
+              <a:rPr lang="en-US" sz="3200" dirty="0"/>
+              <a:t>Experiments</a:t>
+            </a:r>
+            <a:br>
+              <a:rPr lang="en-US" sz="3200" dirty="0"/>
+            </a:br>
+            <a:r>
+              <a:rPr lang="en-US" sz="3200" dirty="0"/>
+              <a:t>Experiment 1</a:t>
+            </a:r>
+          </a:p>
+        </p:txBody>
+      </p:sp>
+      <p:sp>
+        <p:nvSpPr>
+          <p:cNvPr id="3" name="Content Placeholder 2"/>
+          <p:cNvSpPr>
+            <a:spLocks noGrp="1"/>
+          </p:cNvSpPr>
+          <p:nvPr>
+            <p:ph idx="1"/>
+          </p:nvPr>
+        </p:nvSpPr>
+        <p:spPr/>
+        <p:txBody>
+          <a:bodyPr>
+            <a:normAutofit/>
+          </a:bodyPr>
+          <a:lstStyle/>
+          <a:p>
+            <a:r>
+              <a:rPr lang="en-US" sz="2200" dirty="0" smtClean="0"/>
               <a:t>A </a:t>
             </a:r>
             <a:r>
-              <a:rPr lang="en-US" sz="2400" dirty="0"/>
+              <a:rPr lang="en-US" sz="2200" dirty="0"/>
               <a:t>wide range of standard </a:t>
             </a:r>
             <a:r>
-              <a:rPr lang="en-US" sz="2400" dirty="0" smtClean="0"/>
+              <a:rPr lang="en-US" sz="2200" dirty="0" smtClean="0"/>
               <a:t>classifiers </a:t>
             </a:r>
             <a:r>
-              <a:rPr lang="en-US" sz="2400" dirty="0"/>
+              <a:rPr lang="en-US" sz="2200" dirty="0"/>
               <a:t>are applied to both </a:t>
             </a:r>
             <a:r>
-              <a:rPr lang="en-US" sz="2400" dirty="0" smtClean="0"/>
+              <a:rPr lang="en-US" sz="2200" dirty="0" smtClean="0"/>
               <a:t>the balanced </a:t>
             </a:r>
             <a:r>
-              <a:rPr lang="en-US" sz="2400" dirty="0"/>
+              <a:rPr lang="en-US" sz="2200" dirty="0"/>
               <a:t>and unbalanced datasets using n-gram range of unigrams, </a:t>
             </a:r>
             <a:r>
-              <a:rPr lang="en-US" sz="2400" dirty="0" smtClean="0"/>
+              <a:rPr lang="en-US" sz="2200" dirty="0" smtClean="0"/>
               <a:t>bigrams and trigrams.</a:t>
             </a:r>
           </a:p>
           <a:p>
             <a:r>
-              <a:rPr lang="en-US" sz="2400" dirty="0"/>
+              <a:rPr lang="en-US" sz="2200" dirty="0"/>
               <a:t>Two accuracy measures are used to calculate the performance </a:t>
             </a:r>
             <a:r>
-              <a:rPr lang="en-US" sz="2400" dirty="0" smtClean="0"/>
+              <a:rPr lang="en-US" sz="2200" dirty="0" smtClean="0"/>
               <a:t>which are </a:t>
             </a:r>
             <a:r>
-              <a:rPr lang="en-US" sz="2400" dirty="0"/>
+              <a:rPr lang="en-US" sz="2200" dirty="0"/>
               <a:t>the total </a:t>
             </a:r>
             <a:r>
-              <a:rPr lang="en-US" sz="2400" dirty="0" smtClean="0"/>
+              <a:rPr lang="en-US" sz="2200" dirty="0" smtClean="0"/>
               <a:t>accuracy </a:t>
             </a:r>
             <a:r>
-              <a:rPr lang="en-US" sz="2400" dirty="0"/>
-              <a:t>and weighted F1 </a:t>
-            </a:r>
-            <a:r>
-              <a:rPr lang="en-US" sz="2400" dirty="0" smtClean="0"/>
-              <a:t>measure.</a:t>
-            </a:r>
-            <a:endParaRPr lang="en-US" sz="2400" dirty="0"/>
+              <a:rPr lang="en-US" sz="2200" dirty="0"/>
+              <a:t>and </a:t>
+            </a:r>
+            <a:r>
+              <a:rPr lang="en-US" sz="2200" dirty="0" smtClean="0"/>
+              <a:t>average F1 </a:t>
+            </a:r>
+            <a:r>
+              <a:rPr lang="en-US" sz="2200" dirty="0" smtClean="0"/>
+              <a:t>measure</a:t>
+            </a:r>
+            <a:r>
+              <a:rPr lang="en-US" sz="2200" dirty="0" smtClean="0"/>
+              <a:t>.</a:t>
+            </a:r>
+          </a:p>
+          <a:p>
+            <a:endParaRPr lang="en-US" sz="2200" dirty="0"/>
           </a:p>
         </p:txBody>
       </p:sp>
       <p:pic>
         <p:nvPicPr>
-          <p:cNvPr id="6146" name="Picture 2"/>
+          <p:cNvPr id="6147" name="Picture 3"/>
           <p:cNvPicPr>
             <a:picLocks noChangeAspect="1" noChangeArrowheads="1"/>
           </p:cNvPicPr>
           <p:nvPr/>
         </p:nvPicPr>
         <p:blipFill>
-          <a:blip r:embed="rId2">
+          <a:blip r:embed="rId3">
             <a:extLst>
               <a:ext uri="{28A0092B-C50C-407E-A947-70E740481C1C}">
                 <a14:useLocalDpi xmlns:a14="http://schemas.microsoft.com/office/drawing/2010/main" val="0"/>
@@ -6308,8 +7788,86 @@
         </p:blipFill>
         <p:spPr bwMode="auto">
           <a:xfrm>
-            <a:off x="1981200" y="3810000"/>
-            <a:ext cx="5943600" cy="1809750"/>
+            <a:off x="2478744" y="5449614"/>
+            <a:ext cx="5200217" cy="628650"/>
+          </a:xfrm>
+          <a:prstGeom prst="rect">
+            <a:avLst/>
+          </a:prstGeom>
+          <a:noFill/>
+          <a:ln>
+            <a:noFill/>
+          </a:ln>
+          <a:extLst>
+            <a:ext uri="{909E8E84-426E-40DD-AFC4-6F175D3DCCD1}">
+              <a14:hiddenFill xmlns:a14="http://schemas.microsoft.com/office/drawing/2010/main">
+                <a:solidFill>
+                  <a:schemeClr val="accent1"/>
+                </a:solidFill>
+              </a14:hiddenFill>
+            </a:ext>
+            <a:ext uri="{91240B29-F687-4F45-9708-019B960494DF}">
+              <a14:hiddenLine xmlns:a14="http://schemas.microsoft.com/office/drawing/2010/main" w="9525">
+                <a:solidFill>
+                  <a:schemeClr val="tx1"/>
+                </a:solidFill>
+                <a:miter lim="800000"/>
+                <a:headEnd/>
+                <a:tailEnd/>
+              </a14:hiddenLine>
+            </a:ext>
+          </a:extLst>
+        </p:spPr>
+      </p:pic>
+      <p:sp>
+        <p:nvSpPr>
+          <p:cNvPr id="4" name="Slide Number Placeholder 3"/>
+          <p:cNvSpPr>
+            <a:spLocks noGrp="1"/>
+          </p:cNvSpPr>
+          <p:nvPr>
+            <p:ph type="sldNum" sz="quarter" idx="12"/>
+          </p:nvPr>
+        </p:nvSpPr>
+        <p:spPr/>
+        <p:txBody>
+          <a:bodyPr/>
+          <a:lstStyle/>
+          <a:p>
+            <a:fld id="{B6F15528-21DE-4FAA-801E-634DDDAF4B2B}" type="slidenum">
+              <a:rPr lang="en-US" smtClean="0"/>
+              <a:pPr/>
+              <a:t>17</a:t>
+            </a:fld>
+            <a:endParaRPr lang="en-US"/>
+          </a:p>
+        </p:txBody>
+      </p:sp>
+      <p:pic>
+        <p:nvPicPr>
+          <p:cNvPr id="1026" name="Picture 2"/>
+          <p:cNvPicPr>
+            <a:picLocks noChangeAspect="1" noChangeArrowheads="1"/>
+          </p:cNvPicPr>
+          <p:nvPr/>
+        </p:nvPicPr>
+        <p:blipFill>
+          <a:blip r:embed="rId4">
+            <a:extLst>
+              <a:ext uri="{28A0092B-C50C-407E-A947-70E740481C1C}">
+                <a14:useLocalDpi xmlns:a14="http://schemas.microsoft.com/office/drawing/2010/main" val="0"/>
+              </a:ext>
+            </a:extLst>
+          </a:blip>
+          <a:srcRect/>
+          <a:stretch>
+            <a:fillRect/>
+          </a:stretch>
+        </p:blipFill>
+        <p:spPr bwMode="auto">
+          <a:xfrm>
+            <a:off x="2473489" y="3871412"/>
+            <a:ext cx="4869878" cy="1578202"/>
           </a:xfrm>
           <a:prstGeom prst="rect">
             <a:avLst/>
@@ -6341,14 +7899,14 @@
       </p:pic>
       <p:pic>
         <p:nvPicPr>
-          <p:cNvPr id="6147" name="Picture 3"/>
+          <p:cNvPr id="1027" name="Picture 3"/>
           <p:cNvPicPr>
             <a:picLocks noChangeAspect="1" noChangeArrowheads="1"/>
           </p:cNvPicPr>
           <p:nvPr/>
         </p:nvPicPr>
         <p:blipFill>
-          <a:blip r:embed="rId3">
+          <a:blip r:embed="rId5">
             <a:extLst>
               <a:ext uri="{28A0092B-C50C-407E-A947-70E740481C1C}">
                 <a14:useLocalDpi xmlns:a14="http://schemas.microsoft.com/office/drawing/2010/main" val="0"/>
@@ -6362,8 +7920,8 @@
         </p:blipFill>
         <p:spPr bwMode="auto">
           <a:xfrm>
-            <a:off x="2572183" y="5709805"/>
-            <a:ext cx="5200217" cy="628650"/>
+            <a:off x="1302544" y="5977566"/>
+            <a:ext cx="7500063" cy="680369"/>
           </a:xfrm>
           <a:prstGeom prst="rect">
             <a:avLst/>
@@ -6413,7 +7971,7 @@
 </p:sld>
 </file>
 
-<file path=ppt/slides/slide16.xml><?xml version="1.0" encoding="utf-8"?>
+<file path=ppt/slides/slide18.xml><?xml version="1.0" encoding="utf-8"?>
 <p:sld xmlns:a="http://schemas.openxmlformats.org/drawingml/2006/main" xmlns:r="http://schemas.openxmlformats.org/officeDocument/2006/relationships" xmlns:p="http://schemas.openxmlformats.org/presentationml/2006/main">
   <p:cSld>
     <p:spTree>
@@ -6591,6 +8149,30 @@
               <a:t>Neighbor.</a:t>
             </a:r>
             <a:endParaRPr lang="en-US" sz="2400" dirty="0"/>
+          </a:p>
+        </p:txBody>
+      </p:sp>
+      <p:sp>
+        <p:nvSpPr>
+          <p:cNvPr id="4" name="Slide Number Placeholder 3"/>
+          <p:cNvSpPr>
+            <a:spLocks noGrp="1"/>
+          </p:cNvSpPr>
+          <p:nvPr>
+            <p:ph type="sldNum" sz="quarter" idx="12"/>
+          </p:nvPr>
+        </p:nvSpPr>
+        <p:spPr/>
+        <p:txBody>
+          <a:bodyPr/>
+          <a:lstStyle/>
+          <a:p>
+            <a:fld id="{B6F15528-21DE-4FAA-801E-634DDDAF4B2B}" type="slidenum">
+              <a:rPr lang="en-US" smtClean="0"/>
+              <a:pPr/>
+              <a:t>18</a:t>
+            </a:fld>
+            <a:endParaRPr lang="en-US"/>
           </a:p>
         </p:txBody>
       </p:sp>
@@ -6614,7 +8196,7 @@
 </p:sld>
 </file>
 
-<file path=ppt/slides/slide17.xml><?xml version="1.0" encoding="utf-8"?>
+<file path=ppt/slides/slide19.xml><?xml version="1.0" encoding="utf-8"?>
 <p:sld xmlns:a="http://schemas.openxmlformats.org/drawingml/2006/main" xmlns:r="http://schemas.openxmlformats.org/officeDocument/2006/relationships" xmlns:p="http://schemas.openxmlformats.org/presentationml/2006/main">
   <p:cSld>
     <p:spTree>
@@ -6771,7 +8353,15 @@
           <a:p>
             <a:r>
               <a:rPr lang="en-US" b="1" dirty="0"/>
-              <a:t>The numbers represent weighted accuracy / F1 measure where the</a:t>
+              <a:t>The numbers represent </a:t>
+            </a:r>
+            <a:r>
+              <a:rPr lang="en-US" b="1" dirty="0" smtClean="0"/>
+              <a:t>total accuracy </a:t>
+            </a:r>
+            <a:r>
+              <a:rPr lang="en-US" b="1" dirty="0"/>
+              <a:t>/ F1 measure where the</a:t>
             </a:r>
           </a:p>
           <a:p>
@@ -6779,6 +8369,30 @@
               <a:rPr lang="en-US" b="1" dirty="0"/>
               <a:t>evaluation is on the test set.</a:t>
             </a:r>
+          </a:p>
+        </p:txBody>
+      </p:sp>
+      <p:sp>
+        <p:nvSpPr>
+          <p:cNvPr id="5" name="Slide Number Placeholder 4"/>
+          <p:cNvSpPr>
+            <a:spLocks noGrp="1"/>
+          </p:cNvSpPr>
+          <p:nvPr>
+            <p:ph type="sldNum" sz="quarter" idx="12"/>
+          </p:nvPr>
+        </p:nvSpPr>
+        <p:spPr/>
+        <p:txBody>
+          <a:bodyPr/>
+          <a:lstStyle/>
+          <a:p>
+            <a:fld id="{B6F15528-21DE-4FAA-801E-634DDDAF4B2B}" type="slidenum">
+              <a:rPr lang="en-US" smtClean="0"/>
+              <a:pPr/>
+              <a:t>19</a:t>
+            </a:fld>
+            <a:endParaRPr lang="en-US"/>
           </a:p>
         </p:txBody>
       </p:sp>
@@ -6786,442 +8400,6 @@
     <p:extLst>
       <p:ext uri="{BB962C8B-B14F-4D97-AF65-F5344CB8AC3E}">
         <p14:creationId xmlns:p14="http://schemas.microsoft.com/office/powerpoint/2010/main" val="137491164"/>
-      </p:ext>
-    </p:extLst>
-  </p:cSld>
-  <p:clrMapOvr>
-    <a:masterClrMapping/>
-  </p:clrMapOvr>
-  <p:timing>
-    <p:tnLst>
-      <p:par>
-        <p:cTn id="1" dur="indefinite" restart="never" nodeType="tmRoot"/>
-      </p:par>
-    </p:tnLst>
-  </p:timing>
-</p:sld>
-</file>
-
-<file path=ppt/slides/slide18.xml><?xml version="1.0" encoding="utf-8"?>
-<p:sld xmlns:a="http://schemas.openxmlformats.org/drawingml/2006/main" xmlns:r="http://schemas.openxmlformats.org/officeDocument/2006/relationships" xmlns:p="http://schemas.openxmlformats.org/presentationml/2006/main">
-  <p:cSld>
-    <p:spTree>
-      <p:nvGrpSpPr>
-        <p:cNvPr id="1" name=""/>
-        <p:cNvGrpSpPr/>
-        <p:nvPr/>
-      </p:nvGrpSpPr>
-      <p:grpSpPr>
-        <a:xfrm>
-          <a:off x="0" y="0"/>
-          <a:ext cx="0" cy="0"/>
-          <a:chOff x="0" y="0"/>
-          <a:chExt cx="0" cy="0"/>
-        </a:xfrm>
-      </p:grpSpPr>
-      <p:sp>
-        <p:nvSpPr>
-          <p:cNvPr id="2" name="Title 1"/>
-          <p:cNvSpPr>
-            <a:spLocks noGrp="1"/>
-          </p:cNvSpPr>
-          <p:nvPr>
-            <p:ph type="title"/>
-          </p:nvPr>
-        </p:nvSpPr>
-        <p:spPr/>
-        <p:txBody>
-          <a:bodyPr>
-            <a:normAutofit fontScale="90000"/>
-          </a:bodyPr>
-          <a:lstStyle/>
-          <a:p>
-            <a:r>
-              <a:rPr lang="en-US" sz="4400" dirty="0"/>
-              <a:t>Experiments</a:t>
-            </a:r>
-            <a:br>
-              <a:rPr lang="en-US" sz="4400" dirty="0"/>
-            </a:br>
-            <a:r>
-              <a:rPr lang="en-US" sz="4400" dirty="0"/>
-              <a:t>Experiment </a:t>
-            </a:r>
-            <a:r>
-              <a:rPr lang="en-US" sz="4400" dirty="0" smtClean="0"/>
-              <a:t>1</a:t>
-            </a:r>
-            <a:r>
-              <a:rPr lang="en-US" sz="4400" dirty="0"/>
-              <a:t>(Cont.)</a:t>
-            </a:r>
-            <a:endParaRPr lang="en-US" dirty="0"/>
-          </a:p>
-        </p:txBody>
-      </p:sp>
-      <p:sp>
-        <p:nvSpPr>
-          <p:cNvPr id="3" name="Content Placeholder 2"/>
-          <p:cNvSpPr>
-            <a:spLocks noGrp="1"/>
-          </p:cNvSpPr>
-          <p:nvPr>
-            <p:ph idx="1"/>
-          </p:nvPr>
-        </p:nvSpPr>
-        <p:spPr/>
-        <p:txBody>
-          <a:bodyPr>
-            <a:normAutofit fontScale="92500" lnSpcReduction="10000"/>
-          </a:bodyPr>
-          <a:lstStyle/>
-          <a:p>
-            <a:pPr marL="539496" indent="-457200">
-              <a:buFont typeface="+mj-lt"/>
-              <a:buAutoNum type="arabicPeriod"/>
-            </a:pPr>
-            <a:endParaRPr lang="en-US" sz="2000" dirty="0" smtClean="0"/>
-          </a:p>
-          <a:p>
-            <a:pPr marL="539496" indent="-457200">
-              <a:buFont typeface="+mj-lt"/>
-              <a:buAutoNum type="arabicPeriod"/>
-            </a:pPr>
-            <a:r>
-              <a:rPr lang="en-US" sz="2400" dirty="0" smtClean="0"/>
-              <a:t>The </a:t>
-            </a:r>
-            <a:r>
-              <a:rPr lang="en-US" sz="2400" dirty="0"/>
-              <a:t>inclusion of a third class "neutral" makes the problem much harder, and we get a lower performance than the case of two-class case ("positive“ and "negative"). </a:t>
-            </a:r>
-            <a:endParaRPr lang="en-US" sz="2400" dirty="0" smtClean="0"/>
-          </a:p>
-          <a:p>
-            <a:pPr marL="539496" indent="-457200">
-              <a:buFont typeface="+mj-lt"/>
-              <a:buAutoNum type="arabicPeriod"/>
-            </a:pPr>
-            <a:r>
-              <a:rPr lang="en-US" sz="2400" dirty="0" smtClean="0"/>
-              <a:t>The </a:t>
-            </a:r>
-            <a:r>
-              <a:rPr lang="en-US" sz="2400" dirty="0"/>
-              <a:t>balanced set is more challenging than the unbalanced set. We </a:t>
-            </a:r>
-            <a:r>
-              <a:rPr lang="en-US" sz="2400" dirty="0" smtClean="0"/>
-              <a:t>think this </a:t>
-            </a:r>
-            <a:r>
-              <a:rPr lang="en-US" sz="2400" dirty="0"/>
-              <a:t>is due to the fact it contains much fewer reviews compared to </a:t>
-            </a:r>
-            <a:r>
-              <a:rPr lang="en-US" sz="2400" dirty="0" smtClean="0"/>
-              <a:t>the </a:t>
-            </a:r>
-            <a:r>
-              <a:rPr lang="en-US" sz="2400" dirty="0"/>
-              <a:t>unbalanced </a:t>
-            </a:r>
-            <a:r>
-              <a:rPr lang="en-US" sz="2400" dirty="0" smtClean="0"/>
-              <a:t>set.</a:t>
-            </a:r>
-          </a:p>
-          <a:p>
-            <a:pPr marL="539496" indent="-457200">
-              <a:buFont typeface="+mj-lt"/>
-              <a:buAutoNum type="arabicPeriod"/>
-            </a:pPr>
-            <a:r>
-              <a:rPr lang="en-US" sz="2400" dirty="0"/>
-              <a:t>We can get an good overall accuracy and F1 of over 70% using </a:t>
-            </a:r>
-            <a:r>
-              <a:rPr lang="en-US" sz="2400" dirty="0" smtClean="0"/>
-              <a:t>especially SVM </a:t>
-            </a:r>
-            <a:r>
-              <a:rPr lang="en-US" sz="2400" dirty="0"/>
-              <a:t>and logistic regression </a:t>
-            </a:r>
-            <a:r>
-              <a:rPr lang="en-US" sz="2400" dirty="0" smtClean="0"/>
-              <a:t>classifiers. </a:t>
-            </a:r>
-            <a:r>
-              <a:rPr lang="en-US" sz="2400" dirty="0"/>
-              <a:t>This </a:t>
-            </a:r>
-            <a:r>
-              <a:rPr lang="en-US" sz="2400" dirty="0" smtClean="0"/>
-              <a:t>is consistent </a:t>
-            </a:r>
-            <a:r>
-              <a:rPr lang="en-US" sz="2400" dirty="0"/>
-              <a:t>with </a:t>
-            </a:r>
-            <a:r>
-              <a:rPr lang="en-US" sz="2400" dirty="0" smtClean="0"/>
-              <a:t>previous results </a:t>
-            </a:r>
-            <a:r>
-              <a:rPr lang="en-US" sz="2400" dirty="0"/>
-              <a:t>suggesting that SVM and Logistic Regression are a reliable choice</a:t>
-            </a:r>
-            <a:r>
-              <a:rPr lang="en-US" sz="2400" dirty="0" smtClean="0"/>
-              <a:t>.</a:t>
-            </a:r>
-          </a:p>
-          <a:p>
-            <a:pPr marL="539496" indent="-457200">
-              <a:buFont typeface="+mj-lt"/>
-              <a:buAutoNum type="arabicPeriod"/>
-            </a:pPr>
-            <a:r>
-              <a:rPr lang="en-US" sz="2400" dirty="0"/>
-              <a:t>Naive Bayes, Passive </a:t>
-            </a:r>
-            <a:r>
-              <a:rPr lang="en-US" sz="2400" dirty="0" smtClean="0"/>
-              <a:t>Aggressive, </a:t>
-            </a:r>
-            <a:r>
-              <a:rPr lang="en-US" sz="2400" dirty="0"/>
-              <a:t>and Perceptron are also a good choice </a:t>
-            </a:r>
-            <a:r>
-              <a:rPr lang="en-US" sz="2400" dirty="0" smtClean="0"/>
-              <a:t>of classifiers, </a:t>
-            </a:r>
-            <a:r>
-              <a:rPr lang="en-US" sz="2400" dirty="0"/>
-              <a:t>with the careful choice of parameters</a:t>
-            </a:r>
-            <a:r>
-              <a:rPr lang="en-US" sz="2400" dirty="0" smtClean="0"/>
-              <a:t>.</a:t>
-            </a:r>
-          </a:p>
-        </p:txBody>
-      </p:sp>
-    </p:spTree>
-    <p:extLst>
-      <p:ext uri="{BB962C8B-B14F-4D97-AF65-F5344CB8AC3E}">
-        <p14:creationId xmlns:p14="http://schemas.microsoft.com/office/powerpoint/2010/main" val="952295148"/>
-      </p:ext>
-    </p:extLst>
-  </p:cSld>
-  <p:clrMapOvr>
-    <a:masterClrMapping/>
-  </p:clrMapOvr>
-  <p:timing>
-    <p:tnLst>
-      <p:par>
-        <p:cTn id="1" dur="indefinite" restart="never" nodeType="tmRoot"/>
-      </p:par>
-    </p:tnLst>
-  </p:timing>
-</p:sld>
-</file>
-
-<file path=ppt/slides/slide19.xml><?xml version="1.0" encoding="utf-8"?>
-<p:sld xmlns:a="http://schemas.openxmlformats.org/drawingml/2006/main" xmlns:r="http://schemas.openxmlformats.org/officeDocument/2006/relationships" xmlns:p="http://schemas.openxmlformats.org/presentationml/2006/main">
-  <p:cSld>
-    <p:spTree>
-      <p:nvGrpSpPr>
-        <p:cNvPr id="1" name=""/>
-        <p:cNvGrpSpPr/>
-        <p:nvPr/>
-      </p:nvGrpSpPr>
-      <p:grpSpPr>
-        <a:xfrm>
-          <a:off x="0" y="0"/>
-          <a:ext cx="0" cy="0"/>
-          <a:chOff x="0" y="0"/>
-          <a:chExt cx="0" cy="0"/>
-        </a:xfrm>
-      </p:grpSpPr>
-      <p:sp>
-        <p:nvSpPr>
-          <p:cNvPr id="2" name="Title 1"/>
-          <p:cNvSpPr>
-            <a:spLocks noGrp="1"/>
-          </p:cNvSpPr>
-          <p:nvPr>
-            <p:ph type="title"/>
-          </p:nvPr>
-        </p:nvSpPr>
-        <p:spPr/>
-        <p:txBody>
-          <a:bodyPr>
-            <a:normAutofit fontScale="90000"/>
-          </a:bodyPr>
-          <a:lstStyle/>
-          <a:p>
-            <a:r>
-              <a:rPr lang="en-US" sz="4000" dirty="0"/>
-              <a:t>Experiments</a:t>
-            </a:r>
-            <a:br>
-              <a:rPr lang="en-US" sz="4000" dirty="0"/>
-            </a:br>
-            <a:r>
-              <a:rPr lang="en-US" sz="4000" dirty="0"/>
-              <a:t>Experiment </a:t>
-            </a:r>
-            <a:r>
-              <a:rPr lang="en-US" sz="4000" dirty="0" smtClean="0"/>
-              <a:t>2</a:t>
-            </a:r>
-            <a:endParaRPr lang="en-US" dirty="0"/>
-          </a:p>
-        </p:txBody>
-      </p:sp>
-      <p:sp>
-        <p:nvSpPr>
-          <p:cNvPr id="3" name="Content Placeholder 2"/>
-          <p:cNvSpPr>
-            <a:spLocks noGrp="1"/>
-          </p:cNvSpPr>
-          <p:nvPr>
-            <p:ph idx="1"/>
-          </p:nvPr>
-        </p:nvSpPr>
-        <p:spPr/>
-        <p:txBody>
-          <a:bodyPr>
-            <a:normAutofit/>
-          </a:bodyPr>
-          <a:lstStyle/>
-          <a:p>
-            <a:r>
-              <a:rPr lang="en-US" sz="2400" dirty="0"/>
-              <a:t>A</a:t>
-            </a:r>
-            <a:r>
-              <a:rPr lang="en-US" sz="2400" dirty="0" smtClean="0"/>
-              <a:t>s </a:t>
-            </a:r>
-            <a:r>
-              <a:rPr lang="en-US" sz="2400" dirty="0"/>
-              <a:t>the degree of n-gram range increase the number of </a:t>
-            </a:r>
-            <a:r>
-              <a:rPr lang="en-US" sz="2400" dirty="0" smtClean="0"/>
-              <a:t>features increases significantly </a:t>
-            </a:r>
-            <a:r>
-              <a:rPr lang="en-US" sz="2400" dirty="0"/>
-              <a:t>and approaches 3.7 million in trigram range of </a:t>
-            </a:r>
-            <a:r>
-              <a:rPr lang="en-US" sz="2400" dirty="0" smtClean="0"/>
-              <a:t>the unbalanced </a:t>
-            </a:r>
-            <a:r>
-              <a:rPr lang="en-US" sz="2400" dirty="0"/>
-              <a:t>data set</a:t>
-            </a:r>
-            <a:r>
-              <a:rPr lang="en-US" sz="2400" dirty="0" smtClean="0"/>
-              <a:t>.</a:t>
-            </a:r>
-          </a:p>
-          <a:p>
-            <a:r>
-              <a:rPr lang="en-US" sz="2400" dirty="0"/>
-              <a:t>There are two overriding reasons </a:t>
-            </a:r>
-            <a:r>
-              <a:rPr lang="en-US" sz="2400" dirty="0" smtClean="0"/>
-              <a:t> to apply feature </a:t>
-            </a:r>
-            <a:r>
-              <a:rPr lang="en-US" sz="2400" dirty="0"/>
-              <a:t>selection</a:t>
-            </a:r>
-            <a:r>
-              <a:rPr lang="en-US" sz="2400" dirty="0" smtClean="0"/>
-              <a:t>.</a:t>
-            </a:r>
-          </a:p>
-          <a:p>
-            <a:pPr lvl="1"/>
-            <a:r>
-              <a:rPr lang="en-US" sz="2400" dirty="0" smtClean="0"/>
-              <a:t>large </a:t>
-            </a:r>
-            <a:r>
-              <a:rPr lang="en-US" sz="2400" dirty="0"/>
-              <a:t>number </a:t>
-            </a:r>
-            <a:r>
-              <a:rPr lang="en-US" sz="2400" dirty="0" smtClean="0"/>
-              <a:t>of features may make  </a:t>
-            </a:r>
-            <a:r>
-              <a:rPr lang="en-US" sz="2400" dirty="0"/>
-              <a:t>the </a:t>
-            </a:r>
-            <a:r>
-              <a:rPr lang="en-US" sz="2400" dirty="0" smtClean="0"/>
-              <a:t>classifier </a:t>
-            </a:r>
-            <a:r>
-              <a:rPr lang="en-US" sz="2400" dirty="0"/>
-              <a:t>can exhibit some </a:t>
-            </a:r>
-            <a:r>
-              <a:rPr lang="en-US" sz="2400" dirty="0" smtClean="0"/>
-              <a:t>over fitting, </a:t>
-            </a:r>
-            <a:r>
-              <a:rPr lang="en-US" sz="2400" dirty="0"/>
-              <a:t>due to the curse of </a:t>
-            </a:r>
-            <a:r>
-              <a:rPr lang="en-US" sz="2400" dirty="0" smtClean="0"/>
-              <a:t>dimensionality</a:t>
-            </a:r>
-          </a:p>
-          <a:p>
-            <a:pPr lvl="1"/>
-            <a:r>
-              <a:rPr lang="en-US" sz="2400" dirty="0" smtClean="0"/>
-              <a:t>With </a:t>
-            </a:r>
-            <a:r>
-              <a:rPr lang="en-US" sz="2400" dirty="0"/>
-              <a:t>millions of features, the </a:t>
-            </a:r>
-            <a:r>
-              <a:rPr lang="en-US" sz="2400" dirty="0" smtClean="0"/>
-              <a:t>computational burden </a:t>
-            </a:r>
-            <a:r>
-              <a:rPr lang="en-US" sz="2400" dirty="0"/>
-              <a:t>will be too high for many </a:t>
-            </a:r>
-            <a:r>
-              <a:rPr lang="en-US" sz="2400" dirty="0" smtClean="0"/>
-              <a:t>classifiers to </a:t>
-            </a:r>
-            <a:r>
-              <a:rPr lang="en-US" sz="2400" dirty="0"/>
-              <a:t>be practically feasible</a:t>
-            </a:r>
-          </a:p>
-        </p:txBody>
-      </p:sp>
-    </p:spTree>
-    <p:extLst>
-      <p:ext uri="{BB962C8B-B14F-4D97-AF65-F5344CB8AC3E}">
-        <p14:creationId xmlns:p14="http://schemas.microsoft.com/office/powerpoint/2010/main" val="2356490598"/>
       </p:ext>
     </p:extLst>
   </p:cSld>
@@ -7443,6 +8621,30 @@
               <a:buNone/>
             </a:pPr>
             <a:endParaRPr lang="en-US" sz="2400" dirty="0"/>
+          </a:p>
+        </p:txBody>
+      </p:sp>
+      <p:sp>
+        <p:nvSpPr>
+          <p:cNvPr id="4" name="Slide Number Placeholder 3"/>
+          <p:cNvSpPr>
+            <a:spLocks noGrp="1"/>
+          </p:cNvSpPr>
+          <p:nvPr>
+            <p:ph type="sldNum" sz="quarter" idx="12"/>
+          </p:nvPr>
+        </p:nvSpPr>
+        <p:spPr/>
+        <p:txBody>
+          <a:bodyPr/>
+          <a:lstStyle/>
+          <a:p>
+            <a:fld id="{B6F15528-21DE-4FAA-801E-634DDDAF4B2B}" type="slidenum">
+              <a:rPr lang="en-US" smtClean="0"/>
+              <a:pPr/>
+              <a:t>2</a:t>
+            </a:fld>
+            <a:endParaRPr lang="en-US"/>
           </a:p>
         </p:txBody>
       </p:sp>
@@ -7501,27 +8703,19 @@
           <a:lstStyle/>
           <a:p>
             <a:r>
-              <a:rPr lang="en-US" sz="4000" dirty="0"/>
+              <a:rPr lang="en-US" sz="4400" dirty="0"/>
               <a:t>Experiments</a:t>
-            </a:r>
-            <a:r>
-              <a:rPr lang="en-US" sz="4400" dirty="0"/>
-              <a:t/>
             </a:r>
             <a:br>
               <a:rPr lang="en-US" sz="4400" dirty="0"/>
             </a:br>
             <a:r>
-              <a:rPr lang="en-US" sz="4000" dirty="0"/>
-              <a:t>Experiment</a:t>
-            </a:r>
-            <a:r>
               <a:rPr lang="en-US" sz="4400" dirty="0"/>
-              <a:t> </a:t>
+              <a:t>Experiment </a:t>
             </a:r>
             <a:r>
               <a:rPr lang="en-US" sz="4400" dirty="0" smtClean="0"/>
-              <a:t>2</a:t>
+              <a:t>1</a:t>
             </a:r>
             <a:r>
               <a:rPr lang="en-US" sz="4400" dirty="0"/>
@@ -7543,135 +8737,172 @@
         </p:nvSpPr>
         <p:spPr/>
         <p:txBody>
+          <a:bodyPr>
+            <a:normAutofit fontScale="92500" lnSpcReduction="10000"/>
+          </a:bodyPr>
+          <a:lstStyle/>
+          <a:p>
+            <a:pPr marL="539496" indent="-457200">
+              <a:buFont typeface="+mj-lt"/>
+              <a:buAutoNum type="arabicPeriod"/>
+            </a:pPr>
+            <a:endParaRPr lang="en-US" sz="2000" dirty="0" smtClean="0"/>
+          </a:p>
+          <a:p>
+            <a:pPr marL="539496" indent="-457200">
+              <a:buFont typeface="+mj-lt"/>
+              <a:buAutoNum type="arabicPeriod"/>
+            </a:pPr>
+            <a:r>
+              <a:rPr lang="en-US" sz="2400" dirty="0" smtClean="0"/>
+              <a:t>The </a:t>
+            </a:r>
+            <a:r>
+              <a:rPr lang="en-US" sz="2400" dirty="0"/>
+              <a:t>inclusion of a third class "neutral" makes the problem much harder, and we get a lower performance than the case of two-class case ("positive“ and "negative"). </a:t>
+            </a:r>
+            <a:endParaRPr lang="en-US" sz="2400" dirty="0" smtClean="0"/>
+          </a:p>
+          <a:p>
+            <a:pPr marL="539496" indent="-457200">
+              <a:buFont typeface="+mj-lt"/>
+              <a:buAutoNum type="arabicPeriod"/>
+            </a:pPr>
+            <a:r>
+              <a:rPr lang="en-US" sz="2400" dirty="0" smtClean="0"/>
+              <a:t>The </a:t>
+            </a:r>
+            <a:r>
+              <a:rPr lang="en-US" sz="2400" dirty="0"/>
+              <a:t>balanced set is more challenging than the unbalanced set. We </a:t>
+            </a:r>
+            <a:r>
+              <a:rPr lang="en-US" sz="2400" dirty="0" smtClean="0"/>
+              <a:t>think this </a:t>
+            </a:r>
+            <a:r>
+              <a:rPr lang="en-US" sz="2400" dirty="0"/>
+              <a:t>is due to the fact it contains much fewer reviews compared to </a:t>
+            </a:r>
+            <a:r>
+              <a:rPr lang="en-US" sz="2400" dirty="0" smtClean="0"/>
+              <a:t>the </a:t>
+            </a:r>
+            <a:r>
+              <a:rPr lang="en-US" sz="2400" dirty="0"/>
+              <a:t>unbalanced </a:t>
+            </a:r>
+            <a:r>
+              <a:rPr lang="en-US" sz="2400" dirty="0" smtClean="0"/>
+              <a:t>set.</a:t>
+            </a:r>
+          </a:p>
+          <a:p>
+            <a:pPr marL="539496" indent="-457200">
+              <a:buFont typeface="+mj-lt"/>
+              <a:buAutoNum type="arabicPeriod"/>
+            </a:pPr>
+            <a:r>
+              <a:rPr lang="en-US" sz="2400" dirty="0"/>
+              <a:t>We can get an good overall accuracy and F1 of over 70% using </a:t>
+            </a:r>
+            <a:r>
+              <a:rPr lang="en-US" sz="2400" dirty="0" smtClean="0"/>
+              <a:t>especially SVM </a:t>
+            </a:r>
+            <a:r>
+              <a:rPr lang="en-US" sz="2400" dirty="0"/>
+              <a:t>and logistic regression </a:t>
+            </a:r>
+            <a:r>
+              <a:rPr lang="en-US" sz="2400" dirty="0" smtClean="0"/>
+              <a:t>classifiers. </a:t>
+            </a:r>
+            <a:r>
+              <a:rPr lang="en-US" sz="2400" dirty="0"/>
+              <a:t>This </a:t>
+            </a:r>
+            <a:r>
+              <a:rPr lang="en-US" sz="2400" dirty="0" smtClean="0"/>
+              <a:t>is consistent </a:t>
+            </a:r>
+            <a:r>
+              <a:rPr lang="en-US" sz="2400" dirty="0"/>
+              <a:t>with </a:t>
+            </a:r>
+            <a:r>
+              <a:rPr lang="en-US" sz="2400" dirty="0" smtClean="0"/>
+              <a:t>previous results </a:t>
+            </a:r>
+            <a:r>
+              <a:rPr lang="en-US" sz="2400" dirty="0"/>
+              <a:t>suggesting that SVM and Logistic Regression are a reliable choice</a:t>
+            </a:r>
+            <a:r>
+              <a:rPr lang="en-US" sz="2400" dirty="0" smtClean="0"/>
+              <a:t>.</a:t>
+            </a:r>
+          </a:p>
+          <a:p>
+            <a:pPr marL="539496" indent="-457200">
+              <a:buFont typeface="+mj-lt"/>
+              <a:buAutoNum type="arabicPeriod"/>
+            </a:pPr>
+            <a:r>
+              <a:rPr lang="en-US" sz="2400" dirty="0"/>
+              <a:t>Naive Bayes, Passive </a:t>
+            </a:r>
+            <a:r>
+              <a:rPr lang="en-US" sz="2400" dirty="0" smtClean="0"/>
+              <a:t>Aggressive, </a:t>
+            </a:r>
+            <a:r>
+              <a:rPr lang="en-US" sz="2400" dirty="0"/>
+              <a:t>and Perceptron are also a good choice </a:t>
+            </a:r>
+            <a:r>
+              <a:rPr lang="en-US" sz="2400" dirty="0" smtClean="0"/>
+              <a:t>of classifiers, </a:t>
+            </a:r>
+            <a:r>
+              <a:rPr lang="en-US" sz="2400" dirty="0"/>
+              <a:t>with the careful choice of parameters</a:t>
+            </a:r>
+            <a:r>
+              <a:rPr lang="en-US" sz="2400" dirty="0" smtClean="0"/>
+              <a:t>.</a:t>
+            </a:r>
+          </a:p>
+        </p:txBody>
+      </p:sp>
+      <p:sp>
+        <p:nvSpPr>
+          <p:cNvPr id="4" name="Slide Number Placeholder 3"/>
+          <p:cNvSpPr>
+            <a:spLocks noGrp="1"/>
+          </p:cNvSpPr>
+          <p:nvPr>
+            <p:ph type="sldNum" sz="quarter" idx="12"/>
+          </p:nvPr>
+        </p:nvSpPr>
+        <p:spPr/>
+        <p:txBody>
           <a:bodyPr/>
           <a:lstStyle/>
           <a:p>
-            <a:r>
-              <a:rPr lang="en-US" sz="2400" dirty="0" smtClean="0"/>
-              <a:t>Some feature selection </a:t>
-            </a:r>
-            <a:r>
-              <a:rPr lang="en-US" sz="2400" dirty="0"/>
-              <a:t>techniques were applied to </a:t>
-            </a:r>
-            <a:r>
-              <a:rPr lang="en-US" sz="2400" dirty="0" err="1"/>
-              <a:t>Tf-Idf</a:t>
-            </a:r>
-            <a:r>
-              <a:rPr lang="en-US" sz="2400" dirty="0"/>
-              <a:t> (token frequency inverse </a:t>
-            </a:r>
-            <a:r>
-              <a:rPr lang="en-US" sz="2400" dirty="0" smtClean="0"/>
-              <a:t>document frequency</a:t>
-            </a:r>
-            <a:r>
-              <a:rPr lang="en-US" sz="2400" dirty="0"/>
-              <a:t>) trigram training set to explore their </a:t>
-            </a:r>
-            <a:r>
-              <a:rPr lang="en-US" sz="2400" dirty="0" smtClean="0"/>
-              <a:t>effects</a:t>
-            </a:r>
-            <a:r>
-              <a:rPr lang="en-US" sz="2400" dirty="0"/>
-              <a:t>. The </a:t>
-            </a:r>
-            <a:r>
-              <a:rPr lang="en-US" sz="2400" dirty="0" smtClean="0"/>
-              <a:t>feature selection experiments </a:t>
-            </a:r>
-            <a:r>
-              <a:rPr lang="en-US" sz="2400" dirty="0"/>
-              <a:t>are</a:t>
-            </a:r>
-            <a:r>
-              <a:rPr lang="en-US" dirty="0" smtClean="0"/>
-              <a:t>:</a:t>
-            </a:r>
-          </a:p>
-          <a:p>
-            <a:pPr lvl="1"/>
-            <a:r>
-              <a:rPr lang="en-US" sz="2000" dirty="0"/>
-              <a:t>SVM </a:t>
-            </a:r>
-            <a:r>
-              <a:rPr lang="en-US" sz="2000" dirty="0" smtClean="0"/>
-              <a:t>(L1 </a:t>
-            </a:r>
-            <a:r>
-              <a:rPr lang="en-US" sz="2000" dirty="0"/>
-              <a:t>loss) </a:t>
-            </a:r>
-            <a:r>
-              <a:rPr lang="en-US" sz="2000" dirty="0" smtClean="0"/>
-              <a:t>classier.</a:t>
-            </a:r>
-          </a:p>
-          <a:p>
-            <a:pPr lvl="1"/>
-            <a:r>
-              <a:rPr lang="en-US" sz="2000" dirty="0"/>
-              <a:t>Logistic regression </a:t>
-            </a:r>
-            <a:r>
-              <a:rPr lang="en-US" sz="2000" dirty="0" smtClean="0"/>
-              <a:t>classier.</a:t>
-            </a:r>
-          </a:p>
-          <a:p>
-            <a:pPr lvl="1"/>
-            <a:r>
-              <a:rPr lang="en-US" sz="2000" dirty="0"/>
-              <a:t>Chi-squared feature </a:t>
-            </a:r>
-            <a:r>
-              <a:rPr lang="en-US" sz="2000" dirty="0" smtClean="0"/>
-              <a:t>selection.</a:t>
-            </a:r>
-          </a:p>
-          <a:p>
-            <a:pPr lvl="1"/>
-            <a:r>
-              <a:rPr lang="en-US" sz="2000" dirty="0"/>
-              <a:t>Analysis of variance feature </a:t>
-            </a:r>
-            <a:r>
-              <a:rPr lang="en-US" sz="2000" dirty="0" smtClean="0"/>
-              <a:t>selection.</a:t>
-            </a:r>
-          </a:p>
-          <a:p>
-            <a:pPr lvl="1"/>
-            <a:r>
-              <a:rPr lang="en-US" sz="2000" dirty="0"/>
-              <a:t>Relief feature </a:t>
-            </a:r>
-            <a:r>
-              <a:rPr lang="en-US" sz="2000" dirty="0" smtClean="0"/>
-              <a:t>selection.</a:t>
-            </a:r>
-          </a:p>
-          <a:p>
-            <a:pPr lvl="1"/>
-            <a:r>
-              <a:rPr lang="en-US" sz="2000" dirty="0"/>
-              <a:t>Class Separation Feature </a:t>
-            </a:r>
-            <a:r>
-              <a:rPr lang="en-US" sz="2000" dirty="0" smtClean="0"/>
-              <a:t>selection.</a:t>
-            </a:r>
-            <a:endParaRPr lang="en-US" sz="2000" dirty="0"/>
+            <a:fld id="{B6F15528-21DE-4FAA-801E-634DDDAF4B2B}" type="slidenum">
+              <a:rPr lang="en-US" smtClean="0"/>
+              <a:pPr/>
+              <a:t>20</a:t>
+            </a:fld>
+            <a:endParaRPr lang="en-US"/>
           </a:p>
         </p:txBody>
       </p:sp>
     </p:spTree>
     <p:extLst>
       <p:ext uri="{BB962C8B-B14F-4D97-AF65-F5344CB8AC3E}">
-        <p14:creationId xmlns:p14="http://schemas.microsoft.com/office/powerpoint/2010/main" val="896300744"/>
+        <p14:creationId xmlns:p14="http://schemas.microsoft.com/office/powerpoint/2010/main" val="952295148"/>
       </p:ext>
     </p:extLst>
   </p:cSld>
@@ -7737,10 +8968,7 @@
               <a:rPr lang="en-US" sz="4000" dirty="0" smtClean="0"/>
               <a:t>2</a:t>
             </a:r>
-            <a:r>
-              <a:rPr lang="en-US" sz="4000" dirty="0"/>
-              <a:t>(Cont.)</a:t>
-            </a:r>
+            <a:endParaRPr lang="en-US" dirty="0"/>
           </a:p>
         </p:txBody>
       </p:sp>
@@ -7762,6 +8990,505 @@
           <a:lstStyle/>
           <a:p>
             <a:r>
+              <a:rPr lang="en-US" sz="2400" dirty="0"/>
+              <a:t>A</a:t>
+            </a:r>
+            <a:r>
+              <a:rPr lang="en-US" sz="2400" dirty="0" smtClean="0"/>
+              <a:t>s </a:t>
+            </a:r>
+            <a:r>
+              <a:rPr lang="en-US" sz="2400" dirty="0"/>
+              <a:t>the degree of n-gram range </a:t>
+            </a:r>
+            <a:r>
+              <a:rPr lang="en-US" sz="2400" dirty="0" smtClean="0"/>
+              <a:t>increases </a:t>
+            </a:r>
+            <a:r>
+              <a:rPr lang="en-US" sz="2400" dirty="0"/>
+              <a:t>the number of </a:t>
+            </a:r>
+            <a:r>
+              <a:rPr lang="en-US" sz="2400" dirty="0" smtClean="0"/>
+              <a:t>features increases significantly </a:t>
+            </a:r>
+            <a:r>
+              <a:rPr lang="en-US" sz="2400" dirty="0"/>
+              <a:t>and approaches 3.7 million in trigram range of </a:t>
+            </a:r>
+            <a:r>
+              <a:rPr lang="en-US" sz="2400" dirty="0" smtClean="0"/>
+              <a:t>the unbalanced </a:t>
+            </a:r>
+            <a:r>
+              <a:rPr lang="en-US" sz="2400" dirty="0"/>
+              <a:t>data set</a:t>
+            </a:r>
+            <a:r>
+              <a:rPr lang="en-US" sz="2400" dirty="0" smtClean="0"/>
+              <a:t>.</a:t>
+            </a:r>
+          </a:p>
+          <a:p>
+            <a:r>
+              <a:rPr lang="en-US" sz="2400" dirty="0"/>
+              <a:t>There are two </a:t>
+            </a:r>
+            <a:r>
+              <a:rPr lang="en-US" sz="2400" dirty="0" smtClean="0"/>
+              <a:t>significant reasons  for applying feature </a:t>
+            </a:r>
+            <a:r>
+              <a:rPr lang="en-US" sz="2400" dirty="0"/>
+              <a:t>selection</a:t>
+            </a:r>
+            <a:r>
+              <a:rPr lang="en-US" sz="2400" dirty="0" smtClean="0"/>
+              <a:t>.</a:t>
+            </a:r>
+          </a:p>
+          <a:p>
+            <a:pPr lvl="1"/>
+            <a:r>
+              <a:rPr lang="en-US" sz="2400" dirty="0" smtClean="0"/>
+              <a:t>large </a:t>
+            </a:r>
+            <a:r>
+              <a:rPr lang="en-US" sz="2400" dirty="0"/>
+              <a:t>number </a:t>
+            </a:r>
+            <a:r>
+              <a:rPr lang="en-US" sz="2400" dirty="0" smtClean="0"/>
+              <a:t>of features may </a:t>
+            </a:r>
+            <a:r>
+              <a:rPr lang="en-US" sz="2400" dirty="0"/>
+              <a:t>cause the classifier </a:t>
+            </a:r>
+            <a:r>
+              <a:rPr lang="en-US" sz="2400" dirty="0" smtClean="0"/>
+              <a:t> to exhibit </a:t>
+            </a:r>
+            <a:r>
+              <a:rPr lang="en-US" sz="2400" dirty="0"/>
+              <a:t>some </a:t>
+            </a:r>
+            <a:r>
+              <a:rPr lang="en-US" sz="2400" dirty="0" err="1" smtClean="0"/>
+              <a:t>overfitting</a:t>
+            </a:r>
+            <a:r>
+              <a:rPr lang="en-US" sz="2400" dirty="0" smtClean="0"/>
+              <a:t>, </a:t>
+            </a:r>
+            <a:r>
+              <a:rPr lang="en-US" sz="2400" dirty="0"/>
+              <a:t>due to the curse of </a:t>
+            </a:r>
+            <a:r>
+              <a:rPr lang="en-US" sz="2400" dirty="0" smtClean="0"/>
+              <a:t>dimensionality.</a:t>
+            </a:r>
+          </a:p>
+          <a:p>
+            <a:pPr lvl="1"/>
+            <a:r>
+              <a:rPr lang="en-US" sz="2400" dirty="0" smtClean="0"/>
+              <a:t>With </a:t>
+            </a:r>
+            <a:r>
+              <a:rPr lang="en-US" sz="2400" dirty="0"/>
+              <a:t>millions of features, the </a:t>
+            </a:r>
+            <a:r>
+              <a:rPr lang="en-US" sz="2400" dirty="0" smtClean="0"/>
+              <a:t>computational burden </a:t>
+            </a:r>
+            <a:r>
+              <a:rPr lang="en-US" sz="2400" dirty="0"/>
+              <a:t>will be too high for many </a:t>
+            </a:r>
+            <a:r>
+              <a:rPr lang="en-US" sz="2400" dirty="0" smtClean="0"/>
+              <a:t>classifiers to </a:t>
+            </a:r>
+            <a:r>
+              <a:rPr lang="en-US" sz="2400" dirty="0"/>
+              <a:t>be practically </a:t>
+            </a:r>
+            <a:r>
+              <a:rPr lang="en-US" sz="2400" dirty="0" smtClean="0"/>
+              <a:t>feasible.</a:t>
+            </a:r>
+            <a:endParaRPr lang="en-US" sz="2400" dirty="0"/>
+          </a:p>
+        </p:txBody>
+      </p:sp>
+      <p:sp>
+        <p:nvSpPr>
+          <p:cNvPr id="4" name="Slide Number Placeholder 3"/>
+          <p:cNvSpPr>
+            <a:spLocks noGrp="1"/>
+          </p:cNvSpPr>
+          <p:nvPr>
+            <p:ph type="sldNum" sz="quarter" idx="12"/>
+          </p:nvPr>
+        </p:nvSpPr>
+        <p:spPr/>
+        <p:txBody>
+          <a:bodyPr/>
+          <a:lstStyle/>
+          <a:p>
+            <a:fld id="{B6F15528-21DE-4FAA-801E-634DDDAF4B2B}" type="slidenum">
+              <a:rPr lang="en-US" smtClean="0"/>
+              <a:pPr/>
+              <a:t>21</a:t>
+            </a:fld>
+            <a:endParaRPr lang="en-US"/>
+          </a:p>
+        </p:txBody>
+      </p:sp>
+    </p:spTree>
+    <p:extLst>
+      <p:ext uri="{BB962C8B-B14F-4D97-AF65-F5344CB8AC3E}">
+        <p14:creationId xmlns:p14="http://schemas.microsoft.com/office/powerpoint/2010/main" val="2356490598"/>
+      </p:ext>
+    </p:extLst>
+  </p:cSld>
+  <p:clrMapOvr>
+    <a:masterClrMapping/>
+  </p:clrMapOvr>
+  <p:timing>
+    <p:tnLst>
+      <p:par>
+        <p:cTn id="1" dur="indefinite" restart="never" nodeType="tmRoot"/>
+      </p:par>
+    </p:tnLst>
+  </p:timing>
+</p:sld>
+</file>
+
+<file path=ppt/slides/slide22.xml><?xml version="1.0" encoding="utf-8"?>
+<p:sld xmlns:a="http://schemas.openxmlformats.org/drawingml/2006/main" xmlns:r="http://schemas.openxmlformats.org/officeDocument/2006/relationships" xmlns:p="http://schemas.openxmlformats.org/presentationml/2006/main">
+  <p:cSld>
+    <p:spTree>
+      <p:nvGrpSpPr>
+        <p:cNvPr id="1" name=""/>
+        <p:cNvGrpSpPr/>
+        <p:nvPr/>
+      </p:nvGrpSpPr>
+      <p:grpSpPr>
+        <a:xfrm>
+          <a:off x="0" y="0"/>
+          <a:ext cx="0" cy="0"/>
+          <a:chOff x="0" y="0"/>
+          <a:chExt cx="0" cy="0"/>
+        </a:xfrm>
+      </p:grpSpPr>
+      <p:sp>
+        <p:nvSpPr>
+          <p:cNvPr id="2" name="Title 1"/>
+          <p:cNvSpPr>
+            <a:spLocks noGrp="1"/>
+          </p:cNvSpPr>
+          <p:nvPr>
+            <p:ph type="title"/>
+          </p:nvPr>
+        </p:nvSpPr>
+        <p:spPr/>
+        <p:txBody>
+          <a:bodyPr>
+            <a:normAutofit fontScale="90000"/>
+          </a:bodyPr>
+          <a:lstStyle/>
+          <a:p>
+            <a:r>
+              <a:rPr lang="en-US" sz="4000" dirty="0"/>
+              <a:t>Experiments</a:t>
+            </a:r>
+            <a:r>
+              <a:rPr lang="en-US" sz="4400" dirty="0"/>
+              <a:t/>
+            </a:r>
+            <a:br>
+              <a:rPr lang="en-US" sz="4400" dirty="0"/>
+            </a:br>
+            <a:r>
+              <a:rPr lang="en-US" sz="4000" dirty="0"/>
+              <a:t>Experiment</a:t>
+            </a:r>
+            <a:r>
+              <a:rPr lang="en-US" sz="4400" dirty="0"/>
+              <a:t> </a:t>
+            </a:r>
+            <a:r>
+              <a:rPr lang="en-US" sz="4400" dirty="0" smtClean="0"/>
+              <a:t>2</a:t>
+            </a:r>
+            <a:r>
+              <a:rPr lang="en-US" sz="4400" dirty="0"/>
+              <a:t>(Cont.)</a:t>
+            </a:r>
+            <a:endParaRPr lang="en-US" dirty="0"/>
+          </a:p>
+        </p:txBody>
+      </p:sp>
+      <p:sp>
+        <p:nvSpPr>
+          <p:cNvPr id="3" name="Content Placeholder 2"/>
+          <p:cNvSpPr>
+            <a:spLocks noGrp="1"/>
+          </p:cNvSpPr>
+          <p:nvPr>
+            <p:ph idx="1"/>
+          </p:nvPr>
+        </p:nvSpPr>
+        <p:spPr/>
+        <p:txBody>
+          <a:bodyPr/>
+          <a:lstStyle/>
+          <a:p>
+            <a:r>
+              <a:rPr lang="en-US" sz="2400" dirty="0" smtClean="0"/>
+              <a:t>Some feature selection </a:t>
+            </a:r>
+            <a:r>
+              <a:rPr lang="en-US" sz="2400" dirty="0"/>
+              <a:t>techniques were applied to </a:t>
+            </a:r>
+            <a:r>
+              <a:rPr lang="en-US" sz="2400" dirty="0" err="1"/>
+              <a:t>Tf-Idf</a:t>
+            </a:r>
+            <a:r>
+              <a:rPr lang="en-US" sz="2400" dirty="0"/>
+              <a:t> (token frequency inverse </a:t>
+            </a:r>
+            <a:r>
+              <a:rPr lang="en-US" sz="2400" dirty="0" smtClean="0"/>
+              <a:t>document frequency</a:t>
+            </a:r>
+            <a:r>
+              <a:rPr lang="en-US" sz="2400" dirty="0"/>
+              <a:t>) trigram training set to explore their </a:t>
+            </a:r>
+            <a:r>
+              <a:rPr lang="en-US" sz="2400" dirty="0" smtClean="0"/>
+              <a:t>effects</a:t>
+            </a:r>
+            <a:r>
+              <a:rPr lang="en-US" sz="2400" dirty="0"/>
+              <a:t>. The </a:t>
+            </a:r>
+            <a:r>
+              <a:rPr lang="en-US" sz="2400" dirty="0" smtClean="0"/>
+              <a:t>feature selection experiments </a:t>
+            </a:r>
+            <a:r>
+              <a:rPr lang="en-US" sz="2400" dirty="0"/>
+              <a:t>are</a:t>
+            </a:r>
+            <a:r>
+              <a:rPr lang="en-US" dirty="0" smtClean="0"/>
+              <a:t>:</a:t>
+            </a:r>
+          </a:p>
+          <a:p>
+            <a:pPr lvl="1"/>
+            <a:r>
+              <a:rPr lang="en-US" sz="2000" dirty="0"/>
+              <a:t>SVM </a:t>
+            </a:r>
+            <a:r>
+              <a:rPr lang="en-US" sz="2000" dirty="0" smtClean="0"/>
+              <a:t>(L1 </a:t>
+            </a:r>
+            <a:r>
+              <a:rPr lang="en-US" sz="2000" dirty="0"/>
+              <a:t>loss) </a:t>
+            </a:r>
+            <a:r>
+              <a:rPr lang="en-US" sz="2000" dirty="0" smtClean="0"/>
+              <a:t>classier.</a:t>
+            </a:r>
+          </a:p>
+          <a:p>
+            <a:pPr lvl="1"/>
+            <a:r>
+              <a:rPr lang="en-US" sz="2000" dirty="0"/>
+              <a:t>Logistic regression </a:t>
+            </a:r>
+            <a:r>
+              <a:rPr lang="en-US" sz="2000" dirty="0" smtClean="0"/>
+              <a:t>classier.</a:t>
+            </a:r>
+          </a:p>
+          <a:p>
+            <a:pPr lvl="1"/>
+            <a:r>
+              <a:rPr lang="en-US" sz="2000" dirty="0"/>
+              <a:t>Chi-squared feature </a:t>
+            </a:r>
+            <a:r>
+              <a:rPr lang="en-US" sz="2000" dirty="0" smtClean="0"/>
+              <a:t>selection.</a:t>
+            </a:r>
+          </a:p>
+          <a:p>
+            <a:pPr lvl="1"/>
+            <a:r>
+              <a:rPr lang="en-US" sz="2000" dirty="0"/>
+              <a:t>Analysis of variance feature </a:t>
+            </a:r>
+            <a:r>
+              <a:rPr lang="en-US" sz="2000" dirty="0" smtClean="0"/>
+              <a:t>selection.</a:t>
+            </a:r>
+          </a:p>
+          <a:p>
+            <a:pPr lvl="1"/>
+            <a:r>
+              <a:rPr lang="en-US" sz="2000" dirty="0"/>
+              <a:t>Relief feature </a:t>
+            </a:r>
+            <a:r>
+              <a:rPr lang="en-US" sz="2000" dirty="0" smtClean="0"/>
+              <a:t>selection.</a:t>
+            </a:r>
+          </a:p>
+          <a:p>
+            <a:pPr lvl="1"/>
+            <a:r>
+              <a:rPr lang="en-US" sz="2000" dirty="0"/>
+              <a:t>Class Separation Feature </a:t>
+            </a:r>
+            <a:r>
+              <a:rPr lang="en-US" sz="2000" dirty="0" smtClean="0"/>
+              <a:t>selection.</a:t>
+            </a:r>
+            <a:endParaRPr lang="en-US" sz="2000" dirty="0"/>
+          </a:p>
+        </p:txBody>
+      </p:sp>
+      <p:sp>
+        <p:nvSpPr>
+          <p:cNvPr id="4" name="Slide Number Placeholder 3"/>
+          <p:cNvSpPr>
+            <a:spLocks noGrp="1"/>
+          </p:cNvSpPr>
+          <p:nvPr>
+            <p:ph type="sldNum" sz="quarter" idx="12"/>
+          </p:nvPr>
+        </p:nvSpPr>
+        <p:spPr/>
+        <p:txBody>
+          <a:bodyPr/>
+          <a:lstStyle/>
+          <a:p>
+            <a:fld id="{B6F15528-21DE-4FAA-801E-634DDDAF4B2B}" type="slidenum">
+              <a:rPr lang="en-US" smtClean="0"/>
+              <a:pPr/>
+              <a:t>22</a:t>
+            </a:fld>
+            <a:endParaRPr lang="en-US"/>
+          </a:p>
+        </p:txBody>
+      </p:sp>
+    </p:spTree>
+    <p:extLst>
+      <p:ext uri="{BB962C8B-B14F-4D97-AF65-F5344CB8AC3E}">
+        <p14:creationId xmlns:p14="http://schemas.microsoft.com/office/powerpoint/2010/main" val="896300744"/>
+      </p:ext>
+    </p:extLst>
+  </p:cSld>
+  <p:clrMapOvr>
+    <a:masterClrMapping/>
+  </p:clrMapOvr>
+  <p:timing>
+    <p:tnLst>
+      <p:par>
+        <p:cTn id="1" dur="indefinite" restart="never" nodeType="tmRoot"/>
+      </p:par>
+    </p:tnLst>
+  </p:timing>
+</p:sld>
+</file>
+
+<file path=ppt/slides/slide23.xml><?xml version="1.0" encoding="utf-8"?>
+<p:sld xmlns:a="http://schemas.openxmlformats.org/drawingml/2006/main" xmlns:r="http://schemas.openxmlformats.org/officeDocument/2006/relationships" xmlns:p="http://schemas.openxmlformats.org/presentationml/2006/main">
+  <p:cSld>
+    <p:spTree>
+      <p:nvGrpSpPr>
+        <p:cNvPr id="1" name=""/>
+        <p:cNvGrpSpPr/>
+        <p:nvPr/>
+      </p:nvGrpSpPr>
+      <p:grpSpPr>
+        <a:xfrm>
+          <a:off x="0" y="0"/>
+          <a:ext cx="0" cy="0"/>
+          <a:chOff x="0" y="0"/>
+          <a:chExt cx="0" cy="0"/>
+        </a:xfrm>
+      </p:grpSpPr>
+      <p:sp>
+        <p:nvSpPr>
+          <p:cNvPr id="2" name="Title 1"/>
+          <p:cNvSpPr>
+            <a:spLocks noGrp="1"/>
+          </p:cNvSpPr>
+          <p:nvPr>
+            <p:ph type="title"/>
+          </p:nvPr>
+        </p:nvSpPr>
+        <p:spPr/>
+        <p:txBody>
+          <a:bodyPr>
+            <a:normAutofit fontScale="90000"/>
+          </a:bodyPr>
+          <a:lstStyle/>
+          <a:p>
+            <a:r>
+              <a:rPr lang="en-US" sz="4000" dirty="0"/>
+              <a:t>Experiments</a:t>
+            </a:r>
+            <a:br>
+              <a:rPr lang="en-US" sz="4000" dirty="0"/>
+            </a:br>
+            <a:r>
+              <a:rPr lang="en-US" sz="4000" dirty="0"/>
+              <a:t>Experiment </a:t>
+            </a:r>
+            <a:r>
+              <a:rPr lang="en-US" sz="4000" dirty="0" smtClean="0"/>
+              <a:t>2</a:t>
+            </a:r>
+            <a:r>
+              <a:rPr lang="en-US" sz="4000" dirty="0"/>
+              <a:t>(Cont.)</a:t>
+            </a:r>
+          </a:p>
+        </p:txBody>
+      </p:sp>
+      <p:sp>
+        <p:nvSpPr>
+          <p:cNvPr id="3" name="Content Placeholder 2"/>
+          <p:cNvSpPr>
+            <a:spLocks noGrp="1"/>
+          </p:cNvSpPr>
+          <p:nvPr>
+            <p:ph idx="1"/>
+          </p:nvPr>
+        </p:nvSpPr>
+        <p:spPr/>
+        <p:txBody>
+          <a:bodyPr>
+            <a:normAutofit/>
+          </a:bodyPr>
+          <a:lstStyle/>
+          <a:p>
+            <a:r>
               <a:rPr lang="en-US" sz="2400" dirty="0" smtClean="0"/>
               <a:t>This Experiment is applied on the </a:t>
             </a:r>
@@ -7782,15 +9509,7 @@
             <a:pPr lvl="1"/>
             <a:r>
               <a:rPr lang="en-US" sz="2400" dirty="0" smtClean="0"/>
-              <a:t>SVM, passive aggressive, logistic regression and perceptron (as for these algorithms we get the highest accuracy </a:t>
-            </a:r>
-            <a:r>
-              <a:rPr lang="en-US" sz="2400" dirty="0"/>
-              <a:t>and F-measure in Experiment 1</a:t>
-            </a:r>
-            <a:r>
-              <a:rPr lang="en-US" sz="2400" dirty="0" smtClean="0"/>
-              <a:t>.</a:t>
+              <a:t>SVM, passive aggressive, logistic regression and perceptron</a:t>
             </a:r>
           </a:p>
           <a:p>
@@ -7819,7 +9538,7 @@
               <a:buAutoNum type="arabicPeriod"/>
             </a:pPr>
             <a:r>
-              <a:rPr lang="en-US" sz="2000" smtClean="0"/>
+              <a:rPr lang="en-US" sz="2000" dirty="0" smtClean="0"/>
               <a:t>Evaluation </a:t>
             </a:r>
             <a:r>
@@ -7828,15 +9547,7 @@
             </a:r>
             <a:r>
               <a:rPr lang="en-US" sz="2000" dirty="0" smtClean="0"/>
-              <a:t>validation set </a:t>
-            </a:r>
-            <a:r>
-              <a:rPr lang="en-US" sz="2000" smtClean="0"/>
-              <a:t>with </a:t>
-            </a:r>
-            <a:r>
-              <a:rPr lang="en-US" sz="2000" smtClean="0"/>
-              <a:t>out cross </a:t>
+              <a:t>validation set without cross </a:t>
             </a:r>
             <a:r>
               <a:rPr lang="en-US" sz="2000" dirty="0"/>
@@ -7852,6 +9563,30 @@
               <a:t> .</a:t>
             </a:r>
             <a:endParaRPr lang="en-US" sz="2000" dirty="0"/>
+          </a:p>
+        </p:txBody>
+      </p:sp>
+      <p:sp>
+        <p:nvSpPr>
+          <p:cNvPr id="4" name="Slide Number Placeholder 3"/>
+          <p:cNvSpPr>
+            <a:spLocks noGrp="1"/>
+          </p:cNvSpPr>
+          <p:nvPr>
+            <p:ph type="sldNum" sz="quarter" idx="12"/>
+          </p:nvPr>
+        </p:nvSpPr>
+        <p:spPr/>
+        <p:txBody>
+          <a:bodyPr/>
+          <a:lstStyle/>
+          <a:p>
+            <a:fld id="{B6F15528-21DE-4FAA-801E-634DDDAF4B2B}" type="slidenum">
+              <a:rPr lang="en-US" smtClean="0"/>
+              <a:pPr/>
+              <a:t>23</a:t>
+            </a:fld>
+            <a:endParaRPr lang="en-US"/>
           </a:p>
         </p:txBody>
       </p:sp>
@@ -7875,7 +9610,7 @@
 </p:sld>
 </file>
 
-<file path=ppt/slides/slide22.xml><?xml version="1.0" encoding="utf-8"?>
+<file path=ppt/slides/slide24.xml><?xml version="1.0" encoding="utf-8"?>
 <p:sld xmlns:a="http://schemas.openxmlformats.org/drawingml/2006/main" xmlns:r="http://schemas.openxmlformats.org/officeDocument/2006/relationships" xmlns:p="http://schemas.openxmlformats.org/presentationml/2006/main">
   <p:cSld>
     <p:spTree>
@@ -8006,6 +9741,30 @@
           </a:extLst>
         </p:spPr>
       </p:pic>
+      <p:sp>
+        <p:nvSpPr>
+          <p:cNvPr id="4" name="Slide Number Placeholder 3"/>
+          <p:cNvSpPr>
+            <a:spLocks noGrp="1"/>
+          </p:cNvSpPr>
+          <p:nvPr>
+            <p:ph type="sldNum" sz="quarter" idx="12"/>
+          </p:nvPr>
+        </p:nvSpPr>
+        <p:spPr/>
+        <p:txBody>
+          <a:bodyPr/>
+          <a:lstStyle/>
+          <a:p>
+            <a:fld id="{B6F15528-21DE-4FAA-801E-634DDDAF4B2B}" type="slidenum">
+              <a:rPr lang="en-US" smtClean="0"/>
+              <a:pPr/>
+              <a:t>24</a:t>
+            </a:fld>
+            <a:endParaRPr lang="en-US"/>
+          </a:p>
+        </p:txBody>
+      </p:sp>
     </p:spTree>
     <p:extLst>
       <p:ext uri="{BB962C8B-B14F-4D97-AF65-F5344CB8AC3E}">
@@ -8026,7 +9785,7 @@
 </p:sld>
 </file>
 
-<file path=ppt/slides/slide23.xml><?xml version="1.0" encoding="utf-8"?>
+<file path=ppt/slides/slide25.xml><?xml version="1.0" encoding="utf-8"?>
 <p:sld xmlns:a="http://schemas.openxmlformats.org/drawingml/2006/main" xmlns:r="http://schemas.openxmlformats.org/officeDocument/2006/relationships" xmlns:p="http://schemas.openxmlformats.org/presentationml/2006/main">
   <p:cSld>
     <p:spTree>
@@ -8163,6 +9922,30 @@
           </a:extLst>
         </p:spPr>
       </p:pic>
+      <p:sp>
+        <p:nvSpPr>
+          <p:cNvPr id="4" name="Slide Number Placeholder 3"/>
+          <p:cNvSpPr>
+            <a:spLocks noGrp="1"/>
+          </p:cNvSpPr>
+          <p:nvPr>
+            <p:ph type="sldNum" sz="quarter" idx="12"/>
+          </p:nvPr>
+        </p:nvSpPr>
+        <p:spPr/>
+        <p:txBody>
+          <a:bodyPr/>
+          <a:lstStyle/>
+          <a:p>
+            <a:fld id="{B6F15528-21DE-4FAA-801E-634DDDAF4B2B}" type="slidenum">
+              <a:rPr lang="en-US" smtClean="0"/>
+              <a:pPr/>
+              <a:t>25</a:t>
+            </a:fld>
+            <a:endParaRPr lang="en-US"/>
+          </a:p>
+        </p:txBody>
+      </p:sp>
     </p:spTree>
     <p:extLst>
       <p:ext uri="{BB962C8B-B14F-4D97-AF65-F5344CB8AC3E}">
@@ -8183,7 +9966,7 @@
 </p:sld>
 </file>
 
-<file path=ppt/slides/slide24.xml><?xml version="1.0" encoding="utf-8"?>
+<file path=ppt/slides/slide26.xml><?xml version="1.0" encoding="utf-8"?>
 <p:sld xmlns:a="http://schemas.openxmlformats.org/drawingml/2006/main" xmlns:r="http://schemas.openxmlformats.org/officeDocument/2006/relationships" xmlns:p="http://schemas.openxmlformats.org/presentationml/2006/main">
   <p:cSld>
     <p:spTree>
@@ -8339,317 +10122,34 @@
           </a:extLst>
         </p:spPr>
       </p:pic>
+      <p:sp>
+        <p:nvSpPr>
+          <p:cNvPr id="4" name="Slide Number Placeholder 3"/>
+          <p:cNvSpPr>
+            <a:spLocks noGrp="1"/>
+          </p:cNvSpPr>
+          <p:nvPr>
+            <p:ph type="sldNum" sz="quarter" idx="12"/>
+          </p:nvPr>
+        </p:nvSpPr>
+        <p:spPr/>
+        <p:txBody>
+          <a:bodyPr/>
+          <a:lstStyle/>
+          <a:p>
+            <a:fld id="{B6F15528-21DE-4FAA-801E-634DDDAF4B2B}" type="slidenum">
+              <a:rPr lang="en-US" smtClean="0"/>
+              <a:pPr/>
+              <a:t>26</a:t>
+            </a:fld>
+            <a:endParaRPr lang="en-US"/>
+          </a:p>
+        </p:txBody>
+      </p:sp>
     </p:spTree>
     <p:extLst>
       <p:ext uri="{BB962C8B-B14F-4D97-AF65-F5344CB8AC3E}">
         <p14:creationId xmlns:p14="http://schemas.microsoft.com/office/powerpoint/2010/main" val="373220607"/>
-      </p:ext>
-    </p:extLst>
-  </p:cSld>
-  <p:clrMapOvr>
-    <a:masterClrMapping/>
-  </p:clrMapOvr>
-  <p:timing>
-    <p:tnLst>
-      <p:par>
-        <p:cTn id="1" dur="indefinite" restart="never" nodeType="tmRoot"/>
-      </p:par>
-    </p:tnLst>
-  </p:timing>
-</p:sld>
-</file>
-
-<file path=ppt/slides/slide25.xml><?xml version="1.0" encoding="utf-8"?>
-<p:sld xmlns:a="http://schemas.openxmlformats.org/drawingml/2006/main" xmlns:r="http://schemas.openxmlformats.org/officeDocument/2006/relationships" xmlns:p="http://schemas.openxmlformats.org/presentationml/2006/main">
-  <p:cSld>
-    <p:spTree>
-      <p:nvGrpSpPr>
-        <p:cNvPr id="1" name=""/>
-        <p:cNvGrpSpPr/>
-        <p:nvPr/>
-      </p:nvGrpSpPr>
-      <p:grpSpPr>
-        <a:xfrm>
-          <a:off x="0" y="0"/>
-          <a:ext cx="0" cy="0"/>
-          <a:chOff x="0" y="0"/>
-          <a:chExt cx="0" cy="0"/>
-        </a:xfrm>
-      </p:grpSpPr>
-      <p:sp>
-        <p:nvSpPr>
-          <p:cNvPr id="2" name="Title 1"/>
-          <p:cNvSpPr>
-            <a:spLocks noGrp="1"/>
-          </p:cNvSpPr>
-          <p:nvPr>
-            <p:ph type="title"/>
-          </p:nvPr>
-        </p:nvSpPr>
-        <p:spPr/>
-        <p:txBody>
-          <a:bodyPr>
-            <a:normAutofit fontScale="90000"/>
-          </a:bodyPr>
-          <a:lstStyle/>
-          <a:p>
-            <a:r>
-              <a:rPr lang="en-US" sz="4000" dirty="0" smtClean="0"/>
-              <a:t>Experiments</a:t>
-            </a:r>
-            <a:br>
-              <a:rPr lang="en-US" sz="4000" dirty="0" smtClean="0"/>
-            </a:br>
-            <a:r>
-              <a:rPr lang="en-US" sz="4000" dirty="0" smtClean="0"/>
-              <a:t>Experiment 2</a:t>
-            </a:r>
-            <a:r>
-              <a:rPr lang="en-US" sz="4400" dirty="0"/>
-              <a:t>(Cont.)</a:t>
-            </a:r>
-            <a:endParaRPr lang="en-US" dirty="0"/>
-          </a:p>
-        </p:txBody>
-      </p:sp>
-      <p:sp>
-        <p:nvSpPr>
-          <p:cNvPr id="3" name="Content Placeholder 2"/>
-          <p:cNvSpPr>
-            <a:spLocks noGrp="1"/>
-          </p:cNvSpPr>
-          <p:nvPr>
-            <p:ph idx="1"/>
-          </p:nvPr>
-        </p:nvSpPr>
-        <p:spPr>
-          <a:xfrm>
-            <a:off x="1435608" y="1447800"/>
-            <a:ext cx="7498080" cy="4953000"/>
-          </a:xfrm>
-        </p:spPr>
-        <p:txBody>
-          <a:bodyPr>
-            <a:normAutofit/>
-          </a:bodyPr>
-          <a:lstStyle/>
-          <a:p>
-            <a:r>
-              <a:rPr lang="en-US" sz="2400" dirty="0"/>
-              <a:t>We notice that </a:t>
-            </a:r>
-            <a:r>
-              <a:rPr lang="en-US" sz="2400" dirty="0" smtClean="0"/>
-              <a:t>SVM_L1</a:t>
-            </a:r>
-            <a:r>
-              <a:rPr lang="en-US" sz="2400" dirty="0"/>
-              <a:t>, </a:t>
-            </a:r>
-            <a:r>
-              <a:rPr lang="en-US" sz="2400" dirty="0" err="1"/>
-              <a:t>Anova</a:t>
-            </a:r>
-            <a:r>
-              <a:rPr lang="en-US" sz="2400" dirty="0"/>
-              <a:t> and Chi2 feature selectors have </a:t>
-            </a:r>
-            <a:r>
-              <a:rPr lang="en-US" sz="2400" dirty="0" smtClean="0"/>
-              <a:t>inconsistent behavior </a:t>
-            </a:r>
-            <a:r>
-              <a:rPr lang="en-US" sz="2400" dirty="0"/>
-              <a:t>between the two experiments we think the reasons for this might be:</a:t>
-            </a:r>
-          </a:p>
-          <a:p>
-            <a:pPr lvl="1"/>
-            <a:r>
-              <a:rPr lang="en-US" sz="2400" dirty="0" smtClean="0"/>
-              <a:t>Those </a:t>
-            </a:r>
-            <a:r>
-              <a:rPr lang="en-US" sz="2400" dirty="0"/>
-              <a:t>feature selector may not be suitable for this experiment</a:t>
-            </a:r>
-          </a:p>
-          <a:p>
-            <a:pPr lvl="1"/>
-            <a:r>
-              <a:rPr lang="en-US" sz="2400" dirty="0" smtClean="0"/>
-              <a:t>Data </a:t>
-            </a:r>
-            <a:r>
-              <a:rPr lang="en-US" sz="2400" dirty="0"/>
-              <a:t>is noisy and not reviewed manually for example one review has </a:t>
-            </a:r>
-            <a:r>
-              <a:rPr lang="en-US" sz="2400" dirty="0" smtClean="0"/>
-              <a:t>English meaning “wonderful” </a:t>
-            </a:r>
-            <a:r>
-              <a:rPr lang="en-US" sz="2400" dirty="0"/>
-              <a:t>and the user rating is negative.</a:t>
-            </a:r>
-          </a:p>
-          <a:p>
-            <a:r>
-              <a:rPr lang="en-US" sz="2400" dirty="0"/>
-              <a:t>Due to this inconsistent behavior, we decided to not further pursue </a:t>
-            </a:r>
-            <a:r>
-              <a:rPr lang="en-US" sz="2400" dirty="0" smtClean="0"/>
-              <a:t>feature selection </a:t>
-            </a:r>
-            <a:r>
-              <a:rPr lang="en-US" sz="2400" dirty="0"/>
-              <a:t>for </a:t>
-            </a:r>
-            <a:r>
-              <a:rPr lang="en-US" sz="2400" dirty="0" smtClean="0"/>
-              <a:t>classifiers </a:t>
-            </a:r>
-            <a:r>
-              <a:rPr lang="en-US" sz="2400" dirty="0"/>
-              <a:t>that can readily handle all the available features.</a:t>
-            </a:r>
-          </a:p>
-        </p:txBody>
-      </p:sp>
-    </p:spTree>
-    <p:extLst>
-      <p:ext uri="{BB962C8B-B14F-4D97-AF65-F5344CB8AC3E}">
-        <p14:creationId xmlns:p14="http://schemas.microsoft.com/office/powerpoint/2010/main" val="1968295276"/>
-      </p:ext>
-    </p:extLst>
-  </p:cSld>
-  <p:clrMapOvr>
-    <a:masterClrMapping/>
-  </p:clrMapOvr>
-  <p:timing>
-    <p:tnLst>
-      <p:par>
-        <p:cTn id="1" dur="indefinite" restart="never" nodeType="tmRoot"/>
-      </p:par>
-    </p:tnLst>
-  </p:timing>
-</p:sld>
-</file>
-
-<file path=ppt/slides/slide26.xml><?xml version="1.0" encoding="utf-8"?>
-<p:sld xmlns:a="http://schemas.openxmlformats.org/drawingml/2006/main" xmlns:r="http://schemas.openxmlformats.org/officeDocument/2006/relationships" xmlns:p="http://schemas.openxmlformats.org/presentationml/2006/main">
-  <p:cSld>
-    <p:spTree>
-      <p:nvGrpSpPr>
-        <p:cNvPr id="1" name=""/>
-        <p:cNvGrpSpPr/>
-        <p:nvPr/>
-      </p:nvGrpSpPr>
-      <p:grpSpPr>
-        <a:xfrm>
-          <a:off x="0" y="0"/>
-          <a:ext cx="0" cy="0"/>
-          <a:chOff x="0" y="0"/>
-          <a:chExt cx="0" cy="0"/>
-        </a:xfrm>
-      </p:grpSpPr>
-      <p:sp>
-        <p:nvSpPr>
-          <p:cNvPr id="2" name="Title 1"/>
-          <p:cNvSpPr>
-            <a:spLocks noGrp="1"/>
-          </p:cNvSpPr>
-          <p:nvPr>
-            <p:ph type="title"/>
-          </p:nvPr>
-        </p:nvSpPr>
-        <p:spPr/>
-        <p:txBody>
-          <a:bodyPr>
-            <a:normAutofit fontScale="90000"/>
-          </a:bodyPr>
-          <a:lstStyle/>
-          <a:p>
-            <a:r>
-              <a:rPr lang="en-US" sz="4400" dirty="0"/>
-              <a:t>Experiments</a:t>
-            </a:r>
-            <a:br>
-              <a:rPr lang="en-US" sz="4400" dirty="0"/>
-            </a:br>
-            <a:r>
-              <a:rPr lang="en-US" sz="4400" dirty="0"/>
-              <a:t>Experiment </a:t>
-            </a:r>
-            <a:r>
-              <a:rPr lang="en-US" sz="4400" dirty="0" smtClean="0"/>
-              <a:t>3</a:t>
-            </a:r>
-            <a:endParaRPr lang="en-US" dirty="0"/>
-          </a:p>
-        </p:txBody>
-      </p:sp>
-      <p:sp>
-        <p:nvSpPr>
-          <p:cNvPr id="3" name="Content Placeholder 2"/>
-          <p:cNvSpPr>
-            <a:spLocks noGrp="1"/>
-          </p:cNvSpPr>
-          <p:nvPr>
-            <p:ph idx="1"/>
-          </p:nvPr>
-        </p:nvSpPr>
-        <p:spPr/>
-        <p:txBody>
-          <a:bodyPr>
-            <a:normAutofit/>
-          </a:bodyPr>
-          <a:lstStyle/>
-          <a:p>
-            <a:r>
-              <a:rPr lang="en-US" sz="2400" dirty="0"/>
-              <a:t>Sophisticated classifiers in the area of machine learning were applied to this task after applying feature selection to the top 100,1000 and 3000 best features.</a:t>
-            </a:r>
-          </a:p>
-          <a:p>
-            <a:endParaRPr lang="en-US" sz="2400" dirty="0"/>
-          </a:p>
-          <a:p>
-            <a:r>
-              <a:rPr lang="en-US" sz="2400" dirty="0"/>
-              <a:t>The reason for applying feature selection on these </a:t>
-            </a:r>
-            <a:r>
-              <a:rPr lang="en-US" sz="2400" dirty="0" smtClean="0"/>
-              <a:t>classifiers. </a:t>
-            </a:r>
-          </a:p>
-          <a:p>
-            <a:pPr lvl="1"/>
-            <a:r>
-              <a:rPr lang="en-US" sz="2400" dirty="0"/>
-              <a:t>They do not naturally perform feature selection, e.g. like what SVM does. </a:t>
-            </a:r>
-          </a:p>
-          <a:p>
-            <a:pPr lvl="1"/>
-            <a:r>
-              <a:rPr lang="en-US" sz="2400" dirty="0"/>
-              <a:t>These algorithms generally consume a lot of resources in terms of memory and run </a:t>
-            </a:r>
-            <a:r>
-              <a:rPr lang="en-US" sz="2400" dirty="0" smtClean="0"/>
-              <a:t>time.</a:t>
-            </a:r>
-            <a:endParaRPr lang="en-US" sz="2400" dirty="0"/>
-          </a:p>
-        </p:txBody>
-      </p:sp>
-    </p:spTree>
-    <p:extLst>
-      <p:ext uri="{BB962C8B-B14F-4D97-AF65-F5344CB8AC3E}">
-        <p14:creationId xmlns:p14="http://schemas.microsoft.com/office/powerpoint/2010/main" val="3579823336"/>
       </p:ext>
     </p:extLst>
   </p:cSld>
@@ -8685,6 +10185,436 @@
       </p:grpSpPr>
       <p:sp>
         <p:nvSpPr>
+          <p:cNvPr id="3" name="Content Placeholder 2"/>
+          <p:cNvSpPr>
+            <a:spLocks noGrp="1"/>
+          </p:cNvSpPr>
+          <p:nvPr>
+            <p:ph idx="1"/>
+          </p:nvPr>
+        </p:nvSpPr>
+        <p:spPr>
+          <a:xfrm>
+            <a:off x="1435608" y="1447800"/>
+            <a:ext cx="7498080" cy="4953000"/>
+          </a:xfrm>
+        </p:spPr>
+        <p:txBody>
+          <a:bodyPr>
+            <a:normAutofit fontScale="92500" lnSpcReduction="10000"/>
+          </a:bodyPr>
+          <a:lstStyle/>
+          <a:p>
+            <a:r>
+              <a:rPr lang="en-US" sz="2400" dirty="0"/>
+              <a:t>We notice that </a:t>
+            </a:r>
+            <a:r>
+              <a:rPr lang="en-US" sz="2400" dirty="0" smtClean="0"/>
+              <a:t>SVM_L1</a:t>
+            </a:r>
+            <a:r>
+              <a:rPr lang="en-US" sz="2400" dirty="0"/>
+              <a:t>, </a:t>
+            </a:r>
+            <a:r>
+              <a:rPr lang="en-US" sz="2400" dirty="0" err="1"/>
+              <a:t>Anova</a:t>
+            </a:r>
+            <a:r>
+              <a:rPr lang="en-US" sz="2400" dirty="0"/>
+              <a:t> and Chi2 feature selectors have </a:t>
+            </a:r>
+            <a:r>
+              <a:rPr lang="en-US" sz="2400" dirty="0" smtClean="0"/>
+              <a:t>inconsistent behavior </a:t>
+            </a:r>
+            <a:r>
+              <a:rPr lang="en-US" sz="2400" dirty="0"/>
+              <a:t>between the two experiments we think the reasons for this might be:</a:t>
+            </a:r>
+          </a:p>
+          <a:p>
+            <a:pPr lvl="1"/>
+            <a:r>
+              <a:rPr lang="en-US" sz="2400" dirty="0" smtClean="0"/>
+              <a:t>Those </a:t>
+            </a:r>
+            <a:r>
+              <a:rPr lang="en-US" sz="2400" dirty="0"/>
+              <a:t>feature selector may not be suitable for this experiment</a:t>
+            </a:r>
+          </a:p>
+          <a:p>
+            <a:pPr lvl="1"/>
+            <a:r>
+              <a:rPr lang="en-US" sz="2400" dirty="0" smtClean="0"/>
+              <a:t>Data </a:t>
+            </a:r>
+            <a:r>
+              <a:rPr lang="en-US" sz="2400" dirty="0"/>
+              <a:t>is noisy and not reviewed </a:t>
+            </a:r>
+            <a:r>
+              <a:rPr lang="en-US" sz="2400" dirty="0" smtClean="0"/>
+              <a:t>manually.</a:t>
+            </a:r>
+            <a:endParaRPr lang="ar-EG" sz="2400" dirty="0" smtClean="0"/>
+          </a:p>
+          <a:p>
+            <a:pPr lvl="1"/>
+            <a:endParaRPr lang="en-US" sz="2400" dirty="0" smtClean="0"/>
+          </a:p>
+          <a:p>
+            <a:pPr lvl="1"/>
+            <a:endParaRPr lang="en-US" sz="2400" dirty="0" smtClean="0"/>
+          </a:p>
+          <a:p>
+            <a:pPr lvl="1"/>
+            <a:endParaRPr lang="ar-EG" sz="2400" dirty="0" smtClean="0"/>
+          </a:p>
+          <a:p>
+            <a:pPr lvl="1"/>
+            <a:endParaRPr lang="en-US" sz="2400" dirty="0"/>
+          </a:p>
+          <a:p>
+            <a:r>
+              <a:rPr lang="en-US" sz="2400" dirty="0"/>
+              <a:t>Due </a:t>
+            </a:r>
+            <a:r>
+              <a:rPr lang="en-US" sz="2400" dirty="0"/>
+              <a:t>to this inconsistent behavior, we decided to not further pursue </a:t>
+            </a:r>
+            <a:r>
+              <a:rPr lang="en-US" sz="2400" dirty="0"/>
+              <a:t>feature selection </a:t>
+            </a:r>
+            <a:r>
+              <a:rPr lang="en-US" sz="2400" dirty="0"/>
+              <a:t>for </a:t>
+            </a:r>
+            <a:r>
+              <a:rPr lang="en-US" sz="2400" dirty="0"/>
+              <a:t>classifiers </a:t>
+            </a:r>
+            <a:r>
+              <a:rPr lang="en-US" sz="2400" dirty="0"/>
+              <a:t>that can readily handle all the available features</a:t>
+            </a:r>
+            <a:r>
+              <a:rPr lang="en-US" dirty="0"/>
+              <a:t>.</a:t>
+            </a:r>
+          </a:p>
+        </p:txBody>
+      </p:sp>
+      <p:sp>
+        <p:nvSpPr>
+          <p:cNvPr id="2" name="Title 1"/>
+          <p:cNvSpPr>
+            <a:spLocks noGrp="1"/>
+          </p:cNvSpPr>
+          <p:nvPr>
+            <p:ph type="title"/>
+          </p:nvPr>
+        </p:nvSpPr>
+        <p:spPr/>
+        <p:txBody>
+          <a:bodyPr>
+            <a:normAutofit fontScale="90000"/>
+          </a:bodyPr>
+          <a:lstStyle/>
+          <a:p>
+            <a:r>
+              <a:rPr lang="en-US" sz="4000" dirty="0" smtClean="0"/>
+              <a:t>Experiments</a:t>
+            </a:r>
+            <a:br>
+              <a:rPr lang="en-US" sz="4000" dirty="0" smtClean="0"/>
+            </a:br>
+            <a:r>
+              <a:rPr lang="en-US" sz="4000" dirty="0" smtClean="0"/>
+              <a:t>Experiment 2</a:t>
+            </a:r>
+            <a:r>
+              <a:rPr lang="en-US" sz="4400" dirty="0"/>
+              <a:t>(Cont.)</a:t>
+            </a:r>
+            <a:endParaRPr lang="en-US" dirty="0"/>
+          </a:p>
+        </p:txBody>
+      </p:sp>
+      <p:sp>
+        <p:nvSpPr>
+          <p:cNvPr id="4" name="Slide Number Placeholder 3"/>
+          <p:cNvSpPr>
+            <a:spLocks noGrp="1"/>
+          </p:cNvSpPr>
+          <p:nvPr>
+            <p:ph type="sldNum" sz="quarter" idx="12"/>
+          </p:nvPr>
+        </p:nvSpPr>
+        <p:spPr/>
+        <p:txBody>
+          <a:bodyPr/>
+          <a:lstStyle/>
+          <a:p>
+            <a:fld id="{B6F15528-21DE-4FAA-801E-634DDDAF4B2B}" type="slidenum">
+              <a:rPr lang="en-US" smtClean="0"/>
+              <a:pPr/>
+              <a:t>27</a:t>
+            </a:fld>
+            <a:endParaRPr lang="en-US"/>
+          </a:p>
+        </p:txBody>
+      </p:sp>
+      <p:pic>
+        <p:nvPicPr>
+          <p:cNvPr id="2050" name="Picture 2"/>
+          <p:cNvPicPr>
+            <a:picLocks noChangeAspect="1" noChangeArrowheads="1"/>
+          </p:cNvPicPr>
+          <p:nvPr/>
+        </p:nvPicPr>
+        <p:blipFill>
+          <a:blip r:embed="rId3">
+            <a:extLst>
+              <a:ext uri="{28A0092B-C50C-407E-A947-70E740481C1C}">
+                <a14:useLocalDpi xmlns:a14="http://schemas.microsoft.com/office/drawing/2010/main" val="0"/>
+              </a:ext>
+            </a:extLst>
+          </a:blip>
+          <a:srcRect/>
+          <a:stretch>
+            <a:fillRect/>
+          </a:stretch>
+        </p:blipFill>
+        <p:spPr bwMode="auto">
+          <a:xfrm>
+            <a:off x="2362200" y="3581400"/>
+            <a:ext cx="5943600" cy="1237791"/>
+          </a:xfrm>
+          <a:prstGeom prst="rect">
+            <a:avLst/>
+          </a:prstGeom>
+          <a:noFill/>
+          <a:ln>
+            <a:noFill/>
+          </a:ln>
+          <a:extLst>
+            <a:ext uri="{909E8E84-426E-40DD-AFC4-6F175D3DCCD1}">
+              <a14:hiddenFill xmlns:a14="http://schemas.microsoft.com/office/drawing/2010/main">
+                <a:solidFill>
+                  <a:schemeClr val="accent1"/>
+                </a:solidFill>
+              </a14:hiddenFill>
+            </a:ext>
+            <a:ext uri="{91240B29-F687-4F45-9708-019B960494DF}">
+              <a14:hiddenLine xmlns:a14="http://schemas.microsoft.com/office/drawing/2010/main" w="9525">
+                <a:solidFill>
+                  <a:schemeClr val="tx1"/>
+                </a:solidFill>
+                <a:miter lim="800000"/>
+                <a:headEnd/>
+                <a:tailEnd/>
+              </a14:hiddenLine>
+            </a:ext>
+          </a:extLst>
+        </p:spPr>
+      </p:pic>
+    </p:spTree>
+    <p:extLst>
+      <p:ext uri="{BB962C8B-B14F-4D97-AF65-F5344CB8AC3E}">
+        <p14:creationId xmlns:p14="http://schemas.microsoft.com/office/powerpoint/2010/main" val="1968295276"/>
+      </p:ext>
+    </p:extLst>
+  </p:cSld>
+  <p:clrMapOvr>
+    <a:masterClrMapping/>
+  </p:clrMapOvr>
+  <p:timing>
+    <p:tnLst>
+      <p:par>
+        <p:cTn id="1" dur="indefinite" restart="never" nodeType="tmRoot"/>
+      </p:par>
+    </p:tnLst>
+  </p:timing>
+</p:sld>
+</file>
+
+<file path=ppt/slides/slide28.xml><?xml version="1.0" encoding="utf-8"?>
+<p:sld xmlns:a="http://schemas.openxmlformats.org/drawingml/2006/main" xmlns:r="http://schemas.openxmlformats.org/officeDocument/2006/relationships" xmlns:p="http://schemas.openxmlformats.org/presentationml/2006/main">
+  <p:cSld>
+    <p:spTree>
+      <p:nvGrpSpPr>
+        <p:cNvPr id="1" name=""/>
+        <p:cNvGrpSpPr/>
+        <p:nvPr/>
+      </p:nvGrpSpPr>
+      <p:grpSpPr>
+        <a:xfrm>
+          <a:off x="0" y="0"/>
+          <a:ext cx="0" cy="0"/>
+          <a:chOff x="0" y="0"/>
+          <a:chExt cx="0" cy="0"/>
+        </a:xfrm>
+      </p:grpSpPr>
+      <p:sp>
+        <p:nvSpPr>
+          <p:cNvPr id="2" name="Title 1"/>
+          <p:cNvSpPr>
+            <a:spLocks noGrp="1"/>
+          </p:cNvSpPr>
+          <p:nvPr>
+            <p:ph type="title"/>
+          </p:nvPr>
+        </p:nvSpPr>
+        <p:spPr/>
+        <p:txBody>
+          <a:bodyPr>
+            <a:normAutofit fontScale="90000"/>
+          </a:bodyPr>
+          <a:lstStyle/>
+          <a:p>
+            <a:r>
+              <a:rPr lang="en-US" sz="4400" dirty="0"/>
+              <a:t>Experiments</a:t>
+            </a:r>
+            <a:br>
+              <a:rPr lang="en-US" sz="4400" dirty="0"/>
+            </a:br>
+            <a:r>
+              <a:rPr lang="en-US" sz="4400" dirty="0"/>
+              <a:t>Experiment </a:t>
+            </a:r>
+            <a:r>
+              <a:rPr lang="en-US" sz="4400" dirty="0" smtClean="0"/>
+              <a:t>3</a:t>
+            </a:r>
+            <a:endParaRPr lang="en-US" dirty="0"/>
+          </a:p>
+        </p:txBody>
+      </p:sp>
+      <p:sp>
+        <p:nvSpPr>
+          <p:cNvPr id="3" name="Content Placeholder 2"/>
+          <p:cNvSpPr>
+            <a:spLocks noGrp="1"/>
+          </p:cNvSpPr>
+          <p:nvPr>
+            <p:ph idx="1"/>
+          </p:nvPr>
+        </p:nvSpPr>
+        <p:spPr/>
+        <p:txBody>
+          <a:bodyPr>
+            <a:normAutofit/>
+          </a:bodyPr>
+          <a:lstStyle/>
+          <a:p>
+            <a:r>
+              <a:rPr lang="en-US" sz="2400" dirty="0"/>
+              <a:t>Sophisticated classifiers in the area of machine learning were applied to this task after applying feature selection to the top 100,1000 and 3000 best features.</a:t>
+            </a:r>
+          </a:p>
+          <a:p>
+            <a:endParaRPr lang="en-US" sz="2400" dirty="0"/>
+          </a:p>
+          <a:p>
+            <a:r>
+              <a:rPr lang="en-US" sz="2400" dirty="0"/>
+              <a:t>The reason for applying feature selection on these </a:t>
+            </a:r>
+            <a:r>
+              <a:rPr lang="en-US" sz="2400" dirty="0" smtClean="0"/>
+              <a:t>classifiers. </a:t>
+            </a:r>
+          </a:p>
+          <a:p>
+            <a:pPr lvl="1"/>
+            <a:r>
+              <a:rPr lang="en-US" sz="2400" dirty="0"/>
+              <a:t>They do not naturally perform feature selection, e.g. like what SVM does. </a:t>
+            </a:r>
+          </a:p>
+          <a:p>
+            <a:pPr lvl="1"/>
+            <a:r>
+              <a:rPr lang="en-US" sz="2400" dirty="0"/>
+              <a:t>These algorithms generally consume a lot of resources in terms of memory and run </a:t>
+            </a:r>
+            <a:r>
+              <a:rPr lang="en-US" sz="2400" dirty="0" smtClean="0"/>
+              <a:t>time.</a:t>
+            </a:r>
+            <a:endParaRPr lang="en-US" sz="2400" dirty="0"/>
+          </a:p>
+        </p:txBody>
+      </p:sp>
+      <p:sp>
+        <p:nvSpPr>
+          <p:cNvPr id="4" name="Slide Number Placeholder 3"/>
+          <p:cNvSpPr>
+            <a:spLocks noGrp="1"/>
+          </p:cNvSpPr>
+          <p:nvPr>
+            <p:ph type="sldNum" sz="quarter" idx="12"/>
+          </p:nvPr>
+        </p:nvSpPr>
+        <p:spPr/>
+        <p:txBody>
+          <a:bodyPr/>
+          <a:lstStyle/>
+          <a:p>
+            <a:fld id="{B6F15528-21DE-4FAA-801E-634DDDAF4B2B}" type="slidenum">
+              <a:rPr lang="en-US" smtClean="0"/>
+              <a:pPr/>
+              <a:t>28</a:t>
+            </a:fld>
+            <a:endParaRPr lang="en-US"/>
+          </a:p>
+        </p:txBody>
+      </p:sp>
+    </p:spTree>
+    <p:extLst>
+      <p:ext uri="{BB962C8B-B14F-4D97-AF65-F5344CB8AC3E}">
+        <p14:creationId xmlns:p14="http://schemas.microsoft.com/office/powerpoint/2010/main" val="3579823336"/>
+      </p:ext>
+    </p:extLst>
+  </p:cSld>
+  <p:clrMapOvr>
+    <a:masterClrMapping/>
+  </p:clrMapOvr>
+  <p:timing>
+    <p:tnLst>
+      <p:par>
+        <p:cTn id="1" dur="indefinite" restart="never" nodeType="tmRoot"/>
+      </p:par>
+    </p:tnLst>
+  </p:timing>
+</p:sld>
+</file>
+
+<file path=ppt/slides/slide29.xml><?xml version="1.0" encoding="utf-8"?>
+<p:sld xmlns:a="http://schemas.openxmlformats.org/drawingml/2006/main" xmlns:r="http://schemas.openxmlformats.org/officeDocument/2006/relationships" xmlns:p="http://schemas.openxmlformats.org/presentationml/2006/main">
+  <p:cSld>
+    <p:spTree>
+      <p:nvGrpSpPr>
+        <p:cNvPr id="1" name=""/>
+        <p:cNvGrpSpPr/>
+        <p:nvPr/>
+      </p:nvGrpSpPr>
+      <p:grpSpPr>
+        <a:xfrm>
+          <a:off x="0" y="0"/>
+          <a:ext cx="0" cy="0"/>
+          <a:chOff x="0" y="0"/>
+          <a:chExt cx="0" cy="0"/>
+        </a:xfrm>
+      </p:grpSpPr>
+      <p:sp>
+        <p:nvSpPr>
           <p:cNvPr id="2" name="Title 1"/>
           <p:cNvSpPr>
             <a:spLocks noGrp="1"/>
@@ -8756,7 +10686,7 @@
           <p:nvPr/>
         </p:nvPicPr>
         <p:blipFill>
-          <a:blip r:embed="rId2">
+          <a:blip r:embed="rId3">
             <a:extLst>
               <a:ext uri="{28A0092B-C50C-407E-A947-70E740481C1C}">
                 <a14:useLocalDpi xmlns:a14="http://schemas.microsoft.com/office/drawing/2010/main" val="0"/>
@@ -8824,7 +10754,15 @@
           <a:p>
             <a:r>
               <a:rPr lang="en-US" b="1" dirty="0"/>
-              <a:t>The numbers represent weighted accuracy / F1 measure where the</a:t>
+              <a:t>The numbers represent </a:t>
+            </a:r>
+            <a:r>
+              <a:rPr lang="en-US" b="1" dirty="0" smtClean="0"/>
+              <a:t>total accuracy </a:t>
+            </a:r>
+            <a:r>
+              <a:rPr lang="en-US" b="1" dirty="0"/>
+              <a:t>/ F1 measure where the</a:t>
             </a:r>
           </a:p>
           <a:p>
@@ -8875,310 +10813,34 @@
           </a:p>
         </p:txBody>
       </p:sp>
+      <p:sp>
+        <p:nvSpPr>
+          <p:cNvPr id="6" name="Slide Number Placeholder 5"/>
+          <p:cNvSpPr>
+            <a:spLocks noGrp="1"/>
+          </p:cNvSpPr>
+          <p:nvPr>
+            <p:ph type="sldNum" sz="quarter" idx="12"/>
+          </p:nvPr>
+        </p:nvSpPr>
+        <p:spPr/>
+        <p:txBody>
+          <a:bodyPr/>
+          <a:lstStyle/>
+          <a:p>
+            <a:fld id="{B6F15528-21DE-4FAA-801E-634DDDAF4B2B}" type="slidenum">
+              <a:rPr lang="en-US" smtClean="0"/>
+              <a:pPr/>
+              <a:t>29</a:t>
+            </a:fld>
+            <a:endParaRPr lang="en-US"/>
+          </a:p>
+        </p:txBody>
+      </p:sp>
     </p:spTree>
     <p:extLst>
       <p:ext uri="{BB962C8B-B14F-4D97-AF65-F5344CB8AC3E}">
         <p14:creationId xmlns:p14="http://schemas.microsoft.com/office/powerpoint/2010/main" val="2027372608"/>
-      </p:ext>
-    </p:extLst>
-  </p:cSld>
-  <p:clrMapOvr>
-    <a:masterClrMapping/>
-  </p:clrMapOvr>
-  <p:timing>
-    <p:tnLst>
-      <p:par>
-        <p:cTn id="1" dur="indefinite" restart="never" nodeType="tmRoot"/>
-      </p:par>
-    </p:tnLst>
-  </p:timing>
-</p:sld>
-</file>
-
-<file path=ppt/slides/slide28.xml><?xml version="1.0" encoding="utf-8"?>
-<p:sld xmlns:a="http://schemas.openxmlformats.org/drawingml/2006/main" xmlns:r="http://schemas.openxmlformats.org/officeDocument/2006/relationships" xmlns:p="http://schemas.openxmlformats.org/presentationml/2006/main">
-  <p:cSld>
-    <p:spTree>
-      <p:nvGrpSpPr>
-        <p:cNvPr id="1" name=""/>
-        <p:cNvGrpSpPr/>
-        <p:nvPr/>
-      </p:nvGrpSpPr>
-      <p:grpSpPr>
-        <a:xfrm>
-          <a:off x="0" y="0"/>
-          <a:ext cx="0" cy="0"/>
-          <a:chOff x="0" y="0"/>
-          <a:chExt cx="0" cy="0"/>
-        </a:xfrm>
-      </p:grpSpPr>
-      <p:sp>
-        <p:nvSpPr>
-          <p:cNvPr id="2" name="Title 1"/>
-          <p:cNvSpPr>
-            <a:spLocks noGrp="1"/>
-          </p:cNvSpPr>
-          <p:nvPr>
-            <p:ph type="title"/>
-          </p:nvPr>
-        </p:nvSpPr>
-        <p:spPr>
-          <a:xfrm>
-            <a:off x="1219200" y="152400"/>
-            <a:ext cx="7498080" cy="1143000"/>
-          </a:xfrm>
-        </p:spPr>
-        <p:txBody>
-          <a:bodyPr>
-            <a:normAutofit/>
-          </a:bodyPr>
-          <a:lstStyle/>
-          <a:p>
-            <a:r>
-              <a:rPr lang="en-US" sz="3200" dirty="0"/>
-              <a:t>Experiments</a:t>
-            </a:r>
-            <a:br>
-              <a:rPr lang="en-US" sz="3200" dirty="0"/>
-            </a:br>
-            <a:r>
-              <a:rPr lang="en-US" sz="3200" dirty="0"/>
-              <a:t>Experiment </a:t>
-            </a:r>
-            <a:r>
-              <a:rPr lang="en-US" sz="3200" dirty="0" smtClean="0"/>
-              <a:t>3</a:t>
-            </a:r>
-            <a:r>
-              <a:rPr lang="en-US" sz="3200" dirty="0"/>
-              <a:t>(Cont.)</a:t>
-            </a:r>
-          </a:p>
-        </p:txBody>
-      </p:sp>
-      <p:sp>
-        <p:nvSpPr>
-          <p:cNvPr id="3" name="Content Placeholder 2"/>
-          <p:cNvSpPr>
-            <a:spLocks noGrp="1"/>
-          </p:cNvSpPr>
-          <p:nvPr>
-            <p:ph idx="1"/>
-          </p:nvPr>
-        </p:nvSpPr>
-        <p:spPr/>
-        <p:txBody>
-          <a:bodyPr>
-            <a:normAutofit/>
-          </a:bodyPr>
-          <a:lstStyle/>
-          <a:p>
-            <a:r>
-              <a:rPr lang="en-US" sz="2800" dirty="0"/>
-              <a:t>The results show that with using less than 0.1% of the features (3000 </a:t>
-            </a:r>
-            <a:r>
-              <a:rPr lang="en-US" sz="2800" dirty="0" smtClean="0"/>
-              <a:t>features) we </a:t>
-            </a:r>
-            <a:r>
-              <a:rPr lang="en-US" sz="2800" dirty="0"/>
-              <a:t>get an F1 measure of around 60%, which is close to the 70% achieved </a:t>
-            </a:r>
-            <a:r>
-              <a:rPr lang="en-US" sz="2800" dirty="0" smtClean="0"/>
-              <a:t>using all </a:t>
-            </a:r>
-            <a:r>
-              <a:rPr lang="en-US" sz="2800" dirty="0"/>
-              <a:t>the features (over 3.7 million). </a:t>
-            </a:r>
-            <a:endParaRPr lang="en-US" sz="2800" dirty="0" smtClean="0"/>
-          </a:p>
-          <a:p>
-            <a:r>
-              <a:rPr lang="en-US" sz="2800" dirty="0" smtClean="0"/>
-              <a:t>This </a:t>
-            </a:r>
-            <a:r>
-              <a:rPr lang="en-US" sz="2800" dirty="0"/>
-              <a:t>is an interesting observation, and </a:t>
-            </a:r>
-            <a:r>
-              <a:rPr lang="en-US" sz="2800" dirty="0" smtClean="0"/>
-              <a:t>we plan </a:t>
-            </a:r>
-            <a:r>
-              <a:rPr lang="en-US" sz="2800" dirty="0"/>
-              <a:t>to investigate this further in the next phase, in addition to </a:t>
-            </a:r>
-            <a:r>
-              <a:rPr lang="en-US" sz="2800" dirty="0" smtClean="0"/>
-              <a:t>investigating using </a:t>
-            </a:r>
-            <a:r>
-              <a:rPr lang="en-US" sz="2800" dirty="0"/>
-              <a:t>dimensionality reduction techniques  </a:t>
-            </a:r>
-            <a:r>
-              <a:rPr lang="en-US" sz="2800" dirty="0" smtClean="0"/>
-              <a:t>e.g</a:t>
-            </a:r>
-            <a:r>
-              <a:rPr lang="en-US" sz="2800" dirty="0"/>
-              <a:t>. Principal Component Analysis.</a:t>
-            </a:r>
-          </a:p>
-        </p:txBody>
-      </p:sp>
-    </p:spTree>
-    <p:extLst>
-      <p:ext uri="{BB962C8B-B14F-4D97-AF65-F5344CB8AC3E}">
-        <p14:creationId xmlns:p14="http://schemas.microsoft.com/office/powerpoint/2010/main" val="2595797296"/>
-      </p:ext>
-    </p:extLst>
-  </p:cSld>
-  <p:clrMapOvr>
-    <a:masterClrMapping/>
-  </p:clrMapOvr>
-  <p:timing>
-    <p:tnLst>
-      <p:par>
-        <p:cTn id="1" dur="indefinite" restart="never" nodeType="tmRoot"/>
-      </p:par>
-    </p:tnLst>
-  </p:timing>
-</p:sld>
-</file>
-
-<file path=ppt/slides/slide29.xml><?xml version="1.0" encoding="utf-8"?>
-<p:sld xmlns:a="http://schemas.openxmlformats.org/drawingml/2006/main" xmlns:r="http://schemas.openxmlformats.org/officeDocument/2006/relationships" xmlns:p="http://schemas.openxmlformats.org/presentationml/2006/main">
-  <p:cSld>
-    <p:spTree>
-      <p:nvGrpSpPr>
-        <p:cNvPr id="1" name=""/>
-        <p:cNvGrpSpPr/>
-        <p:nvPr/>
-      </p:nvGrpSpPr>
-      <p:grpSpPr>
-        <a:xfrm>
-          <a:off x="0" y="0"/>
-          <a:ext cx="0" cy="0"/>
-          <a:chOff x="0" y="0"/>
-          <a:chExt cx="0" cy="0"/>
-        </a:xfrm>
-      </p:grpSpPr>
-      <p:sp>
-        <p:nvSpPr>
-          <p:cNvPr id="2" name="Title 1"/>
-          <p:cNvSpPr>
-            <a:spLocks noGrp="1"/>
-          </p:cNvSpPr>
-          <p:nvPr>
-            <p:ph type="title"/>
-          </p:nvPr>
-        </p:nvSpPr>
-        <p:spPr/>
-        <p:txBody>
-          <a:bodyPr/>
-          <a:lstStyle/>
-          <a:p>
-            <a:r>
-              <a:rPr lang="en-US" dirty="0"/>
-              <a:t>Twitter Data </a:t>
-            </a:r>
-            <a:r>
-              <a:rPr lang="en-US" dirty="0" smtClean="0"/>
-              <a:t>set</a:t>
-            </a:r>
-            <a:endParaRPr lang="en-US" dirty="0"/>
-          </a:p>
-        </p:txBody>
-      </p:sp>
-      <p:sp>
-        <p:nvSpPr>
-          <p:cNvPr id="3" name="Content Placeholder 2"/>
-          <p:cNvSpPr>
-            <a:spLocks noGrp="1"/>
-          </p:cNvSpPr>
-          <p:nvPr>
-            <p:ph idx="1"/>
-          </p:nvPr>
-        </p:nvSpPr>
-        <p:spPr/>
-        <p:txBody>
-          <a:bodyPr>
-            <a:normAutofit lnSpcReduction="10000"/>
-          </a:bodyPr>
-          <a:lstStyle/>
-          <a:p>
-            <a:r>
-              <a:rPr lang="en-US" sz="2800" dirty="0"/>
-              <a:t>We have collected over 84,000 Arabic </a:t>
-            </a:r>
-            <a:r>
-              <a:rPr lang="en-US" sz="2800" dirty="0" smtClean="0"/>
-              <a:t>tweets on two stages.</a:t>
-            </a:r>
-          </a:p>
-          <a:p>
-            <a:pPr lvl="1"/>
-            <a:r>
-              <a:rPr lang="en-US" dirty="0" smtClean="0"/>
-              <a:t>Crawling the most active </a:t>
-            </a:r>
-            <a:r>
-              <a:rPr lang="en-US" dirty="0"/>
-              <a:t>Egyptian Twitter </a:t>
-            </a:r>
-            <a:r>
-              <a:rPr lang="en-US" dirty="0" smtClean="0"/>
-              <a:t>accounts.</a:t>
-            </a:r>
-          </a:p>
-          <a:p>
-            <a:pPr lvl="1"/>
-            <a:r>
-              <a:rPr lang="en-US" dirty="0" smtClean="0"/>
-              <a:t>Using some of the most trending hashtags in Egypt.</a:t>
-            </a:r>
-          </a:p>
-          <a:p>
-            <a:pPr lvl="1"/>
-            <a:endParaRPr lang="en-US" dirty="0"/>
-          </a:p>
-          <a:p>
-            <a:r>
-              <a:rPr lang="en-US" sz="2800" dirty="0" smtClean="0"/>
-              <a:t>After filtering </a:t>
-            </a:r>
-            <a:r>
-              <a:rPr lang="en-US" sz="2800" dirty="0"/>
-              <a:t>out the non-Arabic tweets, and performing </a:t>
-            </a:r>
-            <a:r>
-              <a:rPr lang="en-US" sz="2800" dirty="0" smtClean="0"/>
-              <a:t>some pre-processing </a:t>
-            </a:r>
-            <a:r>
-              <a:rPr lang="en-US" sz="2800" dirty="0"/>
-              <a:t>steps to clean up unwanted content like HTML, we ended </a:t>
-            </a:r>
-            <a:r>
-              <a:rPr lang="en-US" sz="2800" dirty="0" smtClean="0"/>
-              <a:t>up with </a:t>
-            </a:r>
-            <a:r>
-              <a:rPr lang="en-US" sz="2800" dirty="0"/>
-              <a:t>54,716 Arabic tweets.</a:t>
-            </a:r>
-          </a:p>
-        </p:txBody>
-      </p:sp>
-    </p:spTree>
-    <p:extLst>
-      <p:ext uri="{BB962C8B-B14F-4D97-AF65-F5344CB8AC3E}">
-        <p14:creationId xmlns:p14="http://schemas.microsoft.com/office/powerpoint/2010/main" val="1256401096"/>
       </p:ext>
     </p:extLst>
   </p:cSld>
@@ -9318,6 +10980,30 @@
           </a:p>
         </p:txBody>
       </p:sp>
+      <p:sp>
+        <p:nvSpPr>
+          <p:cNvPr id="4" name="Slide Number Placeholder 3"/>
+          <p:cNvSpPr>
+            <a:spLocks noGrp="1"/>
+          </p:cNvSpPr>
+          <p:nvPr>
+            <p:ph type="sldNum" sz="quarter" idx="12"/>
+          </p:nvPr>
+        </p:nvSpPr>
+        <p:spPr/>
+        <p:txBody>
+          <a:bodyPr/>
+          <a:lstStyle/>
+          <a:p>
+            <a:fld id="{B6F15528-21DE-4FAA-801E-634DDDAF4B2B}" type="slidenum">
+              <a:rPr lang="en-US" smtClean="0"/>
+              <a:pPr/>
+              <a:t>3</a:t>
+            </a:fld>
+            <a:endParaRPr lang="en-US"/>
+          </a:p>
+        </p:txBody>
+      </p:sp>
     </p:spTree>
     <p:extLst>
       <p:ext uri="{BB962C8B-B14F-4D97-AF65-F5344CB8AC3E}">
@@ -9339,6 +11025,371 @@
 </file>
 
 <file path=ppt/slides/slide30.xml><?xml version="1.0" encoding="utf-8"?>
+<p:sld xmlns:a="http://schemas.openxmlformats.org/drawingml/2006/main" xmlns:r="http://schemas.openxmlformats.org/officeDocument/2006/relationships" xmlns:p="http://schemas.openxmlformats.org/presentationml/2006/main">
+  <p:cSld>
+    <p:spTree>
+      <p:nvGrpSpPr>
+        <p:cNvPr id="1" name=""/>
+        <p:cNvGrpSpPr/>
+        <p:nvPr/>
+      </p:nvGrpSpPr>
+      <p:grpSpPr>
+        <a:xfrm>
+          <a:off x="0" y="0"/>
+          <a:ext cx="0" cy="0"/>
+          <a:chOff x="0" y="0"/>
+          <a:chExt cx="0" cy="0"/>
+        </a:xfrm>
+      </p:grpSpPr>
+      <p:sp>
+        <p:nvSpPr>
+          <p:cNvPr id="2" name="Title 1"/>
+          <p:cNvSpPr>
+            <a:spLocks noGrp="1"/>
+          </p:cNvSpPr>
+          <p:nvPr>
+            <p:ph type="title"/>
+          </p:nvPr>
+        </p:nvSpPr>
+        <p:spPr>
+          <a:xfrm>
+            <a:off x="1219200" y="152400"/>
+            <a:ext cx="7498080" cy="1143000"/>
+          </a:xfrm>
+        </p:spPr>
+        <p:txBody>
+          <a:bodyPr>
+            <a:normAutofit/>
+          </a:bodyPr>
+          <a:lstStyle/>
+          <a:p>
+            <a:r>
+              <a:rPr lang="en-US" sz="3200" dirty="0"/>
+              <a:t>Experiments</a:t>
+            </a:r>
+            <a:br>
+              <a:rPr lang="en-US" sz="3200" dirty="0"/>
+            </a:br>
+            <a:r>
+              <a:rPr lang="en-US" sz="3200" dirty="0"/>
+              <a:t>Experiment </a:t>
+            </a:r>
+            <a:r>
+              <a:rPr lang="en-US" sz="3200" dirty="0" smtClean="0"/>
+              <a:t>3</a:t>
+            </a:r>
+            <a:r>
+              <a:rPr lang="en-US" sz="3200" dirty="0"/>
+              <a:t>(Cont.)</a:t>
+            </a:r>
+          </a:p>
+        </p:txBody>
+      </p:sp>
+      <p:sp>
+        <p:nvSpPr>
+          <p:cNvPr id="3" name="Content Placeholder 2"/>
+          <p:cNvSpPr>
+            <a:spLocks noGrp="1"/>
+          </p:cNvSpPr>
+          <p:nvPr>
+            <p:ph idx="1"/>
+          </p:nvPr>
+        </p:nvSpPr>
+        <p:spPr/>
+        <p:txBody>
+          <a:bodyPr>
+            <a:normAutofit/>
+          </a:bodyPr>
+          <a:lstStyle/>
+          <a:p>
+            <a:r>
+              <a:rPr lang="en-US" sz="2800" dirty="0"/>
+              <a:t>The results show that with using less than 0.1% of the features (3000 </a:t>
+            </a:r>
+            <a:r>
+              <a:rPr lang="en-US" sz="2800" dirty="0" smtClean="0"/>
+              <a:t>features) we </a:t>
+            </a:r>
+            <a:r>
+              <a:rPr lang="en-US" sz="2800" dirty="0"/>
+              <a:t>get an F1 measure of around 60%, which is close to the 70% achieved </a:t>
+            </a:r>
+            <a:r>
+              <a:rPr lang="en-US" sz="2800" dirty="0" smtClean="0"/>
+              <a:t>using all </a:t>
+            </a:r>
+            <a:r>
+              <a:rPr lang="en-US" sz="2800" dirty="0"/>
+              <a:t>the features (over 3.7 million). </a:t>
+            </a:r>
+            <a:endParaRPr lang="en-US" sz="2800" dirty="0" smtClean="0"/>
+          </a:p>
+          <a:p>
+            <a:r>
+              <a:rPr lang="en-US" sz="2800" dirty="0" smtClean="0"/>
+              <a:t>This </a:t>
+            </a:r>
+            <a:r>
+              <a:rPr lang="en-US" sz="2800" dirty="0"/>
+              <a:t>is an interesting observation, and </a:t>
+            </a:r>
+            <a:r>
+              <a:rPr lang="en-US" sz="2800" dirty="0" smtClean="0"/>
+              <a:t>we plan </a:t>
+            </a:r>
+            <a:r>
+              <a:rPr lang="en-US" sz="2800" dirty="0"/>
+              <a:t>to investigate this further in the next phase, in addition to </a:t>
+            </a:r>
+            <a:r>
+              <a:rPr lang="en-US" sz="2800" dirty="0" smtClean="0"/>
+              <a:t>investigating using </a:t>
+            </a:r>
+            <a:r>
+              <a:rPr lang="en-US" sz="2800" dirty="0"/>
+              <a:t>dimensionality reduction techniques  </a:t>
+            </a:r>
+            <a:r>
+              <a:rPr lang="en-US" sz="2800" dirty="0" smtClean="0"/>
+              <a:t>e.g</a:t>
+            </a:r>
+            <a:r>
+              <a:rPr lang="en-US" sz="2800" dirty="0"/>
+              <a:t>. Principal Component Analysis.</a:t>
+            </a:r>
+          </a:p>
+        </p:txBody>
+      </p:sp>
+      <p:sp>
+        <p:nvSpPr>
+          <p:cNvPr id="4" name="Slide Number Placeholder 3"/>
+          <p:cNvSpPr>
+            <a:spLocks noGrp="1"/>
+          </p:cNvSpPr>
+          <p:nvPr>
+            <p:ph type="sldNum" sz="quarter" idx="12"/>
+          </p:nvPr>
+        </p:nvSpPr>
+        <p:spPr/>
+        <p:txBody>
+          <a:bodyPr/>
+          <a:lstStyle/>
+          <a:p>
+            <a:fld id="{B6F15528-21DE-4FAA-801E-634DDDAF4B2B}" type="slidenum">
+              <a:rPr lang="en-US" smtClean="0"/>
+              <a:pPr/>
+              <a:t>30</a:t>
+            </a:fld>
+            <a:endParaRPr lang="en-US"/>
+          </a:p>
+        </p:txBody>
+      </p:sp>
+    </p:spTree>
+    <p:extLst>
+      <p:ext uri="{BB962C8B-B14F-4D97-AF65-F5344CB8AC3E}">
+        <p14:creationId xmlns:p14="http://schemas.microsoft.com/office/powerpoint/2010/main" val="2595797296"/>
+      </p:ext>
+    </p:extLst>
+  </p:cSld>
+  <p:clrMapOvr>
+    <a:masterClrMapping/>
+  </p:clrMapOvr>
+  <p:timing>
+    <p:tnLst>
+      <p:par>
+        <p:cTn id="1" dur="indefinite" restart="never" nodeType="tmRoot"/>
+      </p:par>
+    </p:tnLst>
+  </p:timing>
+</p:sld>
+</file>
+
+<file path=ppt/slides/slide31.xml><?xml version="1.0" encoding="utf-8"?>
+<p:sld xmlns:a="http://schemas.openxmlformats.org/drawingml/2006/main" xmlns:r="http://schemas.openxmlformats.org/officeDocument/2006/relationships" xmlns:p="http://schemas.openxmlformats.org/presentationml/2006/main">
+  <p:cSld>
+    <p:spTree>
+      <p:nvGrpSpPr>
+        <p:cNvPr id="1" name=""/>
+        <p:cNvGrpSpPr/>
+        <p:nvPr/>
+      </p:nvGrpSpPr>
+      <p:grpSpPr>
+        <a:xfrm>
+          <a:off x="0" y="0"/>
+          <a:ext cx="0" cy="0"/>
+          <a:chOff x="0" y="0"/>
+          <a:chExt cx="0" cy="0"/>
+        </a:xfrm>
+      </p:grpSpPr>
+      <p:sp>
+        <p:nvSpPr>
+          <p:cNvPr id="2" name="Title 1"/>
+          <p:cNvSpPr>
+            <a:spLocks noGrp="1"/>
+          </p:cNvSpPr>
+          <p:nvPr>
+            <p:ph type="title"/>
+          </p:nvPr>
+        </p:nvSpPr>
+        <p:spPr/>
+        <p:txBody>
+          <a:bodyPr/>
+          <a:lstStyle/>
+          <a:p>
+            <a:r>
+              <a:rPr lang="en-US" dirty="0"/>
+              <a:t>Twitter Data </a:t>
+            </a:r>
+            <a:r>
+              <a:rPr lang="en-US" dirty="0" smtClean="0"/>
+              <a:t>set</a:t>
+            </a:r>
+            <a:endParaRPr lang="en-US" dirty="0"/>
+          </a:p>
+        </p:txBody>
+      </p:sp>
+      <p:sp>
+        <p:nvSpPr>
+          <p:cNvPr id="3" name="Content Placeholder 2"/>
+          <p:cNvSpPr>
+            <a:spLocks noGrp="1"/>
+          </p:cNvSpPr>
+          <p:nvPr>
+            <p:ph idx="1"/>
+          </p:nvPr>
+        </p:nvSpPr>
+        <p:spPr/>
+        <p:txBody>
+          <a:bodyPr>
+            <a:normAutofit lnSpcReduction="10000"/>
+          </a:bodyPr>
+          <a:lstStyle/>
+          <a:p>
+            <a:r>
+              <a:rPr lang="en-US" sz="2800" dirty="0"/>
+              <a:t>We have collected over 84,000 Arabic </a:t>
+            </a:r>
+            <a:r>
+              <a:rPr lang="en-US" sz="2800" dirty="0" smtClean="0"/>
+              <a:t>tweets on two </a:t>
+            </a:r>
+            <a:r>
+              <a:rPr lang="en-US" sz="2800" dirty="0" smtClean="0"/>
+              <a:t>stages</a:t>
+            </a:r>
+            <a:r>
+              <a:rPr lang="ar-EG" sz="2800" dirty="0" smtClean="0"/>
+              <a:t> </a:t>
+            </a:r>
+            <a:r>
+              <a:rPr lang="en-US" sz="2800" dirty="0" smtClean="0"/>
+              <a:t>over a period of four months</a:t>
+            </a:r>
+            <a:r>
+              <a:rPr lang="en-US" sz="2800" dirty="0" smtClean="0"/>
+              <a:t>.</a:t>
+            </a:r>
+            <a:endParaRPr lang="en-US" sz="2800" dirty="0" smtClean="0"/>
+          </a:p>
+          <a:p>
+            <a:pPr lvl="1"/>
+            <a:r>
+              <a:rPr lang="en-US" dirty="0" smtClean="0"/>
+              <a:t>Crawling the most active </a:t>
+            </a:r>
+            <a:r>
+              <a:rPr lang="en-US" dirty="0"/>
+              <a:t>Egyptian Twitter </a:t>
+            </a:r>
+            <a:r>
+              <a:rPr lang="en-US" dirty="0" smtClean="0"/>
+              <a:t>accounts.</a:t>
+            </a:r>
+          </a:p>
+          <a:p>
+            <a:pPr lvl="1"/>
+            <a:r>
+              <a:rPr lang="en-US" dirty="0" smtClean="0"/>
+              <a:t>Using some of the most trending hashtags in Egypt.</a:t>
+            </a:r>
+          </a:p>
+          <a:p>
+            <a:pPr lvl="1"/>
+            <a:endParaRPr lang="en-US" dirty="0"/>
+          </a:p>
+          <a:p>
+            <a:r>
+              <a:rPr lang="en-US" sz="2800" dirty="0" smtClean="0"/>
+              <a:t>After filtering </a:t>
+            </a:r>
+            <a:r>
+              <a:rPr lang="en-US" sz="2800" dirty="0"/>
+              <a:t>out the non-Arabic tweets, and performing </a:t>
+            </a:r>
+            <a:r>
+              <a:rPr lang="en-US" sz="2800" dirty="0" smtClean="0"/>
+              <a:t>some pre-processing </a:t>
+            </a:r>
+            <a:r>
+              <a:rPr lang="en-US" sz="2800" dirty="0"/>
+              <a:t>steps to clean up unwanted content like HTML, we ended </a:t>
+            </a:r>
+            <a:r>
+              <a:rPr lang="en-US" sz="2800" dirty="0" smtClean="0"/>
+              <a:t>up with </a:t>
+            </a:r>
+            <a:r>
+              <a:rPr lang="en-US" sz="2800" dirty="0"/>
+              <a:t>54,716 Arabic tweets.</a:t>
+            </a:r>
+          </a:p>
+        </p:txBody>
+      </p:sp>
+      <p:sp>
+        <p:nvSpPr>
+          <p:cNvPr id="4" name="Slide Number Placeholder 3"/>
+          <p:cNvSpPr>
+            <a:spLocks noGrp="1"/>
+          </p:cNvSpPr>
+          <p:nvPr>
+            <p:ph type="sldNum" sz="quarter" idx="12"/>
+          </p:nvPr>
+        </p:nvSpPr>
+        <p:spPr/>
+        <p:txBody>
+          <a:bodyPr/>
+          <a:lstStyle/>
+          <a:p>
+            <a:fld id="{B6F15528-21DE-4FAA-801E-634DDDAF4B2B}" type="slidenum">
+              <a:rPr lang="en-US" smtClean="0"/>
+              <a:pPr/>
+              <a:t>31</a:t>
+            </a:fld>
+            <a:endParaRPr lang="en-US"/>
+          </a:p>
+        </p:txBody>
+      </p:sp>
+    </p:spTree>
+    <p:extLst>
+      <p:ext uri="{BB962C8B-B14F-4D97-AF65-F5344CB8AC3E}">
+        <p14:creationId xmlns:p14="http://schemas.microsoft.com/office/powerpoint/2010/main" val="1256401096"/>
+      </p:ext>
+    </p:extLst>
+  </p:cSld>
+  <p:clrMapOvr>
+    <a:masterClrMapping/>
+  </p:clrMapOvr>
+  <p:timing>
+    <p:tnLst>
+      <p:par>
+        <p:cTn id="1" dur="indefinite" restart="never" nodeType="tmRoot"/>
+      </p:par>
+    </p:tnLst>
+  </p:timing>
+</p:sld>
+</file>
+
+<file path=ppt/slides/slide32.xml><?xml version="1.0" encoding="utf-8"?>
 <p:sld xmlns:a="http://schemas.openxmlformats.org/drawingml/2006/main" xmlns:r="http://schemas.openxmlformats.org/officeDocument/2006/relationships" xmlns:p="http://schemas.openxmlformats.org/presentationml/2006/main">
   <p:cSld>
     <p:spTree>
@@ -9481,318 +11532,34 @@
           </a:p>
         </p:txBody>
       </p:sp>
+      <p:sp>
+        <p:nvSpPr>
+          <p:cNvPr id="3" name="Slide Number Placeholder 2"/>
+          <p:cNvSpPr>
+            <a:spLocks noGrp="1"/>
+          </p:cNvSpPr>
+          <p:nvPr>
+            <p:ph type="sldNum" sz="quarter" idx="12"/>
+          </p:nvPr>
+        </p:nvSpPr>
+        <p:spPr/>
+        <p:txBody>
+          <a:bodyPr/>
+          <a:lstStyle/>
+          <a:p>
+            <a:fld id="{B6F15528-21DE-4FAA-801E-634DDDAF4B2B}" type="slidenum">
+              <a:rPr lang="en-US" smtClean="0"/>
+              <a:pPr/>
+              <a:t>32</a:t>
+            </a:fld>
+            <a:endParaRPr lang="en-US"/>
+          </a:p>
+        </p:txBody>
+      </p:sp>
     </p:spTree>
     <p:extLst>
       <p:ext uri="{BB962C8B-B14F-4D97-AF65-F5344CB8AC3E}">
         <p14:creationId xmlns:p14="http://schemas.microsoft.com/office/powerpoint/2010/main" val="1557895286"/>
-      </p:ext>
-    </p:extLst>
-  </p:cSld>
-  <p:clrMapOvr>
-    <a:masterClrMapping/>
-  </p:clrMapOvr>
-  <p:timing>
-    <p:tnLst>
-      <p:par>
-        <p:cTn id="1" dur="indefinite" restart="never" nodeType="tmRoot"/>
-      </p:par>
-    </p:tnLst>
-  </p:timing>
-</p:sld>
-</file>
-
-<file path=ppt/slides/slide31.xml><?xml version="1.0" encoding="utf-8"?>
-<p:sld xmlns:a="http://schemas.openxmlformats.org/drawingml/2006/main" xmlns:r="http://schemas.openxmlformats.org/officeDocument/2006/relationships" xmlns:p="http://schemas.openxmlformats.org/presentationml/2006/main">
-  <p:cSld>
-    <p:spTree>
-      <p:nvGrpSpPr>
-        <p:cNvPr id="1" name=""/>
-        <p:cNvGrpSpPr/>
-        <p:nvPr/>
-      </p:nvGrpSpPr>
-      <p:grpSpPr>
-        <a:xfrm>
-          <a:off x="0" y="0"/>
-          <a:ext cx="0" cy="0"/>
-          <a:chOff x="0" y="0"/>
-          <a:chExt cx="0" cy="0"/>
-        </a:xfrm>
-      </p:grpSpPr>
-      <p:sp>
-        <p:nvSpPr>
-          <p:cNvPr id="2" name="Title 1"/>
-          <p:cNvSpPr>
-            <a:spLocks noGrp="1"/>
-          </p:cNvSpPr>
-          <p:nvPr>
-            <p:ph type="title"/>
-          </p:nvPr>
-        </p:nvSpPr>
-        <p:spPr/>
-        <p:txBody>
-          <a:bodyPr/>
-          <a:lstStyle/>
-          <a:p>
-            <a:r>
-              <a:rPr lang="en-US" dirty="0" smtClean="0"/>
-              <a:t>Dataset Next steps</a:t>
-            </a:r>
-            <a:endParaRPr lang="en-US" dirty="0"/>
-          </a:p>
-        </p:txBody>
-      </p:sp>
-      <p:sp>
-        <p:nvSpPr>
-          <p:cNvPr id="3" name="Content Placeholder 2"/>
-          <p:cNvSpPr>
-            <a:spLocks noGrp="1"/>
-          </p:cNvSpPr>
-          <p:nvPr>
-            <p:ph idx="1"/>
-          </p:nvPr>
-        </p:nvSpPr>
-        <p:spPr/>
-        <p:txBody>
-          <a:bodyPr>
-            <a:normAutofit/>
-          </a:bodyPr>
-          <a:lstStyle/>
-          <a:p>
-            <a:r>
-              <a:rPr lang="en-US" sz="2400" dirty="0"/>
-              <a:t>For the next steps with the data set we plan to use Amazon Mechanical </a:t>
-            </a:r>
-            <a:r>
-              <a:rPr lang="en-US" sz="2400" dirty="0" smtClean="0"/>
-              <a:t>Turk service </a:t>
-            </a:r>
-            <a:r>
-              <a:rPr lang="en-US" sz="2400" dirty="0"/>
-              <a:t>to manually tag the data </a:t>
-            </a:r>
-            <a:r>
-              <a:rPr lang="en-US" sz="2400" dirty="0" smtClean="0"/>
-              <a:t>set.</a:t>
-            </a:r>
-          </a:p>
-          <a:p>
-            <a:r>
-              <a:rPr lang="en-US" sz="2400" dirty="0" smtClean="0"/>
-              <a:t>We will </a:t>
-            </a:r>
-            <a:r>
-              <a:rPr lang="en-US" sz="2400" dirty="0"/>
-              <a:t>use </a:t>
-            </a:r>
-            <a:r>
-              <a:rPr lang="en-US" sz="2400" dirty="0" smtClean="0"/>
-              <a:t>a python </a:t>
-            </a:r>
-            <a:r>
-              <a:rPr lang="en-US" sz="2400" dirty="0"/>
-              <a:t>API called </a:t>
-            </a:r>
-            <a:r>
-              <a:rPr lang="en-US" sz="2400" dirty="0" smtClean="0"/>
-              <a:t>‘</a:t>
-            </a:r>
-            <a:r>
-              <a:rPr lang="en-US" sz="2400" dirty="0" err="1" smtClean="0"/>
-              <a:t>Boto</a:t>
-            </a:r>
-            <a:r>
-              <a:rPr lang="en-US" sz="2400" dirty="0" smtClean="0"/>
-              <a:t>’ to interface with Amazon web services.</a:t>
-            </a:r>
-            <a:endParaRPr lang="en-US" sz="2400" dirty="0"/>
-          </a:p>
-        </p:txBody>
-      </p:sp>
-    </p:spTree>
-    <p:extLst>
-      <p:ext uri="{BB962C8B-B14F-4D97-AF65-F5344CB8AC3E}">
-        <p14:creationId xmlns:p14="http://schemas.microsoft.com/office/powerpoint/2010/main" val="536735902"/>
-      </p:ext>
-    </p:extLst>
-  </p:cSld>
-  <p:clrMapOvr>
-    <a:masterClrMapping/>
-  </p:clrMapOvr>
-  <p:timing>
-    <p:tnLst>
-      <p:par>
-        <p:cTn id="1" dur="indefinite" restart="never" nodeType="tmRoot"/>
-      </p:par>
-    </p:tnLst>
-  </p:timing>
-</p:sld>
-</file>
-
-<file path=ppt/slides/slide32.xml><?xml version="1.0" encoding="utf-8"?>
-<p:sld xmlns:a="http://schemas.openxmlformats.org/drawingml/2006/main" xmlns:r="http://schemas.openxmlformats.org/officeDocument/2006/relationships" xmlns:p="http://schemas.openxmlformats.org/presentationml/2006/main">
-  <p:cSld>
-    <p:spTree>
-      <p:nvGrpSpPr>
-        <p:cNvPr id="1" name=""/>
-        <p:cNvGrpSpPr/>
-        <p:nvPr/>
-      </p:nvGrpSpPr>
-      <p:grpSpPr>
-        <a:xfrm>
-          <a:off x="0" y="0"/>
-          <a:ext cx="0" cy="0"/>
-          <a:chOff x="0" y="0"/>
-          <a:chExt cx="0" cy="0"/>
-        </a:xfrm>
-      </p:grpSpPr>
-      <p:sp>
-        <p:nvSpPr>
-          <p:cNvPr id="2" name="Title 1"/>
-          <p:cNvSpPr>
-            <a:spLocks noGrp="1"/>
-          </p:cNvSpPr>
-          <p:nvPr>
-            <p:ph type="title"/>
-          </p:nvPr>
-        </p:nvSpPr>
-        <p:spPr/>
-        <p:txBody>
-          <a:bodyPr/>
-          <a:lstStyle/>
-          <a:p>
-            <a:r>
-              <a:rPr lang="en-US" dirty="0" smtClean="0"/>
-              <a:t>Future work</a:t>
-            </a:r>
-            <a:endParaRPr lang="en-US" dirty="0"/>
-          </a:p>
-        </p:txBody>
-      </p:sp>
-      <p:sp>
-        <p:nvSpPr>
-          <p:cNvPr id="3" name="Content Placeholder 2"/>
-          <p:cNvSpPr>
-            <a:spLocks noGrp="1"/>
-          </p:cNvSpPr>
-          <p:nvPr>
-            <p:ph idx="1"/>
-          </p:nvPr>
-        </p:nvSpPr>
-        <p:spPr/>
-        <p:txBody>
-          <a:bodyPr>
-            <a:noAutofit/>
-          </a:bodyPr>
-          <a:lstStyle/>
-          <a:p>
-            <a:pPr marL="82296" indent="0">
-              <a:buNone/>
-            </a:pPr>
-            <a:r>
-              <a:rPr lang="en-US" sz="2400" dirty="0"/>
-              <a:t>Our planned next steps include:</a:t>
-            </a:r>
-          </a:p>
-          <a:p>
-            <a:pPr marL="596646" indent="-514350">
-              <a:buFont typeface="+mj-lt"/>
-              <a:buAutoNum type="arabicPeriod"/>
-            </a:pPr>
-            <a:r>
-              <a:rPr lang="en-US" sz="2400" dirty="0" smtClean="0"/>
-              <a:t>Manually </a:t>
-            </a:r>
-            <a:r>
-              <a:rPr lang="en-US" sz="2400" dirty="0"/>
-              <a:t>tagging the data set by using Amazon Mechanical Turk service.</a:t>
-            </a:r>
-          </a:p>
-          <a:p>
-            <a:pPr marL="596646" indent="-514350">
-              <a:buFont typeface="+mj-lt"/>
-              <a:buAutoNum type="arabicPeriod"/>
-            </a:pPr>
-            <a:r>
-              <a:rPr lang="en-US" sz="2400" dirty="0" smtClean="0"/>
-              <a:t>Developing </a:t>
-            </a:r>
-            <a:r>
-              <a:rPr lang="en-US" sz="2400" dirty="0"/>
-              <a:t>some topic extraction techniques to extract the most </a:t>
-            </a:r>
-            <a:r>
-              <a:rPr lang="en-US" sz="2400" dirty="0" smtClean="0"/>
-              <a:t>important topics </a:t>
-            </a:r>
-            <a:r>
-              <a:rPr lang="en-US" sz="2400" dirty="0"/>
-              <a:t>for a given set of tweets.</a:t>
-            </a:r>
-          </a:p>
-          <a:p>
-            <a:pPr marL="596646" indent="-514350">
-              <a:buFont typeface="+mj-lt"/>
-              <a:buAutoNum type="arabicPeriod"/>
-            </a:pPr>
-            <a:r>
-              <a:rPr lang="en-US" sz="2400" dirty="0" smtClean="0"/>
-              <a:t>Developing </a:t>
-            </a:r>
-            <a:r>
-              <a:rPr lang="en-US" sz="2400" dirty="0"/>
-              <a:t>an algorithm for subjectivity and sentiment analysis for a </a:t>
-            </a:r>
-            <a:r>
-              <a:rPr lang="en-US" sz="2400" dirty="0" smtClean="0"/>
-              <a:t>given set </a:t>
-            </a:r>
-            <a:r>
-              <a:rPr lang="en-US" sz="2400" dirty="0"/>
-              <a:t>of tweets.</a:t>
-            </a:r>
-          </a:p>
-          <a:p>
-            <a:pPr marL="596646" indent="-514350">
-              <a:buFont typeface="+mj-lt"/>
-              <a:buAutoNum type="arabicPeriod"/>
-            </a:pPr>
-            <a:r>
-              <a:rPr lang="en-US" sz="2400" dirty="0" smtClean="0"/>
-              <a:t>Extracting </a:t>
-            </a:r>
-            <a:r>
-              <a:rPr lang="en-US" sz="2400" dirty="0"/>
-              <a:t>Arabic sentiment lexicon and explore its potential.</a:t>
-            </a:r>
-          </a:p>
-          <a:p>
-            <a:pPr marL="596646" indent="-514350">
-              <a:buFont typeface="+mj-lt"/>
-              <a:buAutoNum type="arabicPeriod"/>
-            </a:pPr>
-            <a:r>
-              <a:rPr lang="en-US" sz="2400" dirty="0" smtClean="0"/>
-              <a:t>Exploring </a:t>
-            </a:r>
-            <a:r>
-              <a:rPr lang="en-US" sz="2400" dirty="0"/>
-              <a:t>using </a:t>
-            </a:r>
-            <a:r>
-              <a:rPr lang="en-US" sz="2400" dirty="0" smtClean="0"/>
-              <a:t>Arabic specific </a:t>
-            </a:r>
-            <a:r>
-              <a:rPr lang="en-US" sz="2400" dirty="0"/>
-              <a:t>and more powerful specially tailored features.</a:t>
-            </a:r>
-          </a:p>
-        </p:txBody>
-      </p:sp>
-    </p:spTree>
-    <p:extLst>
-      <p:ext uri="{BB962C8B-B14F-4D97-AF65-F5344CB8AC3E}">
-        <p14:creationId xmlns:p14="http://schemas.microsoft.com/office/powerpoint/2010/main" val="2575386485"/>
       </p:ext>
     </p:extLst>
   </p:cSld>
@@ -9828,6 +11595,567 @@
       </p:grpSpPr>
       <p:sp>
         <p:nvSpPr>
+          <p:cNvPr id="2" name="Title 1"/>
+          <p:cNvSpPr>
+            <a:spLocks noGrp="1"/>
+          </p:cNvSpPr>
+          <p:nvPr>
+            <p:ph type="title"/>
+          </p:nvPr>
+        </p:nvSpPr>
+        <p:spPr/>
+        <p:txBody>
+          <a:bodyPr/>
+          <a:lstStyle/>
+          <a:p>
+            <a:r>
+              <a:rPr lang="en-US" dirty="0" smtClean="0"/>
+              <a:t>Amazon mechanical </a:t>
+            </a:r>
+            <a:r>
+              <a:rPr lang="en-US" dirty="0" err="1" smtClean="0"/>
+              <a:t>turk</a:t>
+            </a:r>
+            <a:endParaRPr lang="en-US" dirty="0"/>
+          </a:p>
+        </p:txBody>
+      </p:sp>
+      <p:sp>
+        <p:nvSpPr>
+          <p:cNvPr id="3" name="Content Placeholder 2"/>
+          <p:cNvSpPr>
+            <a:spLocks noGrp="1"/>
+          </p:cNvSpPr>
+          <p:nvPr>
+            <p:ph idx="1"/>
+          </p:nvPr>
+        </p:nvSpPr>
+        <p:spPr/>
+        <p:txBody>
+          <a:bodyPr/>
+          <a:lstStyle/>
+          <a:p>
+            <a:r>
+              <a:rPr lang="en-US" dirty="0" smtClean="0"/>
+              <a:t>Online </a:t>
+            </a:r>
+            <a:r>
+              <a:rPr lang="en-US" dirty="0"/>
+              <a:t>service that allows companies or individuals to post their data and </a:t>
+            </a:r>
+            <a:r>
+              <a:rPr lang="en-US" dirty="0" smtClean="0"/>
+              <a:t>other workers </a:t>
+            </a:r>
+            <a:r>
+              <a:rPr lang="en-US" dirty="0"/>
+              <a:t>can manually tag the </a:t>
+            </a:r>
+            <a:r>
+              <a:rPr lang="en-US" dirty="0" smtClean="0"/>
+              <a:t>data.</a:t>
+            </a:r>
+          </a:p>
+          <a:p>
+            <a:endParaRPr lang="en-US" dirty="0"/>
+          </a:p>
+          <a:p>
+            <a:r>
+              <a:rPr lang="en-US" dirty="0" smtClean="0"/>
+              <a:t>A predefined charge is given to the workers to complete their work.</a:t>
+            </a:r>
+            <a:endParaRPr lang="en-US" dirty="0"/>
+          </a:p>
+        </p:txBody>
+      </p:sp>
+      <p:sp>
+        <p:nvSpPr>
+          <p:cNvPr id="4" name="Slide Number Placeholder 3"/>
+          <p:cNvSpPr>
+            <a:spLocks noGrp="1"/>
+          </p:cNvSpPr>
+          <p:nvPr>
+            <p:ph type="sldNum" sz="quarter" idx="12"/>
+          </p:nvPr>
+        </p:nvSpPr>
+        <p:spPr/>
+        <p:txBody>
+          <a:bodyPr/>
+          <a:lstStyle/>
+          <a:p>
+            <a:fld id="{B6F15528-21DE-4FAA-801E-634DDDAF4B2B}" type="slidenum">
+              <a:rPr lang="en-US" smtClean="0"/>
+              <a:pPr/>
+              <a:t>33</a:t>
+            </a:fld>
+            <a:endParaRPr lang="en-US"/>
+          </a:p>
+        </p:txBody>
+      </p:sp>
+    </p:spTree>
+    <p:extLst>
+      <p:ext uri="{BB962C8B-B14F-4D97-AF65-F5344CB8AC3E}">
+        <p14:creationId xmlns:p14="http://schemas.microsoft.com/office/powerpoint/2010/main" val="3703679310"/>
+      </p:ext>
+    </p:extLst>
+  </p:cSld>
+  <p:clrMapOvr>
+    <a:masterClrMapping/>
+  </p:clrMapOvr>
+  <p:timing>
+    <p:tnLst>
+      <p:par>
+        <p:cTn id="1" dur="indefinite" restart="never" nodeType="tmRoot"/>
+      </p:par>
+    </p:tnLst>
+  </p:timing>
+</p:sld>
+</file>
+
+<file path=ppt/slides/slide34.xml><?xml version="1.0" encoding="utf-8"?>
+<p:sld xmlns:a="http://schemas.openxmlformats.org/drawingml/2006/main" xmlns:r="http://schemas.openxmlformats.org/officeDocument/2006/relationships" xmlns:p="http://schemas.openxmlformats.org/presentationml/2006/main">
+  <p:cSld>
+    <p:spTree>
+      <p:nvGrpSpPr>
+        <p:cNvPr id="1" name=""/>
+        <p:cNvGrpSpPr/>
+        <p:nvPr/>
+      </p:nvGrpSpPr>
+      <p:grpSpPr>
+        <a:xfrm>
+          <a:off x="0" y="0"/>
+          <a:ext cx="0" cy="0"/>
+          <a:chOff x="0" y="0"/>
+          <a:chExt cx="0" cy="0"/>
+        </a:xfrm>
+      </p:grpSpPr>
+      <p:sp>
+        <p:nvSpPr>
+          <p:cNvPr id="2" name="Title 1"/>
+          <p:cNvSpPr>
+            <a:spLocks noGrp="1"/>
+          </p:cNvSpPr>
+          <p:nvPr>
+            <p:ph type="title"/>
+          </p:nvPr>
+        </p:nvSpPr>
+        <p:spPr/>
+        <p:txBody>
+          <a:bodyPr/>
+          <a:lstStyle/>
+          <a:p>
+            <a:r>
+              <a:rPr lang="en-US" dirty="0" smtClean="0"/>
+              <a:t>Dataset Next steps</a:t>
+            </a:r>
+            <a:endParaRPr lang="en-US" dirty="0"/>
+          </a:p>
+        </p:txBody>
+      </p:sp>
+      <p:sp>
+        <p:nvSpPr>
+          <p:cNvPr id="3" name="Content Placeholder 2"/>
+          <p:cNvSpPr>
+            <a:spLocks noGrp="1"/>
+          </p:cNvSpPr>
+          <p:nvPr>
+            <p:ph idx="1"/>
+          </p:nvPr>
+        </p:nvSpPr>
+        <p:spPr/>
+        <p:txBody>
+          <a:bodyPr>
+            <a:normAutofit/>
+          </a:bodyPr>
+          <a:lstStyle/>
+          <a:p>
+            <a:r>
+              <a:rPr lang="en-US" sz="2400" dirty="0"/>
+              <a:t>For the next steps with the data set we plan to use Amazon Mechanical </a:t>
+            </a:r>
+            <a:r>
+              <a:rPr lang="en-US" sz="2400" dirty="0" smtClean="0"/>
+              <a:t>Turk service </a:t>
+            </a:r>
+            <a:r>
+              <a:rPr lang="en-US" sz="2400" dirty="0"/>
+              <a:t>to manually tag the data </a:t>
+            </a:r>
+            <a:r>
+              <a:rPr lang="en-US" sz="2400" dirty="0" smtClean="0"/>
+              <a:t>set.</a:t>
+            </a:r>
+          </a:p>
+          <a:p>
+            <a:r>
+              <a:rPr lang="en-US" sz="2400" dirty="0" smtClean="0"/>
+              <a:t>We will </a:t>
+            </a:r>
+            <a:r>
+              <a:rPr lang="en-US" sz="2400" dirty="0"/>
+              <a:t>use </a:t>
+            </a:r>
+            <a:r>
+              <a:rPr lang="en-US" sz="2400" dirty="0" smtClean="0"/>
+              <a:t>a python </a:t>
+            </a:r>
+            <a:r>
+              <a:rPr lang="en-US" sz="2400" dirty="0"/>
+              <a:t>API called </a:t>
+            </a:r>
+            <a:r>
+              <a:rPr lang="en-US" sz="2400" dirty="0" smtClean="0"/>
+              <a:t>‘</a:t>
+            </a:r>
+            <a:r>
+              <a:rPr lang="en-US" sz="2400" dirty="0" err="1" smtClean="0"/>
+              <a:t>Boto</a:t>
+            </a:r>
+            <a:r>
+              <a:rPr lang="en-US" sz="2400" dirty="0" smtClean="0"/>
+              <a:t>’ to interface with Amazon web services</a:t>
+            </a:r>
+            <a:r>
+              <a:rPr lang="en-US" sz="2400" dirty="0" smtClean="0"/>
+              <a:t>.</a:t>
+            </a:r>
+          </a:p>
+          <a:p>
+            <a:endParaRPr lang="en-US" sz="2400" dirty="0"/>
+          </a:p>
+          <a:p>
+            <a:r>
+              <a:rPr lang="en-US" sz="2400" dirty="0" smtClean="0"/>
+              <a:t>Started with 300 tweet to get some statistics.</a:t>
+            </a:r>
+          </a:p>
+          <a:p>
+            <a:endParaRPr lang="en-US" sz="2400" dirty="0"/>
+          </a:p>
+          <a:p>
+            <a:r>
+              <a:rPr lang="en-US" sz="2400" dirty="0" smtClean="0"/>
+              <a:t>Plane to tag 10k tweet.</a:t>
+            </a:r>
+            <a:endParaRPr lang="en-US" sz="2400" dirty="0"/>
+          </a:p>
+        </p:txBody>
+      </p:sp>
+      <p:sp>
+        <p:nvSpPr>
+          <p:cNvPr id="4" name="Slide Number Placeholder 3"/>
+          <p:cNvSpPr>
+            <a:spLocks noGrp="1"/>
+          </p:cNvSpPr>
+          <p:nvPr>
+            <p:ph type="sldNum" sz="quarter" idx="12"/>
+          </p:nvPr>
+        </p:nvSpPr>
+        <p:spPr/>
+        <p:txBody>
+          <a:bodyPr/>
+          <a:lstStyle/>
+          <a:p>
+            <a:fld id="{B6F15528-21DE-4FAA-801E-634DDDAF4B2B}" type="slidenum">
+              <a:rPr lang="en-US" smtClean="0"/>
+              <a:pPr/>
+              <a:t>34</a:t>
+            </a:fld>
+            <a:endParaRPr lang="en-US"/>
+          </a:p>
+        </p:txBody>
+      </p:sp>
+    </p:spTree>
+    <p:extLst>
+      <p:ext uri="{BB962C8B-B14F-4D97-AF65-F5344CB8AC3E}">
+        <p14:creationId xmlns:p14="http://schemas.microsoft.com/office/powerpoint/2010/main" val="536735902"/>
+      </p:ext>
+    </p:extLst>
+  </p:cSld>
+  <p:clrMapOvr>
+    <a:masterClrMapping/>
+  </p:clrMapOvr>
+  <p:timing>
+    <p:tnLst>
+      <p:par>
+        <p:cTn id="1" dur="indefinite" restart="never" nodeType="tmRoot"/>
+      </p:par>
+    </p:tnLst>
+  </p:timing>
+</p:sld>
+</file>
+
+<file path=ppt/slides/slide35.xml><?xml version="1.0" encoding="utf-8"?>
+<p:sld xmlns:a="http://schemas.openxmlformats.org/drawingml/2006/main" xmlns:r="http://schemas.openxmlformats.org/officeDocument/2006/relationships" xmlns:p="http://schemas.openxmlformats.org/presentationml/2006/main">
+  <p:cSld>
+    <p:spTree>
+      <p:nvGrpSpPr>
+        <p:cNvPr id="1" name=""/>
+        <p:cNvGrpSpPr/>
+        <p:nvPr/>
+      </p:nvGrpSpPr>
+      <p:grpSpPr>
+        <a:xfrm>
+          <a:off x="0" y="0"/>
+          <a:ext cx="0" cy="0"/>
+          <a:chOff x="0" y="0"/>
+          <a:chExt cx="0" cy="0"/>
+        </a:xfrm>
+      </p:grpSpPr>
+      <p:sp>
+        <p:nvSpPr>
+          <p:cNvPr id="2" name="Title 1"/>
+          <p:cNvSpPr>
+            <a:spLocks noGrp="1"/>
+          </p:cNvSpPr>
+          <p:nvPr>
+            <p:ph type="title"/>
+          </p:nvPr>
+        </p:nvSpPr>
+        <p:spPr/>
+        <p:txBody>
+          <a:bodyPr/>
+          <a:lstStyle/>
+          <a:p>
+            <a:r>
+              <a:rPr lang="en-US" dirty="0" smtClean="0"/>
+              <a:t>Future work</a:t>
+            </a:r>
+            <a:endParaRPr lang="en-US" dirty="0"/>
+          </a:p>
+        </p:txBody>
+      </p:sp>
+      <p:sp>
+        <p:nvSpPr>
+          <p:cNvPr id="3" name="Content Placeholder 2"/>
+          <p:cNvSpPr>
+            <a:spLocks noGrp="1"/>
+          </p:cNvSpPr>
+          <p:nvPr>
+            <p:ph idx="1"/>
+          </p:nvPr>
+        </p:nvSpPr>
+        <p:spPr>
+          <a:xfrm>
+            <a:off x="1295400" y="1219200"/>
+            <a:ext cx="7498080" cy="5257800"/>
+          </a:xfrm>
+        </p:spPr>
+        <p:txBody>
+          <a:bodyPr>
+            <a:noAutofit/>
+          </a:bodyPr>
+          <a:lstStyle/>
+          <a:p>
+            <a:pPr marL="82296" indent="0">
+              <a:buNone/>
+            </a:pPr>
+            <a:r>
+              <a:rPr lang="en-US" sz="2400" dirty="0"/>
+              <a:t>Our planned next steps include:</a:t>
+            </a:r>
+          </a:p>
+          <a:p>
+            <a:pPr marL="596646" indent="-514350">
+              <a:buFont typeface="+mj-lt"/>
+              <a:buAutoNum type="arabicPeriod"/>
+            </a:pPr>
+            <a:r>
+              <a:rPr lang="en-US" sz="2400" dirty="0" smtClean="0"/>
+              <a:t>Manually </a:t>
+            </a:r>
+            <a:r>
+              <a:rPr lang="en-US" sz="2400" dirty="0"/>
+              <a:t>tagging the </a:t>
+            </a:r>
+            <a:r>
+              <a:rPr lang="en-US" sz="2400" dirty="0" smtClean="0"/>
+              <a:t>twitter dataset </a:t>
+            </a:r>
+            <a:r>
+              <a:rPr lang="en-US" sz="2400" dirty="0"/>
+              <a:t>by using Amazon Mechanical Turk service.</a:t>
+            </a:r>
+          </a:p>
+          <a:p>
+            <a:pPr marL="596646" indent="-514350">
+              <a:buFont typeface="+mj-lt"/>
+              <a:buAutoNum type="arabicPeriod"/>
+            </a:pPr>
+            <a:r>
+              <a:rPr lang="en-US" sz="2400" dirty="0" smtClean="0"/>
+              <a:t>Developing </a:t>
+            </a:r>
+            <a:r>
+              <a:rPr lang="en-US" sz="2400" dirty="0"/>
+              <a:t>some topic extraction techniques to extract the most </a:t>
+            </a:r>
+            <a:r>
+              <a:rPr lang="en-US" sz="2400" dirty="0" smtClean="0"/>
+              <a:t>important topics </a:t>
+            </a:r>
+            <a:r>
+              <a:rPr lang="en-US" sz="2400" dirty="0"/>
+              <a:t>for a given set of tweets.</a:t>
+            </a:r>
+          </a:p>
+          <a:p>
+            <a:pPr marL="596646" indent="-514350">
+              <a:buFont typeface="+mj-lt"/>
+              <a:buAutoNum type="arabicPeriod"/>
+            </a:pPr>
+            <a:r>
+              <a:rPr lang="en-US" sz="2400" dirty="0" smtClean="0"/>
+              <a:t>Developing </a:t>
+            </a:r>
+            <a:r>
+              <a:rPr lang="en-US" sz="2400" dirty="0"/>
+              <a:t>an algorithm for subjectivity and sentiment analysis for a </a:t>
+            </a:r>
+            <a:r>
+              <a:rPr lang="en-US" sz="2400" dirty="0" smtClean="0"/>
+              <a:t>given set </a:t>
+            </a:r>
+            <a:r>
+              <a:rPr lang="en-US" sz="2400" dirty="0"/>
+              <a:t>of tweets.</a:t>
+            </a:r>
+          </a:p>
+          <a:p>
+            <a:pPr marL="596646" indent="-514350">
+              <a:buFont typeface="+mj-lt"/>
+              <a:buAutoNum type="arabicPeriod"/>
+            </a:pPr>
+            <a:r>
+              <a:rPr lang="en-US" sz="2400" dirty="0" smtClean="0"/>
+              <a:t>Extracting </a:t>
+            </a:r>
+            <a:r>
+              <a:rPr lang="en-US" sz="2400" dirty="0"/>
+              <a:t>Arabic sentiment lexicon and explore its potential.</a:t>
+            </a:r>
+          </a:p>
+          <a:p>
+            <a:pPr marL="596646" indent="-514350">
+              <a:buFont typeface="+mj-lt"/>
+              <a:buAutoNum type="arabicPeriod"/>
+            </a:pPr>
+            <a:r>
+              <a:rPr lang="en-US" sz="2400" dirty="0" smtClean="0"/>
+              <a:t>Exploring </a:t>
+            </a:r>
+            <a:r>
+              <a:rPr lang="en-US" sz="2400" dirty="0"/>
+              <a:t>using </a:t>
+            </a:r>
+            <a:r>
+              <a:rPr lang="en-US" sz="2400" dirty="0" smtClean="0"/>
+              <a:t>Arabic specific </a:t>
+            </a:r>
+            <a:r>
+              <a:rPr lang="en-US" sz="2400" dirty="0"/>
+              <a:t>and more powerful specially tailored features</a:t>
+            </a:r>
+            <a:r>
+              <a:rPr lang="en-US" sz="2400" dirty="0" smtClean="0"/>
+              <a:t>.</a:t>
+            </a:r>
+          </a:p>
+          <a:p>
+            <a:pPr marL="596646" indent="-514350">
+              <a:buFont typeface="+mj-lt"/>
+              <a:buAutoNum type="arabicPeriod"/>
+            </a:pPr>
+            <a:r>
+              <a:rPr lang="en-US" sz="2400" dirty="0" smtClean="0"/>
+              <a:t>We are currently preparing a paper to be submitted in </a:t>
+            </a:r>
+            <a:r>
+              <a:rPr lang="en-US" sz="2400" dirty="0"/>
+              <a:t>a</a:t>
+            </a:r>
+            <a:r>
+              <a:rPr lang="en-US" sz="2400" dirty="0" smtClean="0"/>
+              <a:t> </a:t>
+            </a:r>
+            <a:r>
+              <a:rPr lang="en-US" sz="2400" dirty="0" smtClean="0"/>
+              <a:t>journal.</a:t>
+            </a:r>
+            <a:endParaRPr lang="en-US" sz="2400" dirty="0" smtClean="0"/>
+          </a:p>
+          <a:p>
+            <a:pPr marL="596646" indent="-514350">
+              <a:buFont typeface="+mj-lt"/>
+              <a:buAutoNum type="arabicPeriod"/>
+            </a:pPr>
+            <a:endParaRPr lang="en-US" sz="2400" dirty="0"/>
+          </a:p>
+        </p:txBody>
+      </p:sp>
+      <p:sp>
+        <p:nvSpPr>
+          <p:cNvPr id="4" name="Slide Number Placeholder 3"/>
+          <p:cNvSpPr>
+            <a:spLocks noGrp="1"/>
+          </p:cNvSpPr>
+          <p:nvPr>
+            <p:ph type="sldNum" sz="quarter" idx="12"/>
+          </p:nvPr>
+        </p:nvSpPr>
+        <p:spPr/>
+        <p:txBody>
+          <a:bodyPr/>
+          <a:lstStyle/>
+          <a:p>
+            <a:fld id="{B6F15528-21DE-4FAA-801E-634DDDAF4B2B}" type="slidenum">
+              <a:rPr lang="en-US" smtClean="0"/>
+              <a:pPr/>
+              <a:t>35</a:t>
+            </a:fld>
+            <a:endParaRPr lang="en-US"/>
+          </a:p>
+        </p:txBody>
+      </p:sp>
+    </p:spTree>
+    <p:extLst>
+      <p:ext uri="{BB962C8B-B14F-4D97-AF65-F5344CB8AC3E}">
+        <p14:creationId xmlns:p14="http://schemas.microsoft.com/office/powerpoint/2010/main" val="2575386485"/>
+      </p:ext>
+    </p:extLst>
+  </p:cSld>
+  <p:clrMapOvr>
+    <a:masterClrMapping/>
+  </p:clrMapOvr>
+  <p:timing>
+    <p:tnLst>
+      <p:par>
+        <p:cTn id="1" dur="indefinite" restart="never" nodeType="tmRoot"/>
+      </p:par>
+    </p:tnLst>
+  </p:timing>
+</p:sld>
+</file>
+
+<file path=ppt/slides/slide36.xml><?xml version="1.0" encoding="utf-8"?>
+<p:sld xmlns:a="http://schemas.openxmlformats.org/drawingml/2006/main" xmlns:r="http://schemas.openxmlformats.org/officeDocument/2006/relationships" xmlns:p="http://schemas.openxmlformats.org/presentationml/2006/main">
+  <p:cSld>
+    <p:spTree>
+      <p:nvGrpSpPr>
+        <p:cNvPr id="1" name=""/>
+        <p:cNvGrpSpPr/>
+        <p:nvPr/>
+      </p:nvGrpSpPr>
+      <p:grpSpPr>
+        <a:xfrm>
+          <a:off x="0" y="0"/>
+          <a:ext cx="0" cy="0"/>
+          <a:chOff x="0" y="0"/>
+          <a:chExt cx="0" cy="0"/>
+        </a:xfrm>
+      </p:grpSpPr>
+      <p:sp>
+        <p:nvSpPr>
           <p:cNvPr id="3" name="Content Placeholder 2"/>
           <p:cNvSpPr>
             <a:spLocks noGrp="1"/>
@@ -9856,6 +12184,30 @@
               <a:t>Thank You</a:t>
             </a:r>
             <a:endParaRPr lang="en-US" sz="4800" dirty="0"/>
+          </a:p>
+        </p:txBody>
+      </p:sp>
+      <p:sp>
+        <p:nvSpPr>
+          <p:cNvPr id="2" name="Slide Number Placeholder 1"/>
+          <p:cNvSpPr>
+            <a:spLocks noGrp="1"/>
+          </p:cNvSpPr>
+          <p:nvPr>
+            <p:ph type="sldNum" sz="quarter" idx="12"/>
+          </p:nvPr>
+        </p:nvSpPr>
+        <p:spPr/>
+        <p:txBody>
+          <a:bodyPr/>
+          <a:lstStyle/>
+          <a:p>
+            <a:fld id="{B6F15528-21DE-4FAA-801E-634DDDAF4B2B}" type="slidenum">
+              <a:rPr lang="en-US" smtClean="0"/>
+              <a:pPr/>
+              <a:t>36</a:t>
+            </a:fld>
+            <a:endParaRPr lang="en-US"/>
           </a:p>
         </p:txBody>
       </p:sp>
@@ -9951,44 +12303,15 @@
             </a:r>
             <a:r>
               <a:rPr lang="en-US" sz="2400" dirty="0" smtClean="0"/>
-              <a:t>we collected</a:t>
-            </a:r>
-            <a:r>
-              <a:rPr lang="en-US" sz="2400" dirty="0"/>
-              <a:t>.</a:t>
-            </a:r>
-          </a:p>
-          <a:p>
-            <a:pPr marL="870966" lvl="1" indent="-514350">
-              <a:buFont typeface="+mj-lt"/>
-              <a:buAutoNum type="arabicPeriod"/>
-            </a:pPr>
+              <a:t>we </a:t>
+            </a:r>
             <a:r>
               <a:rPr lang="en-US" sz="2400" dirty="0" smtClean="0"/>
-              <a:t>Splitting the </a:t>
-            </a:r>
-            <a:r>
-              <a:rPr lang="en-US" sz="2400" dirty="0"/>
-              <a:t>data </a:t>
+              <a:t>collected by applying a </a:t>
             </a:r>
             <a:r>
               <a:rPr lang="en-US" sz="2400" dirty="0" smtClean="0"/>
-              <a:t>set into </a:t>
-            </a:r>
-            <a:r>
-              <a:rPr lang="en-US" sz="2400" dirty="0"/>
-              <a:t>three classes instead of two (positive, negative and neutral). </a:t>
-            </a:r>
-            <a:endParaRPr lang="en-US" sz="2400" dirty="0" smtClean="0"/>
-          </a:p>
-          <a:p>
-            <a:pPr marL="870966" lvl="1" indent="-514350">
-              <a:buFont typeface="+mj-lt"/>
-              <a:buAutoNum type="arabicPeriod"/>
-            </a:pPr>
-            <a:r>
-              <a:rPr lang="en-US" sz="2400" dirty="0" smtClean="0"/>
-              <a:t>A wide range </a:t>
+              <a:t>wide range </a:t>
             </a:r>
             <a:r>
               <a:rPr lang="en-US" sz="2400" dirty="0"/>
@@ -9996,11 +12319,11 @@
             </a:r>
             <a:r>
               <a:rPr lang="en-US" sz="2400" dirty="0" smtClean="0"/>
-              <a:t>classifiers </a:t>
+              <a:t>classifiers, to </a:t>
             </a:r>
             <a:r>
               <a:rPr lang="en-US" sz="2400" dirty="0"/>
-              <a:t>were used and tested, to provide a toolbox that can </a:t>
+              <a:t>provide a toolbox that can </a:t>
             </a:r>
             <a:r>
               <a:rPr lang="en-US" sz="2400" dirty="0" smtClean="0"/>
@@ -10119,6 +12442,30 @@
               <a:t>summarized as:</a:t>
             </a:r>
             <a:endParaRPr lang="en-US" sz="2000" b="1" dirty="0"/>
+          </a:p>
+        </p:txBody>
+      </p:sp>
+      <p:sp>
+        <p:nvSpPr>
+          <p:cNvPr id="5" name="Slide Number Placeholder 4"/>
+          <p:cNvSpPr>
+            <a:spLocks noGrp="1"/>
+          </p:cNvSpPr>
+          <p:nvPr>
+            <p:ph type="sldNum" sz="quarter" idx="12"/>
+          </p:nvPr>
+        </p:nvSpPr>
+        <p:spPr/>
+        <p:txBody>
+          <a:bodyPr/>
+          <a:lstStyle/>
+          <a:p>
+            <a:fld id="{B6F15528-21DE-4FAA-801E-634DDDAF4B2B}" type="slidenum">
+              <a:rPr lang="en-US" smtClean="0"/>
+              <a:pPr/>
+              <a:t>4</a:t>
+            </a:fld>
+            <a:endParaRPr lang="en-US"/>
           </a:p>
         </p:txBody>
       </p:sp>
@@ -10248,14 +12595,14 @@
           <p:nvPr>
             <p:extLst>
               <p:ext uri="{D42A27DB-BD31-4B8C-83A1-F6EECF244321}">
-                <p14:modId xmlns:p14="http://schemas.microsoft.com/office/powerpoint/2010/main" val="1419078737"/>
+                <p14:modId xmlns:p14="http://schemas.microsoft.com/office/powerpoint/2010/main" val="3828145017"/>
               </p:ext>
             </p:extLst>
           </p:nvPr>
         </p:nvGraphicFramePr>
         <p:xfrm>
           <a:off x="1447800" y="1752600"/>
-          <a:ext cx="7391400" cy="4881987"/>
+          <a:ext cx="7391400" cy="4480562"/>
         </p:xfrm>
         <a:graphic>
           <a:graphicData uri="http://schemas.openxmlformats.org/drawingml/2006/table">
@@ -10983,67 +13330,34 @@
                   <a:tcPr/>
                 </a:tc>
               </a:tr>
-              <a:tr h="401425">
-                <a:tc>
-                  <a:txBody>
-                    <a:bodyPr/>
-                    <a:lstStyle/>
-                    <a:p>
-                      <a:r>
-                        <a:rPr kumimoji="0" lang="en-US" sz="1800" b="0" i="0" u="none" strike="noStrike" kern="1200" baseline="0" dirty="0" smtClean="0">
-                          <a:solidFill>
-                            <a:schemeClr val="dk1"/>
-                          </a:solidFill>
-                          <a:latin typeface="+mn-lt"/>
-                          <a:ea typeface="+mn-ea"/>
-                          <a:cs typeface="+mn-cs"/>
-                        </a:rPr>
-                        <a:t>SAMAR</a:t>
-                      </a:r>
-                      <a:endParaRPr lang="en-US" dirty="0"/>
-                    </a:p>
-                  </a:txBody>
-                  <a:tcPr/>
-                </a:tc>
-                <a:tc>
-                  <a:txBody>
-                    <a:bodyPr/>
-                    <a:lstStyle/>
-                    <a:p>
-                      <a:r>
-                        <a:rPr lang="en-US" dirty="0" smtClean="0"/>
-                        <a:t>Yes</a:t>
-                      </a:r>
-                      <a:endParaRPr lang="en-US" dirty="0"/>
-                    </a:p>
-                  </a:txBody>
-                  <a:tcPr/>
-                </a:tc>
-                <a:tc>
-                  <a:txBody>
-                    <a:bodyPr/>
-                    <a:lstStyle/>
-                    <a:p>
-                      <a:endParaRPr lang="en-US" dirty="0"/>
-                    </a:p>
-                  </a:txBody>
-                  <a:tcPr/>
-                </a:tc>
-                <a:tc>
-                  <a:txBody>
-                    <a:bodyPr/>
-                    <a:lstStyle/>
-                    <a:p>
-                      <a:endParaRPr lang="en-US" dirty="0"/>
-                    </a:p>
-                  </a:txBody>
-                  <a:tcPr/>
-                </a:tc>
-              </a:tr>
             </a:tbl>
           </a:graphicData>
         </a:graphic>
       </p:graphicFrame>
+      <p:sp>
+        <p:nvSpPr>
+          <p:cNvPr id="5" name="Slide Number Placeholder 4"/>
+          <p:cNvSpPr>
+            <a:spLocks noGrp="1"/>
+          </p:cNvSpPr>
+          <p:nvPr>
+            <p:ph type="sldNum" sz="quarter" idx="12"/>
+          </p:nvPr>
+        </p:nvSpPr>
+        <p:spPr/>
+        <p:txBody>
+          <a:bodyPr/>
+          <a:lstStyle/>
+          <a:p>
+            <a:fld id="{B6F15528-21DE-4FAA-801E-634DDDAF4B2B}" type="slidenum">
+              <a:rPr lang="en-US" smtClean="0"/>
+              <a:pPr/>
+              <a:t>5</a:t>
+            </a:fld>
+            <a:endParaRPr lang="en-US"/>
+          </a:p>
+        </p:txBody>
+      </p:sp>
     </p:spTree>
     <p:extLst>
       <p:ext uri="{BB962C8B-B14F-4D97-AF65-F5344CB8AC3E}">
@@ -11213,6 +13527,30 @@
           </a:p>
         </p:txBody>
       </p:sp>
+      <p:sp>
+        <p:nvSpPr>
+          <p:cNvPr id="4" name="Slide Number Placeholder 3"/>
+          <p:cNvSpPr>
+            <a:spLocks noGrp="1"/>
+          </p:cNvSpPr>
+          <p:nvPr>
+            <p:ph type="sldNum" sz="quarter" idx="12"/>
+          </p:nvPr>
+        </p:nvSpPr>
+        <p:spPr/>
+        <p:txBody>
+          <a:bodyPr/>
+          <a:lstStyle/>
+          <a:p>
+            <a:fld id="{B6F15528-21DE-4FAA-801E-634DDDAF4B2B}" type="slidenum">
+              <a:rPr lang="en-US" smtClean="0"/>
+              <a:pPr/>
+              <a:t>6</a:t>
+            </a:fld>
+            <a:endParaRPr lang="en-US"/>
+          </a:p>
+        </p:txBody>
+      </p:sp>
     </p:spTree>
     <p:extLst>
       <p:ext uri="{BB962C8B-B14F-4D97-AF65-F5344CB8AC3E}">
@@ -11293,7 +13631,12 @@
             <p:ph idx="1"/>
           </p:nvPr>
         </p:nvSpPr>
-        <p:spPr/>
+        <p:spPr>
+          <a:xfrm>
+            <a:off x="1435608" y="1447800"/>
+            <a:ext cx="7498080" cy="5105400"/>
+          </a:xfrm>
+        </p:spPr>
         <p:txBody>
           <a:bodyPr>
             <a:normAutofit/>
@@ -11323,6 +13666,38 @@
               <a:rPr lang="en-US" sz="2400" dirty="0"/>
               <a:t>of English and Arabic Web forums. </a:t>
             </a:r>
+            <a:endParaRPr lang="en-US" sz="2400" dirty="0" smtClean="0"/>
+          </a:p>
+          <a:p>
+            <a:pPr lvl="1"/>
+            <a:r>
+              <a:rPr lang="en-US" sz="2000" dirty="0"/>
+              <a:t>Weighted Genetic </a:t>
+            </a:r>
+            <a:r>
+              <a:rPr lang="en-US" sz="2000" dirty="0" smtClean="0"/>
+              <a:t>Algorithm ,  and SVM</a:t>
+            </a:r>
+          </a:p>
+          <a:p>
+            <a:pPr lvl="1"/>
+            <a:r>
+              <a:rPr lang="en-US" sz="2000" dirty="0"/>
+              <a:t>Stylistic </a:t>
+            </a:r>
+            <a:r>
+              <a:rPr lang="en-US" sz="2000" dirty="0" smtClean="0"/>
+              <a:t>features </a:t>
+            </a:r>
+            <a:r>
+              <a:rPr lang="en-US" sz="2000" dirty="0"/>
+              <a:t>and syntactic </a:t>
+            </a:r>
+            <a:r>
+              <a:rPr lang="en-US" sz="2000" dirty="0" smtClean="0"/>
+              <a:t>features.</a:t>
+            </a:r>
+            <a:endParaRPr lang="en-US" sz="2000" dirty="0"/>
           </a:p>
           <a:p>
             <a:r>
@@ -11345,51 +13720,83 @@
           <a:p>
             <a:pPr lvl="1"/>
             <a:r>
-              <a:rPr lang="en-US" sz="2400" dirty="0"/>
-              <a:t>large-scale Arabic sentiment lexicon</a:t>
-            </a:r>
-            <a:endParaRPr lang="en-US" sz="2400" dirty="0" smtClean="0"/>
+              <a:rPr lang="en-US" sz="2000" dirty="0"/>
+              <a:t>large-scale Arabic sentiment </a:t>
+            </a:r>
+            <a:r>
+              <a:rPr lang="en-US" sz="2000" dirty="0" smtClean="0"/>
+              <a:t>lexicon </a:t>
+            </a:r>
+          </a:p>
+          <a:p>
+            <a:pPr lvl="1"/>
+            <a:r>
+              <a:rPr lang="en-US" sz="2000" dirty="0" smtClean="0"/>
+              <a:t>manually built lexicon then extended with an English lexicon</a:t>
+            </a:r>
           </a:p>
           <a:p>
             <a:r>
               <a:rPr lang="en-US" sz="2400" dirty="0" smtClean="0"/>
-              <a:t>[</a:t>
-            </a:r>
-            <a:r>
-              <a:rPr lang="en-US" sz="2400" dirty="0"/>
-              <a:t>Abdul-</a:t>
-            </a:r>
-            <a:r>
-              <a:rPr lang="en-US" sz="2400" dirty="0" err="1"/>
+              <a:t>[Abdul-</a:t>
+            </a:r>
+            <a:r>
+              <a:rPr lang="en-US" sz="2400" dirty="0" err="1" smtClean="0"/>
               <a:t>Mageed</a:t>
             </a:r>
             <a:r>
-              <a:rPr lang="en-US" sz="2400" dirty="0"/>
-              <a:t> et al., </a:t>
-            </a:r>
-            <a:r>
               <a:rPr lang="en-US" sz="2400" dirty="0" smtClean="0"/>
-              <a:t>2014] proposed </a:t>
-            </a:r>
-            <a:r>
-              <a:rPr lang="en-US" sz="2400" dirty="0"/>
-              <a:t>the SAMAR system </a:t>
-            </a:r>
-            <a:endParaRPr lang="en-US" sz="2400" dirty="0" smtClean="0"/>
+              <a:t> et al., 2014] proposed the SAMAR system </a:t>
+            </a:r>
           </a:p>
           <a:p>
             <a:pPr lvl="1"/>
             <a:r>
-              <a:rPr lang="en-US" sz="2400" dirty="0" smtClean="0"/>
-              <a:t>perform subjectivity and sentiment analysis for Arabic social media using </a:t>
-            </a:r>
-            <a:r>
-              <a:rPr lang="en-US" sz="2400" dirty="0"/>
-              <a:t>some Arabic morphological features</a:t>
+              <a:rPr lang="en-US" sz="2000" dirty="0"/>
+              <a:t>S</a:t>
+            </a:r>
+            <a:r>
+              <a:rPr lang="en-US" sz="2000" dirty="0"/>
+              <a:t>ub</a:t>
+            </a:r>
+            <a:r>
+              <a:rPr lang="en-US" sz="2000" dirty="0" smtClean="0"/>
+              <a:t>jectivity and sentiment analysis for Arabic social media using some Arabic morphological features.</a:t>
+            </a:r>
+          </a:p>
+          <a:p>
+            <a:pPr lvl="1"/>
+            <a:r>
+              <a:rPr lang="en-US" sz="2000" dirty="0" smtClean="0"/>
+              <a:t>SVM</a:t>
             </a:r>
           </a:p>
           <a:p>
             <a:endParaRPr lang="en-US" dirty="0"/>
+          </a:p>
+        </p:txBody>
+      </p:sp>
+      <p:sp>
+        <p:nvSpPr>
+          <p:cNvPr id="4" name="Slide Number Placeholder 3"/>
+          <p:cNvSpPr>
+            <a:spLocks noGrp="1"/>
+          </p:cNvSpPr>
+          <p:nvPr>
+            <p:ph type="sldNum" sz="quarter" idx="12"/>
+          </p:nvPr>
+        </p:nvSpPr>
+        <p:spPr/>
+        <p:txBody>
+          <a:bodyPr/>
+          <a:lstStyle/>
+          <a:p>
+            <a:fld id="{B6F15528-21DE-4FAA-801E-634DDDAF4B2B}" type="slidenum">
+              <a:rPr lang="en-US" smtClean="0"/>
+              <a:pPr/>
+              <a:t>7</a:t>
+            </a:fld>
+            <a:endParaRPr lang="en-US"/>
           </a:p>
         </p:txBody>
       </p:sp>
@@ -12759,6 +15166,30 @@
           </a:p>
         </p:txBody>
       </p:sp>
+      <p:sp>
+        <p:nvSpPr>
+          <p:cNvPr id="3" name="Slide Number Placeholder 2"/>
+          <p:cNvSpPr>
+            <a:spLocks noGrp="1"/>
+          </p:cNvSpPr>
+          <p:nvPr>
+            <p:ph type="sldNum" sz="quarter" idx="12"/>
+          </p:nvPr>
+        </p:nvSpPr>
+        <p:spPr/>
+        <p:txBody>
+          <a:bodyPr/>
+          <a:lstStyle/>
+          <a:p>
+            <a:fld id="{B6F15528-21DE-4FAA-801E-634DDDAF4B2B}" type="slidenum">
+              <a:rPr lang="en-US" smtClean="0"/>
+              <a:pPr/>
+              <a:t>8</a:t>
+            </a:fld>
+            <a:endParaRPr lang="en-US"/>
+          </a:p>
+        </p:txBody>
+      </p:sp>
     </p:spTree>
     <p:extLst>
       <p:ext uri="{BB962C8B-B14F-4D97-AF65-F5344CB8AC3E}">
@@ -12908,6 +15339,30 @@
               <a:t>Sarcastic remarks for social data sets.</a:t>
             </a:r>
             <a:endParaRPr lang="en-US" sz="2400" dirty="0"/>
+          </a:p>
+        </p:txBody>
+      </p:sp>
+      <p:sp>
+        <p:nvSpPr>
+          <p:cNvPr id="4" name="Slide Number Placeholder 3"/>
+          <p:cNvSpPr>
+            <a:spLocks noGrp="1"/>
+          </p:cNvSpPr>
+          <p:nvPr>
+            <p:ph type="sldNum" sz="quarter" idx="12"/>
+          </p:nvPr>
+        </p:nvSpPr>
+        <p:spPr/>
+        <p:txBody>
+          <a:bodyPr/>
+          <a:lstStyle/>
+          <a:p>
+            <a:fld id="{B6F15528-21DE-4FAA-801E-634DDDAF4B2B}" type="slidenum">
+              <a:rPr lang="en-US" smtClean="0"/>
+              <a:pPr/>
+              <a:t>9</a:t>
+            </a:fld>
+            <a:endParaRPr lang="en-US"/>
           </a:p>
         </p:txBody>
       </p:sp>

--- a/Report#1_.pptx
+++ b/Report#1_.pptx
@@ -369,7 +369,7 @@
           <a:p>
             <a:fld id="{DD8A42F0-9F54-49D3-A6E7-134438D42CEF}" type="datetimeFigureOut">
               <a:rPr lang="en-US" smtClean="0"/>
-              <a:t>6/15/2014</a:t>
+              <a:t>6/17/2014</a:t>
             </a:fld>
             <a:endParaRPr lang="en-US"/>
           </a:p>
@@ -853,10 +853,6 @@
           <a:bodyPr/>
           <a:lstStyle/>
           <a:p>
-            <a:r>
-              <a:rPr lang="en-US" dirty="0" smtClean="0"/>
-              <a:t>Over period (Tweets)</a:t>
-            </a:r>
             <a:endParaRPr lang="en-US" dirty="0"/>
           </a:p>
         </p:txBody>
@@ -1024,6 +1020,112 @@
         <p:txBody>
           <a:bodyPr/>
           <a:lstStyle/>
+          <a:p>
+            <a:r>
+              <a:rPr lang="en-US" sz="1200" b="0" i="0" u="none" strike="noStrike" kern="1200" dirty="0" smtClean="0">
+                <a:solidFill>
+                  <a:schemeClr val="tx1"/>
+                </a:solidFill>
+                <a:effectLst/>
+                <a:latin typeface="+mn-lt"/>
+                <a:ea typeface="+mn-ea"/>
+                <a:cs typeface="+mn-cs"/>
+                <a:hlinkClick r:id="rId3"/>
+              </a:rPr>
+              <a:t>HP's Autonomy IDOL technology</a:t>
+            </a:r>
+            <a:r>
+              <a:rPr lang="en-US" sz="1200" b="0" i="0" kern="1200" dirty="0" smtClean="0">
+                <a:solidFill>
+                  <a:schemeClr val="tx1"/>
+                </a:solidFill>
+                <a:effectLst/>
+                <a:latin typeface="+mn-lt"/>
+                <a:ea typeface="+mn-ea"/>
+                <a:cs typeface="+mn-cs"/>
+              </a:rPr>
+              <a:t> uses sophisticated pattern-matching techniques and probabilistic modeling to interpret information in much the same way humans do.</a:t>
+            </a:r>
+          </a:p>
+          <a:p>
+            <a:r>
+              <a:rPr lang="en-US" dirty="0" err="1" smtClean="0"/>
+              <a:t>Twitrratr</a:t>
+            </a:r>
+            <a:r>
+              <a:rPr lang="en-US" dirty="0" smtClean="0"/>
+              <a:t>: use</a:t>
+            </a:r>
+            <a:r>
+              <a:rPr lang="en-US" baseline="0" dirty="0" smtClean="0"/>
+              <a:t> </a:t>
+            </a:r>
+            <a:r>
+              <a:rPr lang="en-US" sz="1200" b="0" i="0" kern="1200" dirty="0" smtClean="0">
+                <a:solidFill>
+                  <a:schemeClr val="tx1"/>
+                </a:solidFill>
+                <a:effectLst/>
+                <a:latin typeface="+mn-lt"/>
+                <a:ea typeface="+mn-ea"/>
+                <a:cs typeface="+mn-cs"/>
+              </a:rPr>
+              <a:t>cross-referencing a list of positive and negative keywords against a list of adjectives.</a:t>
+            </a:r>
+          </a:p>
+          <a:p>
+            <a:pPr marL="0" marR="0" indent="0" algn="l" defTabSz="914400" rtl="0" eaLnBrk="1" fontAlgn="auto" latinLnBrk="0" hangingPunct="1">
+              <a:lnSpc>
+                <a:spcPct val="100000"/>
+              </a:lnSpc>
+              <a:spcBef>
+                <a:spcPts val="0"/>
+              </a:spcBef>
+              <a:spcAft>
+                <a:spcPts val="0"/>
+              </a:spcAft>
+              <a:buClrTx/>
+              <a:buSzTx/>
+              <a:buFontTx/>
+              <a:buNone/>
+              <a:tabLst/>
+              <a:defRPr/>
+            </a:pPr>
+            <a:r>
+              <a:rPr kumimoji="0" lang="en-US" sz="1200" b="0" i="0" u="none" strike="noStrike" kern="1200" baseline="0" dirty="0" smtClean="0">
+                <a:solidFill>
+                  <a:schemeClr val="dk1"/>
+                </a:solidFill>
+                <a:latin typeface="+mn-lt"/>
+                <a:ea typeface="+mn-ea"/>
+                <a:cs typeface="+mn-cs"/>
+              </a:rPr>
+              <a:t>Social </a:t>
+            </a:r>
+            <a:r>
+              <a:rPr kumimoji="0" lang="en-US" sz="1200" b="0" i="0" u="none" strike="noStrike" kern="1200" baseline="0" dirty="0" err="1" smtClean="0">
+                <a:solidFill>
+                  <a:schemeClr val="dk1"/>
+                </a:solidFill>
+                <a:latin typeface="+mn-lt"/>
+                <a:ea typeface="+mn-ea"/>
+                <a:cs typeface="+mn-cs"/>
+              </a:rPr>
+              <a:t>Mention:Social</a:t>
+            </a:r>
+            <a:r>
+              <a:rPr kumimoji="0" lang="en-US" sz="1200" b="0" i="0" u="none" strike="noStrike" kern="1200" baseline="0" dirty="0" smtClean="0">
+                <a:solidFill>
+                  <a:schemeClr val="dk1"/>
+                </a:solidFill>
+                <a:latin typeface="+mn-lt"/>
+                <a:ea typeface="+mn-ea"/>
+                <a:cs typeface="+mn-cs"/>
+              </a:rPr>
+              <a:t> search engine and sentiment analysis, keywords similarity</a:t>
+            </a:r>
+            <a:endParaRPr lang="en-US" dirty="0" smtClean="0"/>
+          </a:p>
           <a:p>
             <a:endParaRPr lang="en-US" dirty="0"/>
           </a:p>
@@ -1857,7 +1959,7 @@
           <a:p>
             <a:fld id="{A0DA329A-785D-4762-B3B3-1507F1007C29}" type="datetime1">
               <a:rPr lang="en-US" smtClean="0"/>
-              <a:t>6/15/2014</a:t>
+              <a:t>6/17/2014</a:t>
             </a:fld>
             <a:endParaRPr lang="en-US"/>
           </a:p>
@@ -2171,7 +2273,7 @@
           <a:p>
             <a:fld id="{FCE9DB28-6219-45A4-8D88-208EA5CBCAF4}" type="datetime1">
               <a:rPr lang="en-US" smtClean="0"/>
-              <a:t>6/15/2014</a:t>
+              <a:t>6/17/2014</a:t>
             </a:fld>
             <a:endParaRPr lang="en-US"/>
           </a:p>
@@ -2357,7 +2459,7 @@
           <a:p>
             <a:fld id="{08EFECB1-2F86-4812-937A-3A53814A5990}" type="datetime1">
               <a:rPr lang="en-US" smtClean="0"/>
-              <a:t>6/15/2014</a:t>
+              <a:t>6/17/2014</a:t>
             </a:fld>
             <a:endParaRPr lang="en-US"/>
           </a:p>
@@ -2533,7 +2635,7 @@
           <a:p>
             <a:fld id="{811016FD-805F-4EA3-A729-3A6ABD21F095}" type="datetime1">
               <a:rPr lang="en-US" smtClean="0"/>
-              <a:t>6/15/2014</a:t>
+              <a:t>6/17/2014</a:t>
             </a:fld>
             <a:endParaRPr lang="en-US"/>
           </a:p>
@@ -2802,7 +2904,7 @@
           <a:p>
             <a:fld id="{BF7E7224-30CF-4A07-B49E-3CFFC649F3D8}" type="datetime1">
               <a:rPr lang="en-US" smtClean="0"/>
-              <a:t>6/15/2014</a:t>
+              <a:t>6/17/2014</a:t>
             </a:fld>
             <a:endParaRPr lang="en-US"/>
           </a:p>
@@ -3271,7 +3373,7 @@
           <a:p>
             <a:fld id="{57A0B588-AE3B-421D-A7B6-57E1F03B21CA}" type="datetime1">
               <a:rPr lang="en-US" smtClean="0"/>
-              <a:t>6/15/2014</a:t>
+              <a:t>6/17/2014</a:t>
             </a:fld>
             <a:endParaRPr lang="en-US"/>
           </a:p>
@@ -3761,7 +3863,7 @@
           <a:p>
             <a:fld id="{3B2F4C54-C06B-4434-9B2E-01162BE5FB37}" type="datetime1">
               <a:rPr lang="en-US" smtClean="0"/>
-              <a:t>6/15/2014</a:t>
+              <a:t>6/17/2014</a:t>
             </a:fld>
             <a:endParaRPr lang="en-US"/>
           </a:p>
@@ -3888,7 +3990,7 @@
           <a:p>
             <a:fld id="{5FB2E277-9E61-4D32-8D18-1403798BF61D}" type="datetime1">
               <a:rPr lang="en-US" smtClean="0"/>
-              <a:t>6/15/2014</a:t>
+              <a:t>6/17/2014</a:t>
             </a:fld>
             <a:endParaRPr lang="en-US"/>
           </a:p>
@@ -4033,7 +4135,7 @@
           <a:p>
             <a:fld id="{B75DC15A-5D92-43E6-A0C2-A242B9382C7B}" type="datetime1">
               <a:rPr lang="en-US" smtClean="0"/>
-              <a:t>6/15/2014</a:t>
+              <a:t>6/17/2014</a:t>
             </a:fld>
             <a:endParaRPr lang="en-US"/>
           </a:p>
@@ -4356,7 +4458,7 @@
           <a:p>
             <a:fld id="{F4CF7BF6-8114-404C-AC63-97FED72D65AA}" type="datetime1">
               <a:rPr lang="en-US" smtClean="0"/>
-              <a:t>6/15/2014</a:t>
+              <a:t>6/17/2014</a:t>
             </a:fld>
             <a:endParaRPr lang="en-US"/>
           </a:p>
@@ -4491,7 +4593,7 @@
           <a:p>
             <a:fld id="{E3C0FD41-BFEB-4436-B5E6-ECD2147E8663}" type="datetime1">
               <a:rPr lang="en-US" smtClean="0"/>
-              <a:t>6/15/2014</a:t>
+              <a:t>6/17/2014</a:t>
             </a:fld>
             <a:endParaRPr lang="en-US"/>
           </a:p>
@@ -5273,7 +5375,7 @@
           <a:p>
             <a:fld id="{8AE93BDF-A35C-40D0-B28D-1455CF23E17F}" type="datetime1">
               <a:rPr lang="en-US" smtClean="0"/>
-              <a:t>6/15/2014</a:t>
+              <a:t>6/17/2014</a:t>
             </a:fld>
             <a:endParaRPr lang="en-US"/>
           </a:p>
@@ -6935,6 +7037,13 @@
   <p:clrMapOvr>
     <a:masterClrMapping/>
   </p:clrMapOvr>
+  <p:timing>
+    <p:tnLst>
+      <p:par>
+        <p:cTn id="1" dur="indefinite" restart="never" nodeType="tmRoot"/>
+      </p:par>
+    </p:tnLst>
+  </p:timing>
 </p:sld>
 </file>
 
@@ -7749,15 +7858,7 @@
             </a:r>
             <a:r>
               <a:rPr lang="en-US" sz="2200" dirty="0" smtClean="0"/>
-              <a:t>average F1 </a:t>
-            </a:r>
-            <a:r>
-              <a:rPr lang="en-US" sz="2200" dirty="0" smtClean="0"/>
-              <a:t>measure</a:t>
-            </a:r>
-            <a:r>
-              <a:rPr lang="en-US" sz="2200" dirty="0" smtClean="0"/>
-              <a:t>.</a:t>
+              <a:t>average F1 measure.</a:t>
             </a:r>
           </a:p>
           <a:p>
@@ -10068,9 +10169,33 @@
           </a:p>
         </p:txBody>
       </p:sp>
+      <p:sp>
+        <p:nvSpPr>
+          <p:cNvPr id="4" name="Slide Number Placeholder 3"/>
+          <p:cNvSpPr>
+            <a:spLocks noGrp="1"/>
+          </p:cNvSpPr>
+          <p:nvPr>
+            <p:ph type="sldNum" sz="quarter" idx="12"/>
+          </p:nvPr>
+        </p:nvSpPr>
+        <p:spPr/>
+        <p:txBody>
+          <a:bodyPr/>
+          <a:lstStyle/>
+          <a:p>
+            <a:fld id="{B6F15528-21DE-4FAA-801E-634DDDAF4B2B}" type="slidenum">
+              <a:rPr lang="en-US" smtClean="0"/>
+              <a:pPr/>
+              <a:t>26</a:t>
+            </a:fld>
+            <a:endParaRPr lang="en-US"/>
+          </a:p>
+        </p:txBody>
+      </p:sp>
       <p:pic>
         <p:nvPicPr>
-          <p:cNvPr id="11267" name="Picture 3"/>
+          <p:cNvPr id="1026" name="Picture 2"/>
           <p:cNvPicPr>
             <a:picLocks noChangeAspect="1" noChangeArrowheads="1"/>
           </p:cNvPicPr>
@@ -10091,8 +10216,8 @@
         </p:blipFill>
         <p:spPr bwMode="auto">
           <a:xfrm>
-            <a:off x="693683" y="2057400"/>
-            <a:ext cx="8077200" cy="4769069"/>
+            <a:off x="990600" y="2057400"/>
+            <a:ext cx="8001000" cy="4660465"/>
           </a:xfrm>
           <a:prstGeom prst="rect">
             <a:avLst/>
@@ -10122,30 +10247,6 @@
           </a:extLst>
         </p:spPr>
       </p:pic>
-      <p:sp>
-        <p:nvSpPr>
-          <p:cNvPr id="4" name="Slide Number Placeholder 3"/>
-          <p:cNvSpPr>
-            <a:spLocks noGrp="1"/>
-          </p:cNvSpPr>
-          <p:nvPr>
-            <p:ph type="sldNum" sz="quarter" idx="12"/>
-          </p:nvPr>
-        </p:nvSpPr>
-        <p:spPr/>
-        <p:txBody>
-          <a:bodyPr/>
-          <a:lstStyle/>
-          <a:p>
-            <a:fld id="{B6F15528-21DE-4FAA-801E-634DDDAF4B2B}" type="slidenum">
-              <a:rPr lang="en-US" smtClean="0"/>
-              <a:pPr/>
-              <a:t>26</a:t>
-            </a:fld>
-            <a:endParaRPr lang="en-US"/>
-          </a:p>
-        </p:txBody>
-      </p:sp>
     </p:spTree>
     <p:extLst>
       <p:ext uri="{BB962C8B-B14F-4D97-AF65-F5344CB8AC3E}">
@@ -10280,27 +10381,7 @@
           <a:p>
             <a:r>
               <a:rPr lang="en-US" sz="2400" dirty="0"/>
-              <a:t>Due </a:t>
-            </a:r>
-            <a:r>
-              <a:rPr lang="en-US" sz="2400" dirty="0"/>
-              <a:t>to this inconsistent behavior, we decided to not further pursue </a:t>
-            </a:r>
-            <a:r>
-              <a:rPr lang="en-US" sz="2400" dirty="0"/>
-              <a:t>feature selection </a:t>
-            </a:r>
-            <a:r>
-              <a:rPr lang="en-US" sz="2400" dirty="0"/>
-              <a:t>for </a:t>
-            </a:r>
-            <a:r>
-              <a:rPr lang="en-US" sz="2400" dirty="0"/>
-              <a:t>classifiers </a:t>
-            </a:r>
-            <a:r>
-              <a:rPr lang="en-US" sz="2400" dirty="0"/>
-              <a:t>that can readily handle all the available features</a:t>
+              <a:t>Due to this inconsistent behavior, we decided to not further pursue feature selection for classifiers that can readily handle all the available features</a:t>
             </a:r>
             <a:r>
               <a:rPr lang="en-US" dirty="0"/>
@@ -10968,7 +11049,11 @@
             <a:pPr lvl="1"/>
             <a:r>
               <a:rPr lang="en-US" sz="2400" dirty="0" smtClean="0"/>
-              <a:t>feature-based opinion mining</a:t>
+              <a:t> feature-based </a:t>
+            </a:r>
+            <a:r>
+              <a:rPr lang="en-US" sz="2400" dirty="0" smtClean="0"/>
+              <a:t>opinion mining</a:t>
             </a:r>
           </a:p>
           <a:p>
@@ -11103,58 +11188,61 @@
           <a:lstStyle/>
           <a:p>
             <a:r>
-              <a:rPr lang="en-US" sz="2800" dirty="0"/>
+              <a:rPr lang="en-US" sz="2400" dirty="0"/>
               <a:t>The results show that with using less than 0.1% of the features (3000 </a:t>
             </a:r>
             <a:r>
-              <a:rPr lang="en-US" sz="2800" dirty="0" smtClean="0"/>
+              <a:rPr lang="en-US" sz="2400" dirty="0" smtClean="0"/>
               <a:t>features) we </a:t>
             </a:r>
             <a:r>
-              <a:rPr lang="en-US" sz="2800" dirty="0"/>
+              <a:rPr lang="en-US" sz="2400" dirty="0"/>
               <a:t>get an F1 measure of around 60%, which is close to the 70% achieved </a:t>
             </a:r>
             <a:r>
-              <a:rPr lang="en-US" sz="2800" dirty="0" smtClean="0"/>
+              <a:rPr lang="en-US" sz="2400" dirty="0" smtClean="0"/>
               <a:t>using all </a:t>
             </a:r>
             <a:r>
-              <a:rPr lang="en-US" sz="2800" dirty="0"/>
+              <a:rPr lang="en-US" sz="2400" dirty="0"/>
               <a:t>the features (over 3.7 million). </a:t>
             </a:r>
-            <a:endParaRPr lang="en-US" sz="2800" dirty="0" smtClean="0"/>
-          </a:p>
-          <a:p>
-            <a:r>
-              <a:rPr lang="en-US" sz="2800" dirty="0" smtClean="0"/>
+            <a:endParaRPr lang="en-US" sz="2400" dirty="0" smtClean="0"/>
+          </a:p>
+          <a:p>
+            <a:endParaRPr lang="en-US" sz="2400" dirty="0" smtClean="0"/>
+          </a:p>
+          <a:p>
+            <a:r>
+              <a:rPr lang="en-US" sz="2400" dirty="0" smtClean="0"/>
               <a:t>This </a:t>
             </a:r>
             <a:r>
-              <a:rPr lang="en-US" sz="2800" dirty="0"/>
+              <a:rPr lang="en-US" sz="2400" dirty="0"/>
               <a:t>is an interesting observation, and </a:t>
             </a:r>
             <a:r>
-              <a:rPr lang="en-US" sz="2800" dirty="0" smtClean="0"/>
+              <a:rPr lang="en-US" sz="2400" dirty="0" smtClean="0"/>
               <a:t>we plan </a:t>
             </a:r>
             <a:r>
-              <a:rPr lang="en-US" sz="2800" dirty="0"/>
+              <a:rPr lang="en-US" sz="2400" dirty="0"/>
               <a:t>to investigate this further in the next phase, in addition to </a:t>
             </a:r>
             <a:r>
-              <a:rPr lang="en-US" sz="2800" dirty="0" smtClean="0"/>
+              <a:rPr lang="en-US" sz="2400" dirty="0" smtClean="0"/>
               <a:t>investigating using </a:t>
             </a:r>
             <a:r>
-              <a:rPr lang="en-US" sz="2800" dirty="0"/>
+              <a:rPr lang="en-US" sz="2400" dirty="0"/>
               <a:t>dimensionality reduction techniques  </a:t>
             </a:r>
             <a:r>
-              <a:rPr lang="en-US" sz="2800" dirty="0" smtClean="0"/>
+              <a:rPr lang="en-US" sz="2400" dirty="0" smtClean="0"/>
               <a:t>e.g</a:t>
             </a:r>
             <a:r>
-              <a:rPr lang="en-US" sz="2800" dirty="0"/>
+              <a:rPr lang="en-US" sz="2400" dirty="0"/>
               <a:t>. Principal Component Analysis.</a:t>
             </a:r>
           </a:p>
@@ -11271,11 +11359,7 @@
             </a:r>
             <a:r>
               <a:rPr lang="en-US" sz="2800" dirty="0" smtClean="0"/>
-              <a:t>tweets on two </a:t>
-            </a:r>
-            <a:r>
-              <a:rPr lang="en-US" sz="2800" dirty="0" smtClean="0"/>
-              <a:t>stages</a:t>
+              <a:t>tweets on two stages</a:t>
             </a:r>
             <a:r>
               <a:rPr lang="ar-EG" sz="2800" dirty="0" smtClean="0"/>
@@ -11283,13 +11367,8 @@
             </a:r>
             <a:r>
               <a:rPr lang="en-US" sz="2800" dirty="0" smtClean="0"/>
-              <a:t>over a period of four months</a:t>
-            </a:r>
-            <a:r>
-              <a:rPr lang="en-US" sz="2800" dirty="0" smtClean="0"/>
-              <a:t>.</a:t>
-            </a:r>
-            <a:endParaRPr lang="en-US" sz="2800" dirty="0" smtClean="0"/>
+              <a:t>over a period of four months.</a:t>
+            </a:r>
           </a:p>
           <a:p>
             <a:pPr lvl="1"/>
@@ -11610,11 +11689,7 @@
           <a:p>
             <a:r>
               <a:rPr lang="en-US" dirty="0" smtClean="0"/>
-              <a:t>Amazon mechanical </a:t>
-            </a:r>
-            <a:r>
-              <a:rPr lang="en-US" dirty="0" err="1" smtClean="0"/>
-              <a:t>turk</a:t>
+              <a:t>Amazon Mechanical Turk</a:t>
             </a:r>
             <a:endParaRPr lang="en-US" dirty="0"/>
           </a:p>
@@ -11632,39 +11707,46 @@
         </p:nvSpPr>
         <p:spPr/>
         <p:txBody>
-          <a:bodyPr/>
+          <a:bodyPr>
+            <a:normAutofit/>
+          </a:bodyPr>
           <a:lstStyle/>
           <a:p>
             <a:r>
-              <a:rPr lang="en-US" dirty="0" smtClean="0"/>
+              <a:rPr lang="en-US" sz="2800" dirty="0" smtClean="0"/>
               <a:t>Online </a:t>
             </a:r>
             <a:r>
-              <a:rPr lang="en-US" dirty="0"/>
+              <a:rPr lang="en-US" sz="2800" dirty="0"/>
               <a:t>service that allows companies or individuals to post their data and </a:t>
             </a:r>
             <a:r>
-              <a:rPr lang="en-US" dirty="0" smtClean="0"/>
+              <a:rPr lang="en-US" sz="2800" dirty="0" smtClean="0"/>
               <a:t>other workers </a:t>
             </a:r>
             <a:r>
-              <a:rPr lang="en-US" dirty="0"/>
+              <a:rPr lang="en-US" sz="2800" dirty="0"/>
               <a:t>can manually tag the </a:t>
             </a:r>
             <a:r>
-              <a:rPr lang="en-US" dirty="0" smtClean="0"/>
+              <a:rPr lang="en-US" sz="2800" dirty="0" smtClean="0"/>
               <a:t>data.</a:t>
             </a:r>
           </a:p>
           <a:p>
-            <a:endParaRPr lang="en-US" dirty="0"/>
-          </a:p>
-          <a:p>
-            <a:r>
-              <a:rPr lang="en-US" dirty="0" smtClean="0"/>
+            <a:endParaRPr lang="en-US" sz="2800" dirty="0"/>
+          </a:p>
+          <a:p>
+            <a:r>
+              <a:rPr lang="en-US" sz="2800" dirty="0" smtClean="0"/>
               <a:t>A predefined charge is given to the workers to complete their work.</a:t>
             </a:r>
-            <a:endParaRPr lang="en-US" dirty="0"/>
+          </a:p>
+          <a:p>
+            <a:endParaRPr lang="en-US" sz="2400" dirty="0"/>
+          </a:p>
+          <a:p>
+            <a:endParaRPr lang="en-US" sz="2400" dirty="0"/>
           </a:p>
         </p:txBody>
       </p:sp>
@@ -11813,11 +11895,7 @@
             </a:r>
             <a:r>
               <a:rPr lang="en-US" sz="2400" dirty="0" smtClean="0"/>
-              <a:t>’ to interface with Amazon web services</a:t>
-            </a:r>
-            <a:r>
-              <a:rPr lang="en-US" sz="2400" dirty="0" smtClean="0"/>
-              <a:t>.</a:t>
+              <a:t>’ to interface with Amazon web services.</a:t>
             </a:r>
           </a:p>
           <a:p>
@@ -12076,13 +12154,8 @@
             </a:r>
             <a:r>
               <a:rPr lang="en-US" sz="2400" dirty="0" smtClean="0"/>
-              <a:t> </a:t>
-            </a:r>
-            <a:r>
-              <a:rPr lang="en-US" sz="2400" dirty="0" smtClean="0"/>
-              <a:t>journal.</a:t>
-            </a:r>
-            <a:endParaRPr lang="en-US" sz="2400" dirty="0" smtClean="0"/>
+              <a:t> journal.</a:t>
+            </a:r>
           </a:p>
           <a:p>
             <a:pPr marL="596646" indent="-514350">
@@ -12303,15 +12376,7 @@
             </a:r>
             <a:r>
               <a:rPr lang="en-US" sz="2400" dirty="0" smtClean="0"/>
-              <a:t>we </a:t>
-            </a:r>
-            <a:r>
-              <a:rPr lang="en-US" sz="2400" dirty="0" smtClean="0"/>
-              <a:t>collected by applying a </a:t>
-            </a:r>
-            <a:r>
-              <a:rPr lang="en-US" sz="2400" dirty="0" smtClean="0"/>
-              <a:t>wide range </a:t>
+              <a:t>we collected by applying a wide range </a:t>
             </a:r>
             <a:r>
               <a:rPr lang="en-US" sz="2400" dirty="0"/>
@@ -12595,7 +12660,7 @@
           <p:nvPr>
             <p:extLst>
               <p:ext uri="{D42A27DB-BD31-4B8C-83A1-F6EECF244321}">
-                <p14:modId xmlns:p14="http://schemas.microsoft.com/office/powerpoint/2010/main" val="3828145017"/>
+                <p14:modId xmlns:p14="http://schemas.microsoft.com/office/powerpoint/2010/main" val="1345808784"/>
               </p:ext>
             </p:extLst>
           </p:nvPr>
@@ -12611,8 +12676,8 @@
                 <a:tableStyleId>{5C22544A-7EE6-4342-B048-85BDC9FD1C3A}</a:tableStyleId>
               </a:tblPr>
               <a:tblGrid>
-                <a:gridCol w="1652530"/>
-                <a:gridCol w="1900410"/>
+                <a:gridCol w="1676400"/>
+                <a:gridCol w="1876540"/>
                 <a:gridCol w="1900410"/>
                 <a:gridCol w="1938050"/>
               </a:tblGrid>
@@ -13753,11 +13818,7 @@
             <a:pPr lvl="1"/>
             <a:r>
               <a:rPr lang="en-US" sz="2000" dirty="0"/>
-              <a:t>S</a:t>
-            </a:r>
-            <a:r>
-              <a:rPr lang="en-US" sz="2000" dirty="0"/>
-              <a:t>ub</a:t>
+              <a:t>Sub</a:t>
             </a:r>
             <a:r>
               <a:rPr lang="en-US" sz="2000" dirty="0" smtClean="0"/>
